--- a/trunk/Document/Distributed File System.pptx
+++ b/trunk/Document/Distributed File System.pptx
@@ -4,29 +4,35 @@
   <p:sldMasterIdLst>
     <p:sldMasterId id="2147483689" r:id="rId1"/>
   </p:sldMasterIdLst>
+  <p:notesMasterIdLst>
+    <p:notesMasterId r:id="rId27"/>
+  </p:notesMasterIdLst>
   <p:sldIdLst>
     <p:sldId id="256" r:id="rId2"/>
-    <p:sldId id="257" r:id="rId3"/>
-    <p:sldId id="258" r:id="rId4"/>
-    <p:sldId id="266" r:id="rId5"/>
-    <p:sldId id="269" r:id="rId6"/>
-    <p:sldId id="270" r:id="rId7"/>
-    <p:sldId id="271" r:id="rId8"/>
-    <p:sldId id="267" r:id="rId9"/>
-    <p:sldId id="268" r:id="rId10"/>
-    <p:sldId id="272" r:id="rId11"/>
-    <p:sldId id="275" r:id="rId12"/>
-    <p:sldId id="274" r:id="rId13"/>
-    <p:sldId id="276" r:id="rId14"/>
-    <p:sldId id="277" r:id="rId15"/>
-    <p:sldId id="278" r:id="rId16"/>
-    <p:sldId id="279" r:id="rId17"/>
-    <p:sldId id="262" r:id="rId18"/>
-    <p:sldId id="264" r:id="rId19"/>
-    <p:sldId id="265" r:id="rId20"/>
-    <p:sldId id="280" r:id="rId21"/>
-    <p:sldId id="260" r:id="rId22"/>
-    <p:sldId id="261" r:id="rId23"/>
+    <p:sldId id="283" r:id="rId3"/>
+    <p:sldId id="257" r:id="rId4"/>
+    <p:sldId id="258" r:id="rId5"/>
+    <p:sldId id="266" r:id="rId6"/>
+    <p:sldId id="269" r:id="rId7"/>
+    <p:sldId id="270" r:id="rId8"/>
+    <p:sldId id="271" r:id="rId9"/>
+    <p:sldId id="267" r:id="rId10"/>
+    <p:sldId id="268" r:id="rId11"/>
+    <p:sldId id="272" r:id="rId12"/>
+    <p:sldId id="275" r:id="rId13"/>
+    <p:sldId id="274" r:id="rId14"/>
+    <p:sldId id="276" r:id="rId15"/>
+    <p:sldId id="277" r:id="rId16"/>
+    <p:sldId id="278" r:id="rId17"/>
+    <p:sldId id="279" r:id="rId18"/>
+    <p:sldId id="262" r:id="rId19"/>
+    <p:sldId id="264" r:id="rId20"/>
+    <p:sldId id="265" r:id="rId21"/>
+    <p:sldId id="280" r:id="rId22"/>
+    <p:sldId id="281" r:id="rId23"/>
+    <p:sldId id="260" r:id="rId24"/>
+    <p:sldId id="261" r:id="rId25"/>
+    <p:sldId id="282" r:id="rId26"/>
   </p:sldIdLst>
   <p:sldSz cx="9144000" cy="6858000" type="screen4x3"/>
   <p:notesSz cx="6858000" cy="9144000"/>
@@ -125,7 +131,484 @@
       </a:defRPr>
     </a:lvl9pPr>
   </p:defaultTextStyle>
+  <p:extLst>
+    <p:ext uri="{521415D9-36F7-43E2-AB2F-B90AF26B5E84}">
+      <p14:sectionLst xmlns:p14="http://schemas.microsoft.com/office/powerpoint/2010/main">
+        <p14:section name="默认节" id="{2EEEAEDF-00BD-4011-9D6C-0AD10370D31D}">
+          <p14:sldIdLst>
+            <p14:sldId id="256"/>
+            <p14:sldId id="283"/>
+            <p14:sldId id="257"/>
+            <p14:sldId id="258"/>
+            <p14:sldId id="266"/>
+            <p14:sldId id="269"/>
+            <p14:sldId id="270"/>
+            <p14:sldId id="271"/>
+            <p14:sldId id="267"/>
+            <p14:sldId id="268"/>
+            <p14:sldId id="272"/>
+            <p14:sldId id="275"/>
+            <p14:sldId id="274"/>
+            <p14:sldId id="276"/>
+            <p14:sldId id="277"/>
+            <p14:sldId id="278"/>
+            <p14:sldId id="279"/>
+            <p14:sldId id="262"/>
+            <p14:sldId id="264"/>
+            <p14:sldId id="265"/>
+            <p14:sldId id="280"/>
+            <p14:sldId id="281"/>
+            <p14:sldId id="260"/>
+            <p14:sldId id="261"/>
+            <p14:sldId id="282"/>
+          </p14:sldIdLst>
+        </p14:section>
+      </p14:sectionLst>
+    </p:ext>
+  </p:extLst>
 </p:presentation>
+</file>
+
+<file path=ppt/notesMasters/notesMaster1.xml><?xml version="1.0" encoding="utf-8"?>
+<p:notesMaster xmlns:a="http://schemas.openxmlformats.org/drawingml/2006/main" xmlns:r="http://schemas.openxmlformats.org/officeDocument/2006/relationships" xmlns:p="http://schemas.openxmlformats.org/presentationml/2006/main">
+  <p:cSld>
+    <p:bg>
+      <p:bgRef idx="1001">
+        <a:schemeClr val="bg1"/>
+      </p:bgRef>
+    </p:bg>
+    <p:spTree>
+      <p:nvGrpSpPr>
+        <p:cNvPr id="1" name=""/>
+        <p:cNvGrpSpPr/>
+        <p:nvPr/>
+      </p:nvGrpSpPr>
+      <p:grpSpPr>
+        <a:xfrm>
+          <a:off x="0" y="0"/>
+          <a:ext cx="0" cy="0"/>
+          <a:chOff x="0" y="0"/>
+          <a:chExt cx="0" cy="0"/>
+        </a:xfrm>
+      </p:grpSpPr>
+      <p:sp>
+        <p:nvSpPr>
+          <p:cNvPr id="2" name="页眉占位符 1"/>
+          <p:cNvSpPr>
+            <a:spLocks noGrp="1"/>
+          </p:cNvSpPr>
+          <p:nvPr>
+            <p:ph type="hdr" sz="quarter"/>
+          </p:nvPr>
+        </p:nvSpPr>
+        <p:spPr>
+          <a:xfrm>
+            <a:off x="0" y="0"/>
+            <a:ext cx="2971800" cy="457200"/>
+          </a:xfrm>
+          <a:prstGeom prst="rect">
+            <a:avLst/>
+          </a:prstGeom>
+        </p:spPr>
+        <p:txBody>
+          <a:bodyPr vert="horz" lIns="91440" tIns="45720" rIns="91440" bIns="45720" rtlCol="0"/>
+          <a:lstStyle>
+            <a:lvl1pPr algn="l">
+              <a:defRPr sz="1200"/>
+            </a:lvl1pPr>
+          </a:lstStyle>
+          <a:p>
+            <a:endParaRPr lang="zh-CN" altLang="en-US"/>
+          </a:p>
+        </p:txBody>
+      </p:sp>
+      <p:sp>
+        <p:nvSpPr>
+          <p:cNvPr id="3" name="日期占位符 2"/>
+          <p:cNvSpPr>
+            <a:spLocks noGrp="1"/>
+          </p:cNvSpPr>
+          <p:nvPr>
+            <p:ph type="dt" idx="1"/>
+          </p:nvPr>
+        </p:nvSpPr>
+        <p:spPr>
+          <a:xfrm>
+            <a:off x="3884613" y="0"/>
+            <a:ext cx="2971800" cy="457200"/>
+          </a:xfrm>
+          <a:prstGeom prst="rect">
+            <a:avLst/>
+          </a:prstGeom>
+        </p:spPr>
+        <p:txBody>
+          <a:bodyPr vert="horz" lIns="91440" tIns="45720" rIns="91440" bIns="45720" rtlCol="0"/>
+          <a:lstStyle>
+            <a:lvl1pPr algn="r">
+              <a:defRPr sz="1200"/>
+            </a:lvl1pPr>
+          </a:lstStyle>
+          <a:p>
+            <a:fld id="{544691CF-94FD-4DC8-91C0-3645201B4392}" type="datetimeFigureOut">
+              <a:rPr lang="zh-CN" altLang="en-US" smtClean="0"/>
+              <a:t>2012/10/16</a:t>
+            </a:fld>
+            <a:endParaRPr lang="zh-CN" altLang="en-US"/>
+          </a:p>
+        </p:txBody>
+      </p:sp>
+      <p:sp>
+        <p:nvSpPr>
+          <p:cNvPr id="4" name="幻灯片图像占位符 3"/>
+          <p:cNvSpPr>
+            <a:spLocks noGrp="1" noRot="1" noChangeAspect="1"/>
+          </p:cNvSpPr>
+          <p:nvPr>
+            <p:ph type="sldImg" idx="2"/>
+          </p:nvPr>
+        </p:nvSpPr>
+        <p:spPr>
+          <a:xfrm>
+            <a:off x="1143000" y="685800"/>
+            <a:ext cx="4572000" cy="3429000"/>
+          </a:xfrm>
+          <a:prstGeom prst="rect">
+            <a:avLst/>
+          </a:prstGeom>
+          <a:noFill/>
+          <a:ln w="12700">
+            <a:solidFill>
+              <a:prstClr val="black"/>
+            </a:solidFill>
+          </a:ln>
+        </p:spPr>
+        <p:txBody>
+          <a:bodyPr vert="horz" lIns="91440" tIns="45720" rIns="91440" bIns="45720" rtlCol="0" anchor="ctr"/>
+          <a:lstStyle/>
+          <a:p>
+            <a:endParaRPr lang="zh-CN" altLang="en-US"/>
+          </a:p>
+        </p:txBody>
+      </p:sp>
+      <p:sp>
+        <p:nvSpPr>
+          <p:cNvPr id="5" name="备注占位符 4"/>
+          <p:cNvSpPr>
+            <a:spLocks noGrp="1"/>
+          </p:cNvSpPr>
+          <p:nvPr>
+            <p:ph type="body" sz="quarter" idx="3"/>
+          </p:nvPr>
+        </p:nvSpPr>
+        <p:spPr>
+          <a:xfrm>
+            <a:off x="685800" y="4343400"/>
+            <a:ext cx="5486400" cy="4114800"/>
+          </a:xfrm>
+          <a:prstGeom prst="rect">
+            <a:avLst/>
+          </a:prstGeom>
+        </p:spPr>
+        <p:txBody>
+          <a:bodyPr vert="horz" lIns="91440" tIns="45720" rIns="91440" bIns="45720" rtlCol="0"/>
+          <a:lstStyle/>
+          <a:p>
+            <a:pPr lvl="0"/>
+            <a:r>
+              <a:rPr lang="zh-CN" altLang="en-US" smtClean="0"/>
+              <a:t>单击此处编辑母版文本样式</a:t>
+            </a:r>
+          </a:p>
+          <a:p>
+            <a:pPr lvl="1"/>
+            <a:r>
+              <a:rPr lang="zh-CN" altLang="en-US" smtClean="0"/>
+              <a:t>第二级</a:t>
+            </a:r>
+          </a:p>
+          <a:p>
+            <a:pPr lvl="2"/>
+            <a:r>
+              <a:rPr lang="zh-CN" altLang="en-US" smtClean="0"/>
+              <a:t>第三级</a:t>
+            </a:r>
+          </a:p>
+          <a:p>
+            <a:pPr lvl="3"/>
+            <a:r>
+              <a:rPr lang="zh-CN" altLang="en-US" smtClean="0"/>
+              <a:t>第四级</a:t>
+            </a:r>
+          </a:p>
+          <a:p>
+            <a:pPr lvl="4"/>
+            <a:r>
+              <a:rPr lang="zh-CN" altLang="en-US" smtClean="0"/>
+              <a:t>第五级</a:t>
+            </a:r>
+            <a:endParaRPr lang="zh-CN" altLang="en-US"/>
+          </a:p>
+        </p:txBody>
+      </p:sp>
+      <p:sp>
+        <p:nvSpPr>
+          <p:cNvPr id="6" name="页脚占位符 5"/>
+          <p:cNvSpPr>
+            <a:spLocks noGrp="1"/>
+          </p:cNvSpPr>
+          <p:nvPr>
+            <p:ph type="ftr" sz="quarter" idx="4"/>
+          </p:nvPr>
+        </p:nvSpPr>
+        <p:spPr>
+          <a:xfrm>
+            <a:off x="0" y="8685213"/>
+            <a:ext cx="2971800" cy="457200"/>
+          </a:xfrm>
+          <a:prstGeom prst="rect">
+            <a:avLst/>
+          </a:prstGeom>
+        </p:spPr>
+        <p:txBody>
+          <a:bodyPr vert="horz" lIns="91440" tIns="45720" rIns="91440" bIns="45720" rtlCol="0" anchor="b"/>
+          <a:lstStyle>
+            <a:lvl1pPr algn="l">
+              <a:defRPr sz="1200"/>
+            </a:lvl1pPr>
+          </a:lstStyle>
+          <a:p>
+            <a:endParaRPr lang="zh-CN" altLang="en-US"/>
+          </a:p>
+        </p:txBody>
+      </p:sp>
+      <p:sp>
+        <p:nvSpPr>
+          <p:cNvPr id="7" name="灯片编号占位符 6"/>
+          <p:cNvSpPr>
+            <a:spLocks noGrp="1"/>
+          </p:cNvSpPr>
+          <p:nvPr>
+            <p:ph type="sldNum" sz="quarter" idx="5"/>
+          </p:nvPr>
+        </p:nvSpPr>
+        <p:spPr>
+          <a:xfrm>
+            <a:off x="3884613" y="8685213"/>
+            <a:ext cx="2971800" cy="457200"/>
+          </a:xfrm>
+          <a:prstGeom prst="rect">
+            <a:avLst/>
+          </a:prstGeom>
+        </p:spPr>
+        <p:txBody>
+          <a:bodyPr vert="horz" lIns="91440" tIns="45720" rIns="91440" bIns="45720" rtlCol="0" anchor="b"/>
+          <a:lstStyle>
+            <a:lvl1pPr algn="r">
+              <a:defRPr sz="1200"/>
+            </a:lvl1pPr>
+          </a:lstStyle>
+          <a:p>
+            <a:fld id="{EDDF4F43-63C1-4167-A07B-BED53098D553}" type="slidenum">
+              <a:rPr lang="zh-CN" altLang="en-US" smtClean="0"/>
+              <a:t>‹#›</a:t>
+            </a:fld>
+            <a:endParaRPr lang="zh-CN" altLang="en-US"/>
+          </a:p>
+        </p:txBody>
+      </p:sp>
+    </p:spTree>
+    <p:extLst>
+      <p:ext uri="{BB962C8B-B14F-4D97-AF65-F5344CB8AC3E}">
+        <p14:creationId xmlns:p14="http://schemas.microsoft.com/office/powerpoint/2010/main" val="4127591711"/>
+      </p:ext>
+    </p:extLst>
+  </p:cSld>
+  <p:clrMap bg1="lt1" tx1="dk1" bg2="lt2" tx2="dk2" accent1="accent1" accent2="accent2" accent3="accent3" accent4="accent4" accent5="accent5" accent6="accent6" hlink="hlink" folHlink="folHlink"/>
+  <p:notesStyle>
+    <a:lvl1pPr marL="0" algn="l" defTabSz="914400" rtl="0" eaLnBrk="1" latinLnBrk="0" hangingPunct="1">
+      <a:defRPr sz="1200" kern="1200">
+        <a:solidFill>
+          <a:schemeClr val="tx1"/>
+        </a:solidFill>
+        <a:latin typeface="+mn-lt"/>
+        <a:ea typeface="+mn-ea"/>
+        <a:cs typeface="+mn-cs"/>
+      </a:defRPr>
+    </a:lvl1pPr>
+    <a:lvl2pPr marL="457200" algn="l" defTabSz="914400" rtl="0" eaLnBrk="1" latinLnBrk="0" hangingPunct="1">
+      <a:defRPr sz="1200" kern="1200">
+        <a:solidFill>
+          <a:schemeClr val="tx1"/>
+        </a:solidFill>
+        <a:latin typeface="+mn-lt"/>
+        <a:ea typeface="+mn-ea"/>
+        <a:cs typeface="+mn-cs"/>
+      </a:defRPr>
+    </a:lvl2pPr>
+    <a:lvl3pPr marL="914400" algn="l" defTabSz="914400" rtl="0" eaLnBrk="1" latinLnBrk="0" hangingPunct="1">
+      <a:defRPr sz="1200" kern="1200">
+        <a:solidFill>
+          <a:schemeClr val="tx1"/>
+        </a:solidFill>
+        <a:latin typeface="+mn-lt"/>
+        <a:ea typeface="+mn-ea"/>
+        <a:cs typeface="+mn-cs"/>
+      </a:defRPr>
+    </a:lvl3pPr>
+    <a:lvl4pPr marL="1371600" algn="l" defTabSz="914400" rtl="0" eaLnBrk="1" latinLnBrk="0" hangingPunct="1">
+      <a:defRPr sz="1200" kern="1200">
+        <a:solidFill>
+          <a:schemeClr val="tx1"/>
+        </a:solidFill>
+        <a:latin typeface="+mn-lt"/>
+        <a:ea typeface="+mn-ea"/>
+        <a:cs typeface="+mn-cs"/>
+      </a:defRPr>
+    </a:lvl4pPr>
+    <a:lvl5pPr marL="1828800" algn="l" defTabSz="914400" rtl="0" eaLnBrk="1" latinLnBrk="0" hangingPunct="1">
+      <a:defRPr sz="1200" kern="1200">
+        <a:solidFill>
+          <a:schemeClr val="tx1"/>
+        </a:solidFill>
+        <a:latin typeface="+mn-lt"/>
+        <a:ea typeface="+mn-ea"/>
+        <a:cs typeface="+mn-cs"/>
+      </a:defRPr>
+    </a:lvl5pPr>
+    <a:lvl6pPr marL="2286000" algn="l" defTabSz="914400" rtl="0" eaLnBrk="1" latinLnBrk="0" hangingPunct="1">
+      <a:defRPr sz="1200" kern="1200">
+        <a:solidFill>
+          <a:schemeClr val="tx1"/>
+        </a:solidFill>
+        <a:latin typeface="+mn-lt"/>
+        <a:ea typeface="+mn-ea"/>
+        <a:cs typeface="+mn-cs"/>
+      </a:defRPr>
+    </a:lvl6pPr>
+    <a:lvl7pPr marL="2743200" algn="l" defTabSz="914400" rtl="0" eaLnBrk="1" latinLnBrk="0" hangingPunct="1">
+      <a:defRPr sz="1200" kern="1200">
+        <a:solidFill>
+          <a:schemeClr val="tx1"/>
+        </a:solidFill>
+        <a:latin typeface="+mn-lt"/>
+        <a:ea typeface="+mn-ea"/>
+        <a:cs typeface="+mn-cs"/>
+      </a:defRPr>
+    </a:lvl7pPr>
+    <a:lvl8pPr marL="3200400" algn="l" defTabSz="914400" rtl="0" eaLnBrk="1" latinLnBrk="0" hangingPunct="1">
+      <a:defRPr sz="1200" kern="1200">
+        <a:solidFill>
+          <a:schemeClr val="tx1"/>
+        </a:solidFill>
+        <a:latin typeface="+mn-lt"/>
+        <a:ea typeface="+mn-ea"/>
+        <a:cs typeface="+mn-cs"/>
+      </a:defRPr>
+    </a:lvl8pPr>
+    <a:lvl9pPr marL="3657600" algn="l" defTabSz="914400" rtl="0" eaLnBrk="1" latinLnBrk="0" hangingPunct="1">
+      <a:defRPr sz="1200" kern="1200">
+        <a:solidFill>
+          <a:schemeClr val="tx1"/>
+        </a:solidFill>
+        <a:latin typeface="+mn-lt"/>
+        <a:ea typeface="+mn-ea"/>
+        <a:cs typeface="+mn-cs"/>
+      </a:defRPr>
+    </a:lvl9pPr>
+  </p:notesStyle>
+</p:notesMaster>
+</file>
+
+<file path=ppt/notesSlides/notesSlide1.xml><?xml version="1.0" encoding="utf-8"?>
+<p:notes xmlns:a="http://schemas.openxmlformats.org/drawingml/2006/main" xmlns:r="http://schemas.openxmlformats.org/officeDocument/2006/relationships" xmlns:p="http://schemas.openxmlformats.org/presentationml/2006/main">
+  <p:cSld>
+    <p:spTree>
+      <p:nvGrpSpPr>
+        <p:cNvPr id="1" name=""/>
+        <p:cNvGrpSpPr/>
+        <p:nvPr/>
+      </p:nvGrpSpPr>
+      <p:grpSpPr>
+        <a:xfrm>
+          <a:off x="0" y="0"/>
+          <a:ext cx="0" cy="0"/>
+          <a:chOff x="0" y="0"/>
+          <a:chExt cx="0" cy="0"/>
+        </a:xfrm>
+      </p:grpSpPr>
+      <p:sp>
+        <p:nvSpPr>
+          <p:cNvPr id="2" name="幻灯片图像占位符 1"/>
+          <p:cNvSpPr>
+            <a:spLocks noGrp="1" noRot="1" noChangeAspect="1"/>
+          </p:cNvSpPr>
+          <p:nvPr>
+            <p:ph type="sldImg"/>
+          </p:nvPr>
+        </p:nvSpPr>
+        <p:spPr/>
+      </p:sp>
+      <p:sp>
+        <p:nvSpPr>
+          <p:cNvPr id="3" name="备注占位符 2"/>
+          <p:cNvSpPr>
+            <a:spLocks noGrp="1"/>
+          </p:cNvSpPr>
+          <p:nvPr>
+            <p:ph type="body" idx="1"/>
+          </p:nvPr>
+        </p:nvSpPr>
+        <p:spPr/>
+        <p:txBody>
+          <a:bodyPr/>
+          <a:lstStyle/>
+          <a:p>
+            <a:r>
+              <a:rPr lang="en-US" altLang="zh-CN" dirty="0" smtClean="0"/>
+              <a:t>The master maintains the metadata</a:t>
+            </a:r>
+            <a:r>
+              <a:rPr lang="en-US" altLang="zh-CN" baseline="0" dirty="0" smtClean="0"/>
+              <a:t> of files stored in this system and interacts with clients by responding read/ write request. It also manages slaves and handles the machine failures. We will show it soon. Slaves are responsible for storing data and returning data when they are requested. Each slave sends heartbeat message to the master periodically to claim it is still alive.</a:t>
+            </a:r>
+            <a:endParaRPr lang="zh-CN" altLang="en-US" dirty="0"/>
+          </a:p>
+        </p:txBody>
+      </p:sp>
+      <p:sp>
+        <p:nvSpPr>
+          <p:cNvPr id="4" name="灯片编号占位符 3"/>
+          <p:cNvSpPr>
+            <a:spLocks noGrp="1"/>
+          </p:cNvSpPr>
+          <p:nvPr>
+            <p:ph type="sldNum" sz="quarter" idx="10"/>
+          </p:nvPr>
+        </p:nvSpPr>
+        <p:spPr/>
+        <p:txBody>
+          <a:bodyPr/>
+          <a:lstStyle/>
+          <a:p>
+            <a:fld id="{EDDF4F43-63C1-4167-A07B-BED53098D553}" type="slidenum">
+              <a:rPr lang="zh-CN" altLang="en-US" smtClean="0"/>
+              <a:t>3</a:t>
+            </a:fld>
+            <a:endParaRPr lang="zh-CN" altLang="en-US"/>
+          </a:p>
+        </p:txBody>
+      </p:sp>
+    </p:spTree>
+    <p:extLst>
+      <p:ext uri="{BB962C8B-B14F-4D97-AF65-F5344CB8AC3E}">
+        <p14:creationId xmlns:p14="http://schemas.microsoft.com/office/powerpoint/2010/main" val="2403719176"/>
+      </p:ext>
+    </p:extLst>
+  </p:cSld>
+  <p:clrMapOvr>
+    <a:masterClrMapping/>
+  </p:clrMapOvr>
+</p:notes>
 </file>
 
 <file path=ppt/slideLayouts/slideLayout1.xml><?xml version="1.0" encoding="utf-8"?>
@@ -271,7 +754,7 @@
           <a:p>
             <a:fld id="{4F044468-8F97-40D2-96D1-E1527F5F267C}" type="datetimeFigureOut">
               <a:rPr lang="en-SG" smtClean="0"/>
-              <a:t>14/10/2012</a:t>
+              <a:t>16/10/2012</a:t>
             </a:fld>
             <a:endParaRPr lang="en-SG"/>
           </a:p>
@@ -631,7 +1114,7 @@
             <a:fld id="{1D8BD707-D9CF-40AE-B4C6-C98DA3205C09}" type="datetimeFigureOut">
               <a:rPr lang="en-US" smtClean="0"/>
               <a:pPr/>
-              <a:t>10/14/2012</a:t>
+              <a:t>10/16/2012</a:t>
             </a:fld>
             <a:endParaRPr lang="en-US"/>
           </a:p>
@@ -807,7 +1290,7 @@
           <a:p>
             <a:fld id="{4F044468-8F97-40D2-96D1-E1527F5F267C}" type="datetimeFigureOut">
               <a:rPr lang="en-SG" smtClean="0"/>
-              <a:t>14/10/2012</a:t>
+              <a:t>16/10/2012</a:t>
             </a:fld>
             <a:endParaRPr lang="en-SG"/>
           </a:p>
@@ -1042,7 +1525,7 @@
           <a:p>
             <a:fld id="{4F044468-8F97-40D2-96D1-E1527F5F267C}" type="datetimeFigureOut">
               <a:rPr lang="en-SG" smtClean="0"/>
-              <a:t>14/10/2012</a:t>
+              <a:t>16/10/2012</a:t>
             </a:fld>
             <a:endParaRPr lang="en-SG"/>
           </a:p>
@@ -1312,7 +1795,7 @@
           <a:p>
             <a:fld id="{4F044468-8F97-40D2-96D1-E1527F5F267C}" type="datetimeFigureOut">
               <a:rPr lang="en-SG" smtClean="0"/>
-              <a:t>14/10/2012</a:t>
+              <a:t>16/10/2012</a:t>
             </a:fld>
             <a:endParaRPr lang="en-SG"/>
           </a:p>
@@ -1533,7 +2016,7 @@
           <a:p>
             <a:fld id="{4F044468-8F97-40D2-96D1-E1527F5F267C}" type="datetimeFigureOut">
               <a:rPr lang="en-SG" smtClean="0"/>
-              <a:t>14/10/2012</a:t>
+              <a:t>16/10/2012</a:t>
             </a:fld>
             <a:endParaRPr lang="en-SG"/>
           </a:p>
@@ -1886,7 +2369,7 @@
           <a:p>
             <a:fld id="{4F044468-8F97-40D2-96D1-E1527F5F267C}" type="datetimeFigureOut">
               <a:rPr lang="en-SG" smtClean="0"/>
-              <a:t>14/10/2012</a:t>
+              <a:t>16/10/2012</a:t>
             </a:fld>
             <a:endParaRPr lang="en-SG"/>
           </a:p>
@@ -2119,7 +2602,7 @@
           <a:p>
             <a:fld id="{4F044468-8F97-40D2-96D1-E1527F5F267C}" type="datetimeFigureOut">
               <a:rPr lang="en-SG" smtClean="0"/>
-              <a:t>14/10/2012</a:t>
+              <a:t>16/10/2012</a:t>
             </a:fld>
             <a:endParaRPr lang="en-SG"/>
           </a:p>
@@ -2260,7 +2743,7 @@
           <a:p>
             <a:fld id="{4F044468-8F97-40D2-96D1-E1527F5F267C}" type="datetimeFigureOut">
               <a:rPr lang="en-SG" smtClean="0"/>
-              <a:t>14/10/2012</a:t>
+              <a:t>16/10/2012</a:t>
             </a:fld>
             <a:endParaRPr lang="en-SG"/>
           </a:p>
@@ -2538,7 +3021,7 @@
           <a:p>
             <a:fld id="{4F044468-8F97-40D2-96D1-E1527F5F267C}" type="datetimeFigureOut">
               <a:rPr lang="en-SG" smtClean="0"/>
-              <a:t>14/10/2012</a:t>
+              <a:t>16/10/2012</a:t>
             </a:fld>
             <a:endParaRPr lang="en-SG"/>
           </a:p>
@@ -2946,7 +3429,7 @@
           <a:p>
             <a:fld id="{4F044468-8F97-40D2-96D1-E1527F5F267C}" type="datetimeFigureOut">
               <a:rPr lang="en-SG" smtClean="0"/>
-              <a:t>14/10/2012</a:t>
+              <a:t>16/10/2012</a:t>
             </a:fld>
             <a:endParaRPr lang="en-SG"/>
           </a:p>
@@ -3285,7 +3768,7 @@
           <a:p>
             <a:fld id="{4F044468-8F97-40D2-96D1-E1527F5F267C}" type="datetimeFigureOut">
               <a:rPr lang="en-SG" smtClean="0"/>
-              <a:t>14/10/2012</a:t>
+              <a:t>16/10/2012</a:t>
             </a:fld>
             <a:endParaRPr lang="en-SG"/>
           </a:p>
@@ -3873,6 +4356,14 @@
   <p:clrMapOvr>
     <a:masterClrMapping/>
   </p:clrMapOvr>
+  <mc:AlternateContent xmlns:mc="http://schemas.openxmlformats.org/markup-compatibility/2006">
+    <mc:Choice xmlns:p14="http://schemas.microsoft.com/office/powerpoint/2010/main" Requires="p14">
+      <p:transition spd="slow" p14:dur="2000"/>
+    </mc:Choice>
+    <mc:Fallback>
+      <p:transition spd="slow"/>
+    </mc:Fallback>
+  </mc:AlternateContent>
   <p:timing>
     <p:tnLst>
       <p:par>
@@ -3884,6 +4375,740 @@
 </file>
 
 <file path=ppt/slides/slide10.xml><?xml version="1.0" encoding="utf-8"?>
+<p:sld xmlns:a="http://schemas.openxmlformats.org/drawingml/2006/main" xmlns:r="http://schemas.openxmlformats.org/officeDocument/2006/relationships" xmlns:p="http://schemas.openxmlformats.org/presentationml/2006/main">
+  <p:cSld>
+    <p:spTree>
+      <p:nvGrpSpPr>
+        <p:cNvPr id="1" name=""/>
+        <p:cNvGrpSpPr/>
+        <p:nvPr/>
+      </p:nvGrpSpPr>
+      <p:grpSpPr>
+        <a:xfrm>
+          <a:off x="0" y="0"/>
+          <a:ext cx="0" cy="0"/>
+          <a:chOff x="0" y="0"/>
+          <a:chExt cx="0" cy="0"/>
+        </a:xfrm>
+      </p:grpSpPr>
+      <p:sp>
+        <p:nvSpPr>
+          <p:cNvPr id="2" name="Title 1"/>
+          <p:cNvSpPr>
+            <a:spLocks noGrp="1"/>
+          </p:cNvSpPr>
+          <p:nvPr>
+            <p:ph type="title"/>
+          </p:nvPr>
+        </p:nvSpPr>
+        <p:spPr/>
+        <p:txBody>
+          <a:bodyPr/>
+          <a:lstStyle/>
+          <a:p>
+            <a:r>
+              <a:rPr lang="en-US" dirty="0" smtClean="0"/>
+              <a:t>Read Operation</a:t>
+            </a:r>
+            <a:endParaRPr lang="en-SG" dirty="0"/>
+          </a:p>
+        </p:txBody>
+      </p:sp>
+      <p:sp>
+        <p:nvSpPr>
+          <p:cNvPr id="6" name="Rounded Rectangle 5"/>
+          <p:cNvSpPr/>
+          <p:nvPr/>
+        </p:nvSpPr>
+        <p:spPr>
+          <a:xfrm>
+            <a:off x="1356072" y="3371310"/>
+            <a:ext cx="1066800" cy="533400"/>
+          </a:xfrm>
+          <a:prstGeom prst="roundRect">
+            <a:avLst/>
+          </a:prstGeom>
+          <a:noFill/>
+        </p:spPr>
+        <p:style>
+          <a:lnRef idx="2">
+            <a:schemeClr val="accent1">
+              <a:shade val="50000"/>
+            </a:schemeClr>
+          </a:lnRef>
+          <a:fillRef idx="1">
+            <a:schemeClr val="accent1"/>
+          </a:fillRef>
+          <a:effectRef idx="0">
+            <a:schemeClr val="accent1"/>
+          </a:effectRef>
+          <a:fontRef idx="minor">
+            <a:schemeClr val="lt1"/>
+          </a:fontRef>
+        </p:style>
+        <p:txBody>
+          <a:bodyPr rtlCol="0" anchor="ctr"/>
+          <a:lstStyle/>
+          <a:p>
+            <a:pPr algn="ctr"/>
+            <a:endParaRPr lang="en-SG"/>
+          </a:p>
+        </p:txBody>
+      </p:sp>
+      <p:sp>
+        <p:nvSpPr>
+          <p:cNvPr id="7" name="TextBox 6"/>
+          <p:cNvSpPr txBox="1"/>
+          <p:nvPr/>
+        </p:nvSpPr>
+        <p:spPr>
+          <a:xfrm>
+            <a:off x="1531404" y="3447510"/>
+            <a:ext cx="838200" cy="369332"/>
+          </a:xfrm>
+          <a:prstGeom prst="rect">
+            <a:avLst/>
+          </a:prstGeom>
+          <a:noFill/>
+        </p:spPr>
+        <p:txBody>
+          <a:bodyPr wrap="square" rtlCol="0">
+            <a:spAutoFit/>
+          </a:bodyPr>
+          <a:lstStyle/>
+          <a:p>
+            <a:r>
+              <a:rPr lang="en-US" dirty="0" smtClean="0"/>
+              <a:t>Client</a:t>
+            </a:r>
+            <a:endParaRPr lang="en-SG" dirty="0"/>
+          </a:p>
+        </p:txBody>
+      </p:sp>
+      <p:sp>
+        <p:nvSpPr>
+          <p:cNvPr id="8" name="Rounded Rectangle 7"/>
+          <p:cNvSpPr/>
+          <p:nvPr/>
+        </p:nvSpPr>
+        <p:spPr>
+          <a:xfrm>
+            <a:off x="4937472" y="3371310"/>
+            <a:ext cx="1066800" cy="533400"/>
+          </a:xfrm>
+          <a:prstGeom prst="roundRect">
+            <a:avLst/>
+          </a:prstGeom>
+          <a:noFill/>
+        </p:spPr>
+        <p:style>
+          <a:lnRef idx="2">
+            <a:schemeClr val="accent1">
+              <a:shade val="50000"/>
+            </a:schemeClr>
+          </a:lnRef>
+          <a:fillRef idx="1">
+            <a:schemeClr val="accent1"/>
+          </a:fillRef>
+          <a:effectRef idx="0">
+            <a:schemeClr val="accent1"/>
+          </a:effectRef>
+          <a:fontRef idx="minor">
+            <a:schemeClr val="lt1"/>
+          </a:fontRef>
+        </p:style>
+        <p:txBody>
+          <a:bodyPr rtlCol="0" anchor="ctr"/>
+          <a:lstStyle/>
+          <a:p>
+            <a:pPr algn="ctr"/>
+            <a:endParaRPr lang="en-SG"/>
+          </a:p>
+        </p:txBody>
+      </p:sp>
+      <p:sp>
+        <p:nvSpPr>
+          <p:cNvPr id="9" name="TextBox 8"/>
+          <p:cNvSpPr txBox="1"/>
+          <p:nvPr/>
+        </p:nvSpPr>
+        <p:spPr>
+          <a:xfrm>
+            <a:off x="5089872" y="3447510"/>
+            <a:ext cx="838200" cy="369332"/>
+          </a:xfrm>
+          <a:prstGeom prst="rect">
+            <a:avLst/>
+          </a:prstGeom>
+          <a:noFill/>
+        </p:spPr>
+        <p:txBody>
+          <a:bodyPr wrap="square" rtlCol="0">
+            <a:spAutoFit/>
+          </a:bodyPr>
+          <a:lstStyle/>
+          <a:p>
+            <a:r>
+              <a:rPr lang="en-US" dirty="0" smtClean="0"/>
+              <a:t>Master</a:t>
+            </a:r>
+            <a:endParaRPr lang="en-SG" dirty="0"/>
+          </a:p>
+        </p:txBody>
+      </p:sp>
+      <p:sp>
+        <p:nvSpPr>
+          <p:cNvPr id="10" name="Oval 9"/>
+          <p:cNvSpPr/>
+          <p:nvPr/>
+        </p:nvSpPr>
+        <p:spPr>
+          <a:xfrm>
+            <a:off x="5547072" y="1774979"/>
+            <a:ext cx="914400" cy="533400"/>
+          </a:xfrm>
+          <a:prstGeom prst="ellipse">
+            <a:avLst/>
+          </a:prstGeom>
+          <a:noFill/>
+        </p:spPr>
+        <p:style>
+          <a:lnRef idx="2">
+            <a:schemeClr val="accent1">
+              <a:shade val="50000"/>
+            </a:schemeClr>
+          </a:lnRef>
+          <a:fillRef idx="1">
+            <a:schemeClr val="accent1"/>
+          </a:fillRef>
+          <a:effectRef idx="0">
+            <a:schemeClr val="accent1"/>
+          </a:effectRef>
+          <a:fontRef idx="minor">
+            <a:schemeClr val="lt1"/>
+          </a:fontRef>
+        </p:style>
+        <p:txBody>
+          <a:bodyPr rtlCol="0" anchor="ctr"/>
+          <a:lstStyle/>
+          <a:p>
+            <a:pPr algn="ctr"/>
+            <a:endParaRPr lang="en-SG"/>
+          </a:p>
+        </p:txBody>
+      </p:sp>
+      <p:sp>
+        <p:nvSpPr>
+          <p:cNvPr id="11" name="TextBox 10"/>
+          <p:cNvSpPr txBox="1"/>
+          <p:nvPr/>
+        </p:nvSpPr>
+        <p:spPr>
+          <a:xfrm>
+            <a:off x="5638800" y="1851179"/>
+            <a:ext cx="838200" cy="369332"/>
+          </a:xfrm>
+          <a:prstGeom prst="rect">
+            <a:avLst/>
+          </a:prstGeom>
+          <a:noFill/>
+        </p:spPr>
+        <p:txBody>
+          <a:bodyPr wrap="square" rtlCol="0">
+            <a:spAutoFit/>
+          </a:bodyPr>
+          <a:lstStyle/>
+          <a:p>
+            <a:r>
+              <a:rPr lang="en-US" dirty="0" smtClean="0"/>
+              <a:t>Slave 2</a:t>
+            </a:r>
+            <a:endParaRPr lang="en-SG" dirty="0"/>
+          </a:p>
+        </p:txBody>
+      </p:sp>
+      <p:sp>
+        <p:nvSpPr>
+          <p:cNvPr id="12" name="Oval 11"/>
+          <p:cNvSpPr/>
+          <p:nvPr/>
+        </p:nvSpPr>
+        <p:spPr>
+          <a:xfrm>
+            <a:off x="6766272" y="2369042"/>
+            <a:ext cx="914400" cy="533400"/>
+          </a:xfrm>
+          <a:prstGeom prst="ellipse">
+            <a:avLst/>
+          </a:prstGeom>
+          <a:noFill/>
+        </p:spPr>
+        <p:style>
+          <a:lnRef idx="2">
+            <a:schemeClr val="accent1">
+              <a:shade val="50000"/>
+            </a:schemeClr>
+          </a:lnRef>
+          <a:fillRef idx="1">
+            <a:schemeClr val="accent1"/>
+          </a:fillRef>
+          <a:effectRef idx="0">
+            <a:schemeClr val="accent1"/>
+          </a:effectRef>
+          <a:fontRef idx="minor">
+            <a:schemeClr val="lt1"/>
+          </a:fontRef>
+        </p:style>
+        <p:txBody>
+          <a:bodyPr rtlCol="0" anchor="ctr"/>
+          <a:lstStyle/>
+          <a:p>
+            <a:pPr algn="ctr"/>
+            <a:endParaRPr lang="en-SG"/>
+          </a:p>
+        </p:txBody>
+      </p:sp>
+      <p:sp>
+        <p:nvSpPr>
+          <p:cNvPr id="13" name="TextBox 12"/>
+          <p:cNvSpPr txBox="1"/>
+          <p:nvPr/>
+        </p:nvSpPr>
+        <p:spPr>
+          <a:xfrm>
+            <a:off x="6858000" y="2445242"/>
+            <a:ext cx="838200" cy="369332"/>
+          </a:xfrm>
+          <a:prstGeom prst="rect">
+            <a:avLst/>
+          </a:prstGeom>
+          <a:noFill/>
+        </p:spPr>
+        <p:txBody>
+          <a:bodyPr wrap="square" rtlCol="0">
+            <a:spAutoFit/>
+          </a:bodyPr>
+          <a:lstStyle/>
+          <a:p>
+            <a:r>
+              <a:rPr lang="en-US" dirty="0" smtClean="0"/>
+              <a:t>Slave 3</a:t>
+            </a:r>
+            <a:endParaRPr lang="en-SG" dirty="0"/>
+          </a:p>
+        </p:txBody>
+      </p:sp>
+      <p:sp>
+        <p:nvSpPr>
+          <p:cNvPr id="14" name="Oval 13"/>
+          <p:cNvSpPr/>
+          <p:nvPr/>
+        </p:nvSpPr>
+        <p:spPr>
+          <a:xfrm>
+            <a:off x="6766272" y="4438110"/>
+            <a:ext cx="914400" cy="533400"/>
+          </a:xfrm>
+          <a:prstGeom prst="ellipse">
+            <a:avLst/>
+          </a:prstGeom>
+          <a:noFill/>
+        </p:spPr>
+        <p:style>
+          <a:lnRef idx="2">
+            <a:schemeClr val="accent1">
+              <a:shade val="50000"/>
+            </a:schemeClr>
+          </a:lnRef>
+          <a:fillRef idx="1">
+            <a:schemeClr val="accent1"/>
+          </a:fillRef>
+          <a:effectRef idx="0">
+            <a:schemeClr val="accent1"/>
+          </a:effectRef>
+          <a:fontRef idx="minor">
+            <a:schemeClr val="lt1"/>
+          </a:fontRef>
+        </p:style>
+        <p:txBody>
+          <a:bodyPr rtlCol="0" anchor="ctr"/>
+          <a:lstStyle/>
+          <a:p>
+            <a:pPr algn="ctr"/>
+            <a:endParaRPr lang="en-SG"/>
+          </a:p>
+        </p:txBody>
+      </p:sp>
+      <p:sp>
+        <p:nvSpPr>
+          <p:cNvPr id="15" name="TextBox 14"/>
+          <p:cNvSpPr txBox="1"/>
+          <p:nvPr/>
+        </p:nvSpPr>
+        <p:spPr>
+          <a:xfrm>
+            <a:off x="6858000" y="4514310"/>
+            <a:ext cx="838200" cy="369332"/>
+          </a:xfrm>
+          <a:prstGeom prst="rect">
+            <a:avLst/>
+          </a:prstGeom>
+          <a:noFill/>
+        </p:spPr>
+        <p:txBody>
+          <a:bodyPr wrap="square" rtlCol="0">
+            <a:spAutoFit/>
+          </a:bodyPr>
+          <a:lstStyle/>
+          <a:p>
+            <a:r>
+              <a:rPr lang="en-US" dirty="0" smtClean="0"/>
+              <a:t>Slave 8</a:t>
+            </a:r>
+            <a:endParaRPr lang="en-SG" dirty="0"/>
+          </a:p>
+        </p:txBody>
+      </p:sp>
+      <p:sp>
+        <p:nvSpPr>
+          <p:cNvPr id="16" name="Oval 15"/>
+          <p:cNvSpPr/>
+          <p:nvPr/>
+        </p:nvSpPr>
+        <p:spPr>
+          <a:xfrm>
+            <a:off x="5547072" y="5085810"/>
+            <a:ext cx="914400" cy="533400"/>
+          </a:xfrm>
+          <a:prstGeom prst="ellipse">
+            <a:avLst/>
+          </a:prstGeom>
+          <a:noFill/>
+        </p:spPr>
+        <p:style>
+          <a:lnRef idx="2">
+            <a:schemeClr val="accent1">
+              <a:shade val="50000"/>
+            </a:schemeClr>
+          </a:lnRef>
+          <a:fillRef idx="1">
+            <a:schemeClr val="accent1"/>
+          </a:fillRef>
+          <a:effectRef idx="0">
+            <a:schemeClr val="accent1"/>
+          </a:effectRef>
+          <a:fontRef idx="minor">
+            <a:schemeClr val="lt1"/>
+          </a:fontRef>
+        </p:style>
+        <p:txBody>
+          <a:bodyPr rtlCol="0" anchor="ctr"/>
+          <a:lstStyle/>
+          <a:p>
+            <a:pPr algn="ctr"/>
+            <a:endParaRPr lang="en-SG"/>
+          </a:p>
+        </p:txBody>
+      </p:sp>
+      <p:sp>
+        <p:nvSpPr>
+          <p:cNvPr id="17" name="TextBox 16"/>
+          <p:cNvSpPr txBox="1"/>
+          <p:nvPr/>
+        </p:nvSpPr>
+        <p:spPr>
+          <a:xfrm>
+            <a:off x="5638800" y="5162010"/>
+            <a:ext cx="838200" cy="369332"/>
+          </a:xfrm>
+          <a:prstGeom prst="rect">
+            <a:avLst/>
+          </a:prstGeom>
+          <a:noFill/>
+        </p:spPr>
+        <p:txBody>
+          <a:bodyPr wrap="square" rtlCol="0">
+            <a:spAutoFit/>
+          </a:bodyPr>
+          <a:lstStyle/>
+          <a:p>
+            <a:r>
+              <a:rPr lang="en-US" dirty="0" smtClean="0"/>
+              <a:t>Slave 9</a:t>
+            </a:r>
+            <a:endParaRPr lang="en-SG" dirty="0"/>
+          </a:p>
+        </p:txBody>
+      </p:sp>
+      <p:sp>
+        <p:nvSpPr>
+          <p:cNvPr id="18" name="Oval 17"/>
+          <p:cNvSpPr/>
+          <p:nvPr/>
+        </p:nvSpPr>
+        <p:spPr>
+          <a:xfrm>
+            <a:off x="4175472" y="5276310"/>
+            <a:ext cx="914400" cy="533400"/>
+          </a:xfrm>
+          <a:prstGeom prst="ellipse">
+            <a:avLst/>
+          </a:prstGeom>
+          <a:noFill/>
+        </p:spPr>
+        <p:style>
+          <a:lnRef idx="2">
+            <a:schemeClr val="accent1">
+              <a:shade val="50000"/>
+            </a:schemeClr>
+          </a:lnRef>
+          <a:fillRef idx="1">
+            <a:schemeClr val="accent1"/>
+          </a:fillRef>
+          <a:effectRef idx="0">
+            <a:schemeClr val="accent1"/>
+          </a:effectRef>
+          <a:fontRef idx="minor">
+            <a:schemeClr val="lt1"/>
+          </a:fontRef>
+        </p:style>
+        <p:txBody>
+          <a:bodyPr rtlCol="0" anchor="ctr"/>
+          <a:lstStyle/>
+          <a:p>
+            <a:pPr algn="ctr"/>
+            <a:endParaRPr lang="en-SG"/>
+          </a:p>
+        </p:txBody>
+      </p:sp>
+      <p:sp>
+        <p:nvSpPr>
+          <p:cNvPr id="19" name="TextBox 18"/>
+          <p:cNvSpPr txBox="1"/>
+          <p:nvPr/>
+        </p:nvSpPr>
+        <p:spPr>
+          <a:xfrm>
+            <a:off x="4184350" y="5352510"/>
+            <a:ext cx="929928" cy="369332"/>
+          </a:xfrm>
+          <a:prstGeom prst="rect">
+            <a:avLst/>
+          </a:prstGeom>
+          <a:noFill/>
+        </p:spPr>
+        <p:txBody>
+          <a:bodyPr wrap="square" rtlCol="0">
+            <a:spAutoFit/>
+          </a:bodyPr>
+          <a:lstStyle/>
+          <a:p>
+            <a:r>
+              <a:rPr lang="en-US" dirty="0" smtClean="0"/>
+              <a:t>Slave 10</a:t>
+            </a:r>
+            <a:endParaRPr lang="en-SG" dirty="0"/>
+          </a:p>
+        </p:txBody>
+      </p:sp>
+      <p:sp>
+        <p:nvSpPr>
+          <p:cNvPr id="22" name="Oval 21"/>
+          <p:cNvSpPr/>
+          <p:nvPr/>
+        </p:nvSpPr>
+        <p:spPr>
+          <a:xfrm>
+            <a:off x="4169183" y="1402690"/>
+            <a:ext cx="914400" cy="533400"/>
+          </a:xfrm>
+          <a:prstGeom prst="ellipse">
+            <a:avLst/>
+          </a:prstGeom>
+          <a:noFill/>
+        </p:spPr>
+        <p:style>
+          <a:lnRef idx="2">
+            <a:schemeClr val="accent1">
+              <a:shade val="50000"/>
+            </a:schemeClr>
+          </a:lnRef>
+          <a:fillRef idx="1">
+            <a:schemeClr val="accent1"/>
+          </a:fillRef>
+          <a:effectRef idx="0">
+            <a:schemeClr val="accent1"/>
+          </a:effectRef>
+          <a:fontRef idx="minor">
+            <a:schemeClr val="lt1"/>
+          </a:fontRef>
+        </p:style>
+        <p:txBody>
+          <a:bodyPr rtlCol="0" anchor="ctr"/>
+          <a:lstStyle/>
+          <a:p>
+            <a:pPr algn="ctr"/>
+            <a:endParaRPr lang="en-SG"/>
+          </a:p>
+        </p:txBody>
+      </p:sp>
+      <p:sp>
+        <p:nvSpPr>
+          <p:cNvPr id="23" name="TextBox 22"/>
+          <p:cNvSpPr txBox="1"/>
+          <p:nvPr/>
+        </p:nvSpPr>
+        <p:spPr>
+          <a:xfrm>
+            <a:off x="4260911" y="1478890"/>
+            <a:ext cx="838200" cy="369332"/>
+          </a:xfrm>
+          <a:prstGeom prst="rect">
+            <a:avLst/>
+          </a:prstGeom>
+          <a:noFill/>
+        </p:spPr>
+        <p:txBody>
+          <a:bodyPr wrap="square" rtlCol="0">
+            <a:spAutoFit/>
+          </a:bodyPr>
+          <a:lstStyle/>
+          <a:p>
+            <a:r>
+              <a:rPr lang="en-US" dirty="0" smtClean="0"/>
+              <a:t>Slave 1</a:t>
+            </a:r>
+            <a:endParaRPr lang="en-SG" dirty="0"/>
+          </a:p>
+        </p:txBody>
+      </p:sp>
+      <p:sp>
+        <p:nvSpPr>
+          <p:cNvPr id="24" name="TextBox 23"/>
+          <p:cNvSpPr txBox="1"/>
+          <p:nvPr/>
+        </p:nvSpPr>
+        <p:spPr>
+          <a:xfrm>
+            <a:off x="7126673" y="3424578"/>
+            <a:ext cx="553998" cy="704310"/>
+          </a:xfrm>
+          <a:prstGeom prst="rect">
+            <a:avLst/>
+          </a:prstGeom>
+          <a:noFill/>
+        </p:spPr>
+        <p:txBody>
+          <a:bodyPr vert="eaVert" wrap="square" rtlCol="0">
+            <a:spAutoFit/>
+          </a:bodyPr>
+          <a:lstStyle/>
+          <a:p>
+            <a:r>
+              <a:rPr lang="en-US" sz="2400" b="1" dirty="0" smtClean="0"/>
+              <a:t>…</a:t>
+            </a:r>
+            <a:endParaRPr lang="en-SG" sz="2400" b="1" dirty="0"/>
+          </a:p>
+        </p:txBody>
+      </p:sp>
+      <p:cxnSp>
+        <p:nvCxnSpPr>
+          <p:cNvPr id="4" name="Straight Arrow Connector 3"/>
+          <p:cNvCxnSpPr>
+            <a:stCxn id="6" idx="3"/>
+            <a:endCxn id="8" idx="1"/>
+          </p:cNvCxnSpPr>
+          <p:nvPr/>
+        </p:nvCxnSpPr>
+        <p:spPr>
+          <a:xfrm>
+            <a:off x="2422872" y="3638010"/>
+            <a:ext cx="2514600" cy="0"/>
+          </a:xfrm>
+          <a:prstGeom prst="straightConnector1">
+            <a:avLst/>
+          </a:prstGeom>
+          <a:ln w="28575">
+            <a:prstDash val="sysDot"/>
+            <a:headEnd type="none" w="med" len="med"/>
+            <a:tailEnd type="triangle" w="med" len="med"/>
+          </a:ln>
+        </p:spPr>
+        <p:style>
+          <a:lnRef idx="1">
+            <a:schemeClr val="accent1"/>
+          </a:lnRef>
+          <a:fillRef idx="0">
+            <a:schemeClr val="accent1"/>
+          </a:fillRef>
+          <a:effectRef idx="0">
+            <a:schemeClr val="accent1"/>
+          </a:effectRef>
+          <a:fontRef idx="minor">
+            <a:schemeClr val="tx1"/>
+          </a:fontRef>
+        </p:style>
+      </p:cxnSp>
+      <p:sp>
+        <p:nvSpPr>
+          <p:cNvPr id="25" name="TextBox 24"/>
+          <p:cNvSpPr txBox="1"/>
+          <p:nvPr/>
+        </p:nvSpPr>
+        <p:spPr>
+          <a:xfrm>
+            <a:off x="2438400" y="3257218"/>
+            <a:ext cx="2613372" cy="369332"/>
+          </a:xfrm>
+          <a:prstGeom prst="rect">
+            <a:avLst/>
+          </a:prstGeom>
+          <a:noFill/>
+        </p:spPr>
+        <p:txBody>
+          <a:bodyPr wrap="square" rtlCol="0">
+            <a:spAutoFit/>
+          </a:bodyPr>
+          <a:lstStyle/>
+          <a:p>
+            <a:pPr algn="ctr"/>
+            <a:r>
+              <a:rPr lang="en-US" dirty="0" smtClean="0"/>
+              <a:t>Read file “b.jpg”</a:t>
+            </a:r>
+          </a:p>
+        </p:txBody>
+      </p:sp>
+    </p:spTree>
+    <p:extLst>
+      <p:ext uri="{BB962C8B-B14F-4D97-AF65-F5344CB8AC3E}">
+        <p14:creationId xmlns:p14="http://schemas.microsoft.com/office/powerpoint/2010/main" val="1130630435"/>
+      </p:ext>
+    </p:extLst>
+  </p:cSld>
+  <p:clrMapOvr>
+    <a:masterClrMapping/>
+  </p:clrMapOvr>
+  <mc:AlternateContent xmlns:mc="http://schemas.openxmlformats.org/markup-compatibility/2006">
+    <mc:Choice xmlns:p14="http://schemas.microsoft.com/office/powerpoint/2010/main" Requires="p14">
+      <p:transition spd="slow" p14:dur="2000"/>
+    </mc:Choice>
+    <mc:Fallback>
+      <p:transition spd="slow"/>
+    </mc:Fallback>
+  </mc:AlternateContent>
+  <p:timing>
+    <p:tnLst>
+      <p:par>
+        <p:cTn id="1" dur="indefinite" restart="never" nodeType="tmRoot"/>
+      </p:par>
+    </p:tnLst>
+  </p:timing>
+</p:sld>
+</file>
+
+<file path=ppt/slides/slide11.xml><?xml version="1.0" encoding="utf-8"?>
 <p:sld xmlns:a="http://schemas.openxmlformats.org/drawingml/2006/main" xmlns:r="http://schemas.openxmlformats.org/officeDocument/2006/relationships" xmlns:p="http://schemas.openxmlformats.org/presentationml/2006/main">
   <p:cSld>
     <p:spTree>
@@ -4980,11 +6205,7 @@
                       <a:pPr algn="ctr"/>
                       <a:r>
                         <a:rPr lang="en-US" dirty="0" smtClean="0"/>
-                        <a:t>Slave </a:t>
-                      </a:r>
-                      <a:r>
-                        <a:rPr lang="en-US" dirty="0" smtClean="0"/>
-                        <a:t>6</a:t>
+                        <a:t>Slave 6</a:t>
                       </a:r>
                       <a:endParaRPr lang="en-SG" dirty="0"/>
                     </a:p>
@@ -5138,761 +6359,14 @@
   <p:clrMapOvr>
     <a:masterClrMapping/>
   </p:clrMapOvr>
-  <p:timing>
-    <p:tnLst>
-      <p:par>
-        <p:cTn id="1" dur="indefinite" restart="never" nodeType="tmRoot"/>
-      </p:par>
-    </p:tnLst>
-  </p:timing>
-</p:sld>
-</file>
-
-<file path=ppt/slides/slide11.xml><?xml version="1.0" encoding="utf-8"?>
-<p:sld xmlns:a="http://schemas.openxmlformats.org/drawingml/2006/main" xmlns:r="http://schemas.openxmlformats.org/officeDocument/2006/relationships" xmlns:p="http://schemas.openxmlformats.org/presentationml/2006/main">
-  <p:cSld>
-    <p:spTree>
-      <p:nvGrpSpPr>
-        <p:cNvPr id="1" name=""/>
-        <p:cNvGrpSpPr/>
-        <p:nvPr/>
-      </p:nvGrpSpPr>
-      <p:grpSpPr>
-        <a:xfrm>
-          <a:off x="0" y="0"/>
-          <a:ext cx="0" cy="0"/>
-          <a:chOff x="0" y="0"/>
-          <a:chExt cx="0" cy="0"/>
-        </a:xfrm>
-      </p:grpSpPr>
-      <p:sp>
-        <p:nvSpPr>
-          <p:cNvPr id="2" name="Title 1"/>
-          <p:cNvSpPr>
-            <a:spLocks noGrp="1"/>
-          </p:cNvSpPr>
-          <p:nvPr>
-            <p:ph type="title"/>
-          </p:nvPr>
-        </p:nvSpPr>
-        <p:spPr/>
-        <p:txBody>
-          <a:bodyPr/>
-          <a:lstStyle/>
-          <a:p>
-            <a:r>
-              <a:rPr lang="en-US" dirty="0" smtClean="0"/>
-              <a:t>Write Operation</a:t>
-            </a:r>
-            <a:endParaRPr lang="en-SG" dirty="0"/>
-          </a:p>
-        </p:txBody>
-      </p:sp>
-      <p:sp>
-        <p:nvSpPr>
-          <p:cNvPr id="6" name="Rounded Rectangle 5"/>
-          <p:cNvSpPr/>
-          <p:nvPr/>
-        </p:nvSpPr>
-        <p:spPr>
-          <a:xfrm>
-            <a:off x="1356072" y="3371310"/>
-            <a:ext cx="1066800" cy="533400"/>
-          </a:xfrm>
-          <a:prstGeom prst="roundRect">
-            <a:avLst/>
-          </a:prstGeom>
-          <a:noFill/>
-        </p:spPr>
-        <p:style>
-          <a:lnRef idx="2">
-            <a:schemeClr val="accent1">
-              <a:shade val="50000"/>
-            </a:schemeClr>
-          </a:lnRef>
-          <a:fillRef idx="1">
-            <a:schemeClr val="accent1"/>
-          </a:fillRef>
-          <a:effectRef idx="0">
-            <a:schemeClr val="accent1"/>
-          </a:effectRef>
-          <a:fontRef idx="minor">
-            <a:schemeClr val="lt1"/>
-          </a:fontRef>
-        </p:style>
-        <p:txBody>
-          <a:bodyPr rtlCol="0" anchor="ctr"/>
-          <a:lstStyle/>
-          <a:p>
-            <a:pPr algn="ctr"/>
-            <a:endParaRPr lang="en-SG"/>
-          </a:p>
-        </p:txBody>
-      </p:sp>
-      <p:sp>
-        <p:nvSpPr>
-          <p:cNvPr id="7" name="TextBox 6"/>
-          <p:cNvSpPr txBox="1"/>
-          <p:nvPr/>
-        </p:nvSpPr>
-        <p:spPr>
-          <a:xfrm>
-            <a:off x="1531404" y="3447510"/>
-            <a:ext cx="838200" cy="369332"/>
-          </a:xfrm>
-          <a:prstGeom prst="rect">
-            <a:avLst/>
-          </a:prstGeom>
-          <a:noFill/>
-        </p:spPr>
-        <p:txBody>
-          <a:bodyPr wrap="square" rtlCol="0">
-            <a:spAutoFit/>
-          </a:bodyPr>
-          <a:lstStyle/>
-          <a:p>
-            <a:r>
-              <a:rPr lang="en-US" dirty="0" smtClean="0"/>
-              <a:t>Client</a:t>
-            </a:r>
-            <a:endParaRPr lang="en-SG" dirty="0"/>
-          </a:p>
-        </p:txBody>
-      </p:sp>
-      <p:sp>
-        <p:nvSpPr>
-          <p:cNvPr id="8" name="Rounded Rectangle 7"/>
-          <p:cNvSpPr/>
-          <p:nvPr/>
-        </p:nvSpPr>
-        <p:spPr>
-          <a:xfrm>
-            <a:off x="4937472" y="3371310"/>
-            <a:ext cx="1066800" cy="533400"/>
-          </a:xfrm>
-          <a:prstGeom prst="roundRect">
-            <a:avLst/>
-          </a:prstGeom>
-          <a:noFill/>
-        </p:spPr>
-        <p:style>
-          <a:lnRef idx="2">
-            <a:schemeClr val="accent1">
-              <a:shade val="50000"/>
-            </a:schemeClr>
-          </a:lnRef>
-          <a:fillRef idx="1">
-            <a:schemeClr val="accent1"/>
-          </a:fillRef>
-          <a:effectRef idx="0">
-            <a:schemeClr val="accent1"/>
-          </a:effectRef>
-          <a:fontRef idx="minor">
-            <a:schemeClr val="lt1"/>
-          </a:fontRef>
-        </p:style>
-        <p:txBody>
-          <a:bodyPr rtlCol="0" anchor="ctr"/>
-          <a:lstStyle/>
-          <a:p>
-            <a:pPr algn="ctr"/>
-            <a:endParaRPr lang="en-SG"/>
-          </a:p>
-        </p:txBody>
-      </p:sp>
-      <p:sp>
-        <p:nvSpPr>
-          <p:cNvPr id="9" name="TextBox 8"/>
-          <p:cNvSpPr txBox="1"/>
-          <p:nvPr/>
-        </p:nvSpPr>
-        <p:spPr>
-          <a:xfrm>
-            <a:off x="5089872" y="3447510"/>
-            <a:ext cx="838200" cy="369332"/>
-          </a:xfrm>
-          <a:prstGeom prst="rect">
-            <a:avLst/>
-          </a:prstGeom>
-          <a:noFill/>
-        </p:spPr>
-        <p:txBody>
-          <a:bodyPr wrap="square" rtlCol="0">
-            <a:spAutoFit/>
-          </a:bodyPr>
-          <a:lstStyle/>
-          <a:p>
-            <a:r>
-              <a:rPr lang="en-US" dirty="0" smtClean="0"/>
-              <a:t>Master</a:t>
-            </a:r>
-            <a:endParaRPr lang="en-SG" dirty="0"/>
-          </a:p>
-        </p:txBody>
-      </p:sp>
-      <p:sp>
-        <p:nvSpPr>
-          <p:cNvPr id="10" name="Oval 9"/>
-          <p:cNvSpPr/>
-          <p:nvPr/>
-        </p:nvSpPr>
-        <p:spPr>
-          <a:xfrm>
-            <a:off x="5547072" y="1774979"/>
-            <a:ext cx="914400" cy="533400"/>
-          </a:xfrm>
-          <a:prstGeom prst="ellipse">
-            <a:avLst/>
-          </a:prstGeom>
-          <a:noFill/>
-        </p:spPr>
-        <p:style>
-          <a:lnRef idx="2">
-            <a:schemeClr val="accent1">
-              <a:shade val="50000"/>
-            </a:schemeClr>
-          </a:lnRef>
-          <a:fillRef idx="1">
-            <a:schemeClr val="accent1"/>
-          </a:fillRef>
-          <a:effectRef idx="0">
-            <a:schemeClr val="accent1"/>
-          </a:effectRef>
-          <a:fontRef idx="minor">
-            <a:schemeClr val="lt1"/>
-          </a:fontRef>
-        </p:style>
-        <p:txBody>
-          <a:bodyPr rtlCol="0" anchor="ctr"/>
-          <a:lstStyle/>
-          <a:p>
-            <a:pPr algn="ctr"/>
-            <a:endParaRPr lang="en-SG"/>
-          </a:p>
-        </p:txBody>
-      </p:sp>
-      <p:sp>
-        <p:nvSpPr>
-          <p:cNvPr id="11" name="TextBox 10"/>
-          <p:cNvSpPr txBox="1"/>
-          <p:nvPr/>
-        </p:nvSpPr>
-        <p:spPr>
-          <a:xfrm>
-            <a:off x="5638800" y="1851179"/>
-            <a:ext cx="838200" cy="369332"/>
-          </a:xfrm>
-          <a:prstGeom prst="rect">
-            <a:avLst/>
-          </a:prstGeom>
-          <a:noFill/>
-        </p:spPr>
-        <p:txBody>
-          <a:bodyPr wrap="square" rtlCol="0">
-            <a:spAutoFit/>
-          </a:bodyPr>
-          <a:lstStyle/>
-          <a:p>
-            <a:r>
-              <a:rPr lang="en-US" dirty="0" smtClean="0"/>
-              <a:t>Slave 2</a:t>
-            </a:r>
-            <a:endParaRPr lang="en-SG" dirty="0"/>
-          </a:p>
-        </p:txBody>
-      </p:sp>
-      <p:sp>
-        <p:nvSpPr>
-          <p:cNvPr id="12" name="Oval 11"/>
-          <p:cNvSpPr/>
-          <p:nvPr/>
-        </p:nvSpPr>
-        <p:spPr>
-          <a:xfrm>
-            <a:off x="6766272" y="2369042"/>
-            <a:ext cx="914400" cy="533400"/>
-          </a:xfrm>
-          <a:prstGeom prst="ellipse">
-            <a:avLst/>
-          </a:prstGeom>
-          <a:noFill/>
-        </p:spPr>
-        <p:style>
-          <a:lnRef idx="2">
-            <a:schemeClr val="accent1">
-              <a:shade val="50000"/>
-            </a:schemeClr>
-          </a:lnRef>
-          <a:fillRef idx="1">
-            <a:schemeClr val="accent1"/>
-          </a:fillRef>
-          <a:effectRef idx="0">
-            <a:schemeClr val="accent1"/>
-          </a:effectRef>
-          <a:fontRef idx="minor">
-            <a:schemeClr val="lt1"/>
-          </a:fontRef>
-        </p:style>
-        <p:txBody>
-          <a:bodyPr rtlCol="0" anchor="ctr"/>
-          <a:lstStyle/>
-          <a:p>
-            <a:pPr algn="ctr"/>
-            <a:endParaRPr lang="en-SG"/>
-          </a:p>
-        </p:txBody>
-      </p:sp>
-      <p:sp>
-        <p:nvSpPr>
-          <p:cNvPr id="13" name="TextBox 12"/>
-          <p:cNvSpPr txBox="1"/>
-          <p:nvPr/>
-        </p:nvSpPr>
-        <p:spPr>
-          <a:xfrm>
-            <a:off x="6858000" y="2445242"/>
-            <a:ext cx="838200" cy="369332"/>
-          </a:xfrm>
-          <a:prstGeom prst="rect">
-            <a:avLst/>
-          </a:prstGeom>
-          <a:noFill/>
-        </p:spPr>
-        <p:txBody>
-          <a:bodyPr wrap="square" rtlCol="0">
-            <a:spAutoFit/>
-          </a:bodyPr>
-          <a:lstStyle/>
-          <a:p>
-            <a:r>
-              <a:rPr lang="en-US" dirty="0" smtClean="0"/>
-              <a:t>Slave 3</a:t>
-            </a:r>
-            <a:endParaRPr lang="en-SG" dirty="0"/>
-          </a:p>
-        </p:txBody>
-      </p:sp>
-      <p:sp>
-        <p:nvSpPr>
-          <p:cNvPr id="14" name="Oval 13"/>
-          <p:cNvSpPr/>
-          <p:nvPr/>
-        </p:nvSpPr>
-        <p:spPr>
-          <a:xfrm>
-            <a:off x="6766272" y="4438110"/>
-            <a:ext cx="914400" cy="533400"/>
-          </a:xfrm>
-          <a:prstGeom prst="ellipse">
-            <a:avLst/>
-          </a:prstGeom>
-          <a:noFill/>
-        </p:spPr>
-        <p:style>
-          <a:lnRef idx="2">
-            <a:schemeClr val="accent1">
-              <a:shade val="50000"/>
-            </a:schemeClr>
-          </a:lnRef>
-          <a:fillRef idx="1">
-            <a:schemeClr val="accent1"/>
-          </a:fillRef>
-          <a:effectRef idx="0">
-            <a:schemeClr val="accent1"/>
-          </a:effectRef>
-          <a:fontRef idx="minor">
-            <a:schemeClr val="lt1"/>
-          </a:fontRef>
-        </p:style>
-        <p:txBody>
-          <a:bodyPr rtlCol="0" anchor="ctr"/>
-          <a:lstStyle/>
-          <a:p>
-            <a:pPr algn="ctr"/>
-            <a:endParaRPr lang="en-SG"/>
-          </a:p>
-        </p:txBody>
-      </p:sp>
-      <p:sp>
-        <p:nvSpPr>
-          <p:cNvPr id="15" name="TextBox 14"/>
-          <p:cNvSpPr txBox="1"/>
-          <p:nvPr/>
-        </p:nvSpPr>
-        <p:spPr>
-          <a:xfrm>
-            <a:off x="6858000" y="4514310"/>
-            <a:ext cx="838200" cy="369332"/>
-          </a:xfrm>
-          <a:prstGeom prst="rect">
-            <a:avLst/>
-          </a:prstGeom>
-          <a:noFill/>
-        </p:spPr>
-        <p:txBody>
-          <a:bodyPr wrap="square" rtlCol="0">
-            <a:spAutoFit/>
-          </a:bodyPr>
-          <a:lstStyle/>
-          <a:p>
-            <a:r>
-              <a:rPr lang="en-US" dirty="0" smtClean="0"/>
-              <a:t>Slave 8</a:t>
-            </a:r>
-            <a:endParaRPr lang="en-SG" dirty="0"/>
-          </a:p>
-        </p:txBody>
-      </p:sp>
-      <p:sp>
-        <p:nvSpPr>
-          <p:cNvPr id="16" name="Oval 15"/>
-          <p:cNvSpPr/>
-          <p:nvPr/>
-        </p:nvSpPr>
-        <p:spPr>
-          <a:xfrm>
-            <a:off x="5547072" y="5085810"/>
-            <a:ext cx="914400" cy="533400"/>
-          </a:xfrm>
-          <a:prstGeom prst="ellipse">
-            <a:avLst/>
-          </a:prstGeom>
-          <a:noFill/>
-        </p:spPr>
-        <p:style>
-          <a:lnRef idx="2">
-            <a:schemeClr val="accent1">
-              <a:shade val="50000"/>
-            </a:schemeClr>
-          </a:lnRef>
-          <a:fillRef idx="1">
-            <a:schemeClr val="accent1"/>
-          </a:fillRef>
-          <a:effectRef idx="0">
-            <a:schemeClr val="accent1"/>
-          </a:effectRef>
-          <a:fontRef idx="minor">
-            <a:schemeClr val="lt1"/>
-          </a:fontRef>
-        </p:style>
-        <p:txBody>
-          <a:bodyPr rtlCol="0" anchor="ctr"/>
-          <a:lstStyle/>
-          <a:p>
-            <a:pPr algn="ctr"/>
-            <a:endParaRPr lang="en-SG"/>
-          </a:p>
-        </p:txBody>
-      </p:sp>
-      <p:sp>
-        <p:nvSpPr>
-          <p:cNvPr id="17" name="TextBox 16"/>
-          <p:cNvSpPr txBox="1"/>
-          <p:nvPr/>
-        </p:nvSpPr>
-        <p:spPr>
-          <a:xfrm>
-            <a:off x="5638800" y="5162010"/>
-            <a:ext cx="838200" cy="369332"/>
-          </a:xfrm>
-          <a:prstGeom prst="rect">
-            <a:avLst/>
-          </a:prstGeom>
-          <a:noFill/>
-        </p:spPr>
-        <p:txBody>
-          <a:bodyPr wrap="square" rtlCol="0">
-            <a:spAutoFit/>
-          </a:bodyPr>
-          <a:lstStyle/>
-          <a:p>
-            <a:r>
-              <a:rPr lang="en-US" dirty="0" smtClean="0"/>
-              <a:t>Slave 9</a:t>
-            </a:r>
-            <a:endParaRPr lang="en-SG" dirty="0"/>
-          </a:p>
-        </p:txBody>
-      </p:sp>
-      <p:sp>
-        <p:nvSpPr>
-          <p:cNvPr id="18" name="Oval 17"/>
-          <p:cNvSpPr/>
-          <p:nvPr/>
-        </p:nvSpPr>
-        <p:spPr>
-          <a:xfrm>
-            <a:off x="4175472" y="5276310"/>
-            <a:ext cx="914400" cy="533400"/>
-          </a:xfrm>
-          <a:prstGeom prst="ellipse">
-            <a:avLst/>
-          </a:prstGeom>
-          <a:noFill/>
-        </p:spPr>
-        <p:style>
-          <a:lnRef idx="2">
-            <a:schemeClr val="accent1">
-              <a:shade val="50000"/>
-            </a:schemeClr>
-          </a:lnRef>
-          <a:fillRef idx="1">
-            <a:schemeClr val="accent1"/>
-          </a:fillRef>
-          <a:effectRef idx="0">
-            <a:schemeClr val="accent1"/>
-          </a:effectRef>
-          <a:fontRef idx="minor">
-            <a:schemeClr val="lt1"/>
-          </a:fontRef>
-        </p:style>
-        <p:txBody>
-          <a:bodyPr rtlCol="0" anchor="ctr"/>
-          <a:lstStyle/>
-          <a:p>
-            <a:pPr algn="ctr"/>
-            <a:endParaRPr lang="en-SG"/>
-          </a:p>
-        </p:txBody>
-      </p:sp>
-      <p:sp>
-        <p:nvSpPr>
-          <p:cNvPr id="19" name="TextBox 18"/>
-          <p:cNvSpPr txBox="1"/>
-          <p:nvPr/>
-        </p:nvSpPr>
-        <p:spPr>
-          <a:xfrm>
-            <a:off x="4184350" y="5352510"/>
-            <a:ext cx="929928" cy="369332"/>
-          </a:xfrm>
-          <a:prstGeom prst="rect">
-            <a:avLst/>
-          </a:prstGeom>
-          <a:noFill/>
-        </p:spPr>
-        <p:txBody>
-          <a:bodyPr wrap="square" rtlCol="0">
-            <a:spAutoFit/>
-          </a:bodyPr>
-          <a:lstStyle/>
-          <a:p>
-            <a:r>
-              <a:rPr lang="en-US" dirty="0" smtClean="0"/>
-              <a:t>Slave 10</a:t>
-            </a:r>
-            <a:endParaRPr lang="en-SG" dirty="0"/>
-          </a:p>
-        </p:txBody>
-      </p:sp>
-      <p:sp>
-        <p:nvSpPr>
-          <p:cNvPr id="22" name="Oval 21"/>
-          <p:cNvSpPr/>
-          <p:nvPr/>
-        </p:nvSpPr>
-        <p:spPr>
-          <a:xfrm>
-            <a:off x="4169183" y="1402690"/>
-            <a:ext cx="914400" cy="533400"/>
-          </a:xfrm>
-          <a:prstGeom prst="ellipse">
-            <a:avLst/>
-          </a:prstGeom>
-          <a:noFill/>
-        </p:spPr>
-        <p:style>
-          <a:lnRef idx="2">
-            <a:schemeClr val="accent1">
-              <a:shade val="50000"/>
-            </a:schemeClr>
-          </a:lnRef>
-          <a:fillRef idx="1">
-            <a:schemeClr val="accent1"/>
-          </a:fillRef>
-          <a:effectRef idx="0">
-            <a:schemeClr val="accent1"/>
-          </a:effectRef>
-          <a:fontRef idx="minor">
-            <a:schemeClr val="lt1"/>
-          </a:fontRef>
-        </p:style>
-        <p:txBody>
-          <a:bodyPr rtlCol="0" anchor="ctr"/>
-          <a:lstStyle/>
-          <a:p>
-            <a:pPr algn="ctr"/>
-            <a:endParaRPr lang="en-SG"/>
-          </a:p>
-        </p:txBody>
-      </p:sp>
-      <p:sp>
-        <p:nvSpPr>
-          <p:cNvPr id="23" name="TextBox 22"/>
-          <p:cNvSpPr txBox="1"/>
-          <p:nvPr/>
-        </p:nvSpPr>
-        <p:spPr>
-          <a:xfrm>
-            <a:off x="4260911" y="1478890"/>
-            <a:ext cx="838200" cy="369332"/>
-          </a:xfrm>
-          <a:prstGeom prst="rect">
-            <a:avLst/>
-          </a:prstGeom>
-          <a:noFill/>
-        </p:spPr>
-        <p:txBody>
-          <a:bodyPr wrap="square" rtlCol="0">
-            <a:spAutoFit/>
-          </a:bodyPr>
-          <a:lstStyle/>
-          <a:p>
-            <a:r>
-              <a:rPr lang="en-US" dirty="0" smtClean="0"/>
-              <a:t>Slave 1</a:t>
-            </a:r>
-            <a:endParaRPr lang="en-SG" dirty="0"/>
-          </a:p>
-        </p:txBody>
-      </p:sp>
-      <p:sp>
-        <p:nvSpPr>
-          <p:cNvPr id="24" name="TextBox 23"/>
-          <p:cNvSpPr txBox="1"/>
-          <p:nvPr/>
-        </p:nvSpPr>
-        <p:spPr>
-          <a:xfrm>
-            <a:off x="7126673" y="3424578"/>
-            <a:ext cx="553998" cy="704310"/>
-          </a:xfrm>
-          <a:prstGeom prst="rect">
-            <a:avLst/>
-          </a:prstGeom>
-          <a:noFill/>
-        </p:spPr>
-        <p:txBody>
-          <a:bodyPr vert="eaVert" wrap="square" rtlCol="0">
-            <a:spAutoFit/>
-          </a:bodyPr>
-          <a:lstStyle/>
-          <a:p>
-            <a:r>
-              <a:rPr lang="en-US" sz="2400" b="1" dirty="0" smtClean="0"/>
-              <a:t>…</a:t>
-            </a:r>
-            <a:endParaRPr lang="en-SG" sz="2400" b="1" dirty="0"/>
-          </a:p>
-        </p:txBody>
-      </p:sp>
-      <p:cxnSp>
-        <p:nvCxnSpPr>
-          <p:cNvPr id="4" name="Straight Arrow Connector 3"/>
-          <p:cNvCxnSpPr>
-            <a:stCxn id="8" idx="1"/>
-            <a:endCxn id="6" idx="3"/>
-          </p:cNvCxnSpPr>
-          <p:nvPr/>
-        </p:nvCxnSpPr>
-        <p:spPr>
-          <a:xfrm flipH="1">
-            <a:off x="2422872" y="3638010"/>
-            <a:ext cx="2514600" cy="0"/>
-          </a:xfrm>
-          <a:prstGeom prst="straightConnector1">
-            <a:avLst/>
-          </a:prstGeom>
-          <a:ln w="28575">
-            <a:prstDash val="sysDot"/>
-            <a:headEnd type="none" w="med" len="med"/>
-            <a:tailEnd type="triangle" w="med" len="med"/>
-          </a:ln>
-        </p:spPr>
-        <p:style>
-          <a:lnRef idx="1">
-            <a:schemeClr val="accent1"/>
-          </a:lnRef>
-          <a:fillRef idx="0">
-            <a:schemeClr val="accent1"/>
-          </a:fillRef>
-          <a:effectRef idx="0">
-            <a:schemeClr val="accent1"/>
-          </a:effectRef>
-          <a:fontRef idx="minor">
-            <a:schemeClr val="tx1"/>
-          </a:fontRef>
-        </p:style>
-      </p:cxnSp>
-      <p:sp>
-        <p:nvSpPr>
-          <p:cNvPr id="5" name="TextBox 4"/>
-          <p:cNvSpPr txBox="1"/>
-          <p:nvPr/>
-        </p:nvSpPr>
-        <p:spPr>
-          <a:xfrm>
-            <a:off x="2476500" y="2732183"/>
-            <a:ext cx="2613372" cy="1477328"/>
-          </a:xfrm>
-          <a:prstGeom prst="rect">
-            <a:avLst/>
-          </a:prstGeom>
-          <a:noFill/>
-        </p:spPr>
-        <p:txBody>
-          <a:bodyPr wrap="square" rtlCol="0">
-            <a:spAutoFit/>
-          </a:bodyPr>
-          <a:lstStyle/>
-          <a:p>
-            <a:pPr algn="ctr"/>
-            <a:r>
-              <a:rPr lang="en-US" dirty="0" smtClean="0"/>
-              <a:t>Size: 200k</a:t>
-            </a:r>
-          </a:p>
-          <a:p>
-            <a:pPr algn="ctr"/>
-            <a:r>
-              <a:rPr lang="en-US" dirty="0" smtClean="0"/>
-              <a:t>&lt;O1, Slave 1&gt;</a:t>
-            </a:r>
-          </a:p>
-          <a:p>
-            <a:pPr algn="ctr"/>
-            <a:r>
-              <a:rPr lang="en-US" dirty="0" smtClean="0"/>
-              <a:t>&lt;O2, Slave 10&gt;</a:t>
-            </a:r>
-          </a:p>
-          <a:p>
-            <a:pPr algn="ctr"/>
-            <a:r>
-              <a:rPr lang="en-US" dirty="0" smtClean="0"/>
-              <a:t>…</a:t>
-            </a:r>
-          </a:p>
-          <a:p>
-            <a:pPr algn="ctr"/>
-            <a:r>
-              <a:rPr lang="en-US" dirty="0" smtClean="0"/>
-              <a:t>&lt;O1O2O3O4, Slave 6&gt;</a:t>
-            </a:r>
-            <a:endParaRPr lang="en-SG" dirty="0"/>
-          </a:p>
-        </p:txBody>
-      </p:sp>
-    </p:spTree>
-    <p:extLst>
-      <p:ext uri="{BB962C8B-B14F-4D97-AF65-F5344CB8AC3E}">
-        <p14:creationId xmlns:p14="http://schemas.microsoft.com/office/powerpoint/2010/main" val="830361900"/>
-      </p:ext>
-    </p:extLst>
-  </p:cSld>
-  <p:clrMapOvr>
-    <a:masterClrMapping/>
-  </p:clrMapOvr>
+  <mc:AlternateContent xmlns:mc="http://schemas.openxmlformats.org/markup-compatibility/2006">
+    <mc:Choice xmlns:p14="http://schemas.microsoft.com/office/powerpoint/2010/main" Requires="p14">
+      <p:transition spd="slow" p14:dur="2000"/>
+    </mc:Choice>
+    <mc:Fallback>
+      <p:transition spd="slow"/>
+    </mc:Fallback>
+  </mc:AlternateContent>
   <p:timing>
     <p:tnLst>
       <p:par>
@@ -5937,6 +6411,769 @@
           <a:p>
             <a:r>
               <a:rPr lang="en-US" dirty="0" smtClean="0"/>
+              <a:t>Write Operation</a:t>
+            </a:r>
+            <a:endParaRPr lang="en-SG" dirty="0"/>
+          </a:p>
+        </p:txBody>
+      </p:sp>
+      <p:sp>
+        <p:nvSpPr>
+          <p:cNvPr id="6" name="Rounded Rectangle 5"/>
+          <p:cNvSpPr/>
+          <p:nvPr/>
+        </p:nvSpPr>
+        <p:spPr>
+          <a:xfrm>
+            <a:off x="1356072" y="3371310"/>
+            <a:ext cx="1066800" cy="533400"/>
+          </a:xfrm>
+          <a:prstGeom prst="roundRect">
+            <a:avLst/>
+          </a:prstGeom>
+          <a:noFill/>
+        </p:spPr>
+        <p:style>
+          <a:lnRef idx="2">
+            <a:schemeClr val="accent1">
+              <a:shade val="50000"/>
+            </a:schemeClr>
+          </a:lnRef>
+          <a:fillRef idx="1">
+            <a:schemeClr val="accent1"/>
+          </a:fillRef>
+          <a:effectRef idx="0">
+            <a:schemeClr val="accent1"/>
+          </a:effectRef>
+          <a:fontRef idx="minor">
+            <a:schemeClr val="lt1"/>
+          </a:fontRef>
+        </p:style>
+        <p:txBody>
+          <a:bodyPr rtlCol="0" anchor="ctr"/>
+          <a:lstStyle/>
+          <a:p>
+            <a:pPr algn="ctr"/>
+            <a:endParaRPr lang="en-SG"/>
+          </a:p>
+        </p:txBody>
+      </p:sp>
+      <p:sp>
+        <p:nvSpPr>
+          <p:cNvPr id="7" name="TextBox 6"/>
+          <p:cNvSpPr txBox="1"/>
+          <p:nvPr/>
+        </p:nvSpPr>
+        <p:spPr>
+          <a:xfrm>
+            <a:off x="1531404" y="3447510"/>
+            <a:ext cx="838200" cy="369332"/>
+          </a:xfrm>
+          <a:prstGeom prst="rect">
+            <a:avLst/>
+          </a:prstGeom>
+          <a:noFill/>
+        </p:spPr>
+        <p:txBody>
+          <a:bodyPr wrap="square" rtlCol="0">
+            <a:spAutoFit/>
+          </a:bodyPr>
+          <a:lstStyle/>
+          <a:p>
+            <a:r>
+              <a:rPr lang="en-US" dirty="0" smtClean="0"/>
+              <a:t>Client</a:t>
+            </a:r>
+            <a:endParaRPr lang="en-SG" dirty="0"/>
+          </a:p>
+        </p:txBody>
+      </p:sp>
+      <p:sp>
+        <p:nvSpPr>
+          <p:cNvPr id="8" name="Rounded Rectangle 7"/>
+          <p:cNvSpPr/>
+          <p:nvPr/>
+        </p:nvSpPr>
+        <p:spPr>
+          <a:xfrm>
+            <a:off x="4937472" y="3371310"/>
+            <a:ext cx="1066800" cy="533400"/>
+          </a:xfrm>
+          <a:prstGeom prst="roundRect">
+            <a:avLst/>
+          </a:prstGeom>
+          <a:noFill/>
+        </p:spPr>
+        <p:style>
+          <a:lnRef idx="2">
+            <a:schemeClr val="accent1">
+              <a:shade val="50000"/>
+            </a:schemeClr>
+          </a:lnRef>
+          <a:fillRef idx="1">
+            <a:schemeClr val="accent1"/>
+          </a:fillRef>
+          <a:effectRef idx="0">
+            <a:schemeClr val="accent1"/>
+          </a:effectRef>
+          <a:fontRef idx="minor">
+            <a:schemeClr val="lt1"/>
+          </a:fontRef>
+        </p:style>
+        <p:txBody>
+          <a:bodyPr rtlCol="0" anchor="ctr"/>
+          <a:lstStyle/>
+          <a:p>
+            <a:pPr algn="ctr"/>
+            <a:endParaRPr lang="en-SG"/>
+          </a:p>
+        </p:txBody>
+      </p:sp>
+      <p:sp>
+        <p:nvSpPr>
+          <p:cNvPr id="9" name="TextBox 8"/>
+          <p:cNvSpPr txBox="1"/>
+          <p:nvPr/>
+        </p:nvSpPr>
+        <p:spPr>
+          <a:xfrm>
+            <a:off x="5089872" y="3447510"/>
+            <a:ext cx="838200" cy="369332"/>
+          </a:xfrm>
+          <a:prstGeom prst="rect">
+            <a:avLst/>
+          </a:prstGeom>
+          <a:noFill/>
+        </p:spPr>
+        <p:txBody>
+          <a:bodyPr wrap="square" rtlCol="0">
+            <a:spAutoFit/>
+          </a:bodyPr>
+          <a:lstStyle/>
+          <a:p>
+            <a:r>
+              <a:rPr lang="en-US" dirty="0" smtClean="0"/>
+              <a:t>Master</a:t>
+            </a:r>
+            <a:endParaRPr lang="en-SG" dirty="0"/>
+          </a:p>
+        </p:txBody>
+      </p:sp>
+      <p:sp>
+        <p:nvSpPr>
+          <p:cNvPr id="10" name="Oval 9"/>
+          <p:cNvSpPr/>
+          <p:nvPr/>
+        </p:nvSpPr>
+        <p:spPr>
+          <a:xfrm>
+            <a:off x="5547072" y="1774979"/>
+            <a:ext cx="914400" cy="533400"/>
+          </a:xfrm>
+          <a:prstGeom prst="ellipse">
+            <a:avLst/>
+          </a:prstGeom>
+          <a:noFill/>
+        </p:spPr>
+        <p:style>
+          <a:lnRef idx="2">
+            <a:schemeClr val="accent1">
+              <a:shade val="50000"/>
+            </a:schemeClr>
+          </a:lnRef>
+          <a:fillRef idx="1">
+            <a:schemeClr val="accent1"/>
+          </a:fillRef>
+          <a:effectRef idx="0">
+            <a:schemeClr val="accent1"/>
+          </a:effectRef>
+          <a:fontRef idx="minor">
+            <a:schemeClr val="lt1"/>
+          </a:fontRef>
+        </p:style>
+        <p:txBody>
+          <a:bodyPr rtlCol="0" anchor="ctr"/>
+          <a:lstStyle/>
+          <a:p>
+            <a:pPr algn="ctr"/>
+            <a:endParaRPr lang="en-SG"/>
+          </a:p>
+        </p:txBody>
+      </p:sp>
+      <p:sp>
+        <p:nvSpPr>
+          <p:cNvPr id="11" name="TextBox 10"/>
+          <p:cNvSpPr txBox="1"/>
+          <p:nvPr/>
+        </p:nvSpPr>
+        <p:spPr>
+          <a:xfrm>
+            <a:off x="5638800" y="1851179"/>
+            <a:ext cx="838200" cy="369332"/>
+          </a:xfrm>
+          <a:prstGeom prst="rect">
+            <a:avLst/>
+          </a:prstGeom>
+          <a:noFill/>
+        </p:spPr>
+        <p:txBody>
+          <a:bodyPr wrap="square" rtlCol="0">
+            <a:spAutoFit/>
+          </a:bodyPr>
+          <a:lstStyle/>
+          <a:p>
+            <a:r>
+              <a:rPr lang="en-US" dirty="0" smtClean="0"/>
+              <a:t>Slave 2</a:t>
+            </a:r>
+            <a:endParaRPr lang="en-SG" dirty="0"/>
+          </a:p>
+        </p:txBody>
+      </p:sp>
+      <p:sp>
+        <p:nvSpPr>
+          <p:cNvPr id="12" name="Oval 11"/>
+          <p:cNvSpPr/>
+          <p:nvPr/>
+        </p:nvSpPr>
+        <p:spPr>
+          <a:xfrm>
+            <a:off x="6766272" y="2369042"/>
+            <a:ext cx="914400" cy="533400"/>
+          </a:xfrm>
+          <a:prstGeom prst="ellipse">
+            <a:avLst/>
+          </a:prstGeom>
+          <a:noFill/>
+        </p:spPr>
+        <p:style>
+          <a:lnRef idx="2">
+            <a:schemeClr val="accent1">
+              <a:shade val="50000"/>
+            </a:schemeClr>
+          </a:lnRef>
+          <a:fillRef idx="1">
+            <a:schemeClr val="accent1"/>
+          </a:fillRef>
+          <a:effectRef idx="0">
+            <a:schemeClr val="accent1"/>
+          </a:effectRef>
+          <a:fontRef idx="minor">
+            <a:schemeClr val="lt1"/>
+          </a:fontRef>
+        </p:style>
+        <p:txBody>
+          <a:bodyPr rtlCol="0" anchor="ctr"/>
+          <a:lstStyle/>
+          <a:p>
+            <a:pPr algn="ctr"/>
+            <a:endParaRPr lang="en-SG"/>
+          </a:p>
+        </p:txBody>
+      </p:sp>
+      <p:sp>
+        <p:nvSpPr>
+          <p:cNvPr id="13" name="TextBox 12"/>
+          <p:cNvSpPr txBox="1"/>
+          <p:nvPr/>
+        </p:nvSpPr>
+        <p:spPr>
+          <a:xfrm>
+            <a:off x="6858000" y="2445242"/>
+            <a:ext cx="838200" cy="369332"/>
+          </a:xfrm>
+          <a:prstGeom prst="rect">
+            <a:avLst/>
+          </a:prstGeom>
+          <a:noFill/>
+        </p:spPr>
+        <p:txBody>
+          <a:bodyPr wrap="square" rtlCol="0">
+            <a:spAutoFit/>
+          </a:bodyPr>
+          <a:lstStyle/>
+          <a:p>
+            <a:r>
+              <a:rPr lang="en-US" dirty="0" smtClean="0"/>
+              <a:t>Slave 3</a:t>
+            </a:r>
+            <a:endParaRPr lang="en-SG" dirty="0"/>
+          </a:p>
+        </p:txBody>
+      </p:sp>
+      <p:sp>
+        <p:nvSpPr>
+          <p:cNvPr id="14" name="Oval 13"/>
+          <p:cNvSpPr/>
+          <p:nvPr/>
+        </p:nvSpPr>
+        <p:spPr>
+          <a:xfrm>
+            <a:off x="6766272" y="4438110"/>
+            <a:ext cx="914400" cy="533400"/>
+          </a:xfrm>
+          <a:prstGeom prst="ellipse">
+            <a:avLst/>
+          </a:prstGeom>
+          <a:noFill/>
+        </p:spPr>
+        <p:style>
+          <a:lnRef idx="2">
+            <a:schemeClr val="accent1">
+              <a:shade val="50000"/>
+            </a:schemeClr>
+          </a:lnRef>
+          <a:fillRef idx="1">
+            <a:schemeClr val="accent1"/>
+          </a:fillRef>
+          <a:effectRef idx="0">
+            <a:schemeClr val="accent1"/>
+          </a:effectRef>
+          <a:fontRef idx="minor">
+            <a:schemeClr val="lt1"/>
+          </a:fontRef>
+        </p:style>
+        <p:txBody>
+          <a:bodyPr rtlCol="0" anchor="ctr"/>
+          <a:lstStyle/>
+          <a:p>
+            <a:pPr algn="ctr"/>
+            <a:endParaRPr lang="en-SG"/>
+          </a:p>
+        </p:txBody>
+      </p:sp>
+      <p:sp>
+        <p:nvSpPr>
+          <p:cNvPr id="15" name="TextBox 14"/>
+          <p:cNvSpPr txBox="1"/>
+          <p:nvPr/>
+        </p:nvSpPr>
+        <p:spPr>
+          <a:xfrm>
+            <a:off x="6858000" y="4514310"/>
+            <a:ext cx="838200" cy="369332"/>
+          </a:xfrm>
+          <a:prstGeom prst="rect">
+            <a:avLst/>
+          </a:prstGeom>
+          <a:noFill/>
+        </p:spPr>
+        <p:txBody>
+          <a:bodyPr wrap="square" rtlCol="0">
+            <a:spAutoFit/>
+          </a:bodyPr>
+          <a:lstStyle/>
+          <a:p>
+            <a:r>
+              <a:rPr lang="en-US" dirty="0" smtClean="0"/>
+              <a:t>Slave 8</a:t>
+            </a:r>
+            <a:endParaRPr lang="en-SG" dirty="0"/>
+          </a:p>
+        </p:txBody>
+      </p:sp>
+      <p:sp>
+        <p:nvSpPr>
+          <p:cNvPr id="16" name="Oval 15"/>
+          <p:cNvSpPr/>
+          <p:nvPr/>
+        </p:nvSpPr>
+        <p:spPr>
+          <a:xfrm>
+            <a:off x="5547072" y="5085810"/>
+            <a:ext cx="914400" cy="533400"/>
+          </a:xfrm>
+          <a:prstGeom prst="ellipse">
+            <a:avLst/>
+          </a:prstGeom>
+          <a:noFill/>
+        </p:spPr>
+        <p:style>
+          <a:lnRef idx="2">
+            <a:schemeClr val="accent1">
+              <a:shade val="50000"/>
+            </a:schemeClr>
+          </a:lnRef>
+          <a:fillRef idx="1">
+            <a:schemeClr val="accent1"/>
+          </a:fillRef>
+          <a:effectRef idx="0">
+            <a:schemeClr val="accent1"/>
+          </a:effectRef>
+          <a:fontRef idx="minor">
+            <a:schemeClr val="lt1"/>
+          </a:fontRef>
+        </p:style>
+        <p:txBody>
+          <a:bodyPr rtlCol="0" anchor="ctr"/>
+          <a:lstStyle/>
+          <a:p>
+            <a:pPr algn="ctr"/>
+            <a:endParaRPr lang="en-SG"/>
+          </a:p>
+        </p:txBody>
+      </p:sp>
+      <p:sp>
+        <p:nvSpPr>
+          <p:cNvPr id="17" name="TextBox 16"/>
+          <p:cNvSpPr txBox="1"/>
+          <p:nvPr/>
+        </p:nvSpPr>
+        <p:spPr>
+          <a:xfrm>
+            <a:off x="5638800" y="5162010"/>
+            <a:ext cx="838200" cy="369332"/>
+          </a:xfrm>
+          <a:prstGeom prst="rect">
+            <a:avLst/>
+          </a:prstGeom>
+          <a:noFill/>
+        </p:spPr>
+        <p:txBody>
+          <a:bodyPr wrap="square" rtlCol="0">
+            <a:spAutoFit/>
+          </a:bodyPr>
+          <a:lstStyle/>
+          <a:p>
+            <a:r>
+              <a:rPr lang="en-US" dirty="0" smtClean="0"/>
+              <a:t>Slave 9</a:t>
+            </a:r>
+            <a:endParaRPr lang="en-SG" dirty="0"/>
+          </a:p>
+        </p:txBody>
+      </p:sp>
+      <p:sp>
+        <p:nvSpPr>
+          <p:cNvPr id="18" name="Oval 17"/>
+          <p:cNvSpPr/>
+          <p:nvPr/>
+        </p:nvSpPr>
+        <p:spPr>
+          <a:xfrm>
+            <a:off x="4175472" y="5276310"/>
+            <a:ext cx="914400" cy="533400"/>
+          </a:xfrm>
+          <a:prstGeom prst="ellipse">
+            <a:avLst/>
+          </a:prstGeom>
+          <a:noFill/>
+        </p:spPr>
+        <p:style>
+          <a:lnRef idx="2">
+            <a:schemeClr val="accent1">
+              <a:shade val="50000"/>
+            </a:schemeClr>
+          </a:lnRef>
+          <a:fillRef idx="1">
+            <a:schemeClr val="accent1"/>
+          </a:fillRef>
+          <a:effectRef idx="0">
+            <a:schemeClr val="accent1"/>
+          </a:effectRef>
+          <a:fontRef idx="minor">
+            <a:schemeClr val="lt1"/>
+          </a:fontRef>
+        </p:style>
+        <p:txBody>
+          <a:bodyPr rtlCol="0" anchor="ctr"/>
+          <a:lstStyle/>
+          <a:p>
+            <a:pPr algn="ctr"/>
+            <a:endParaRPr lang="en-SG"/>
+          </a:p>
+        </p:txBody>
+      </p:sp>
+      <p:sp>
+        <p:nvSpPr>
+          <p:cNvPr id="19" name="TextBox 18"/>
+          <p:cNvSpPr txBox="1"/>
+          <p:nvPr/>
+        </p:nvSpPr>
+        <p:spPr>
+          <a:xfrm>
+            <a:off x="4184350" y="5352510"/>
+            <a:ext cx="929928" cy="369332"/>
+          </a:xfrm>
+          <a:prstGeom prst="rect">
+            <a:avLst/>
+          </a:prstGeom>
+          <a:noFill/>
+        </p:spPr>
+        <p:txBody>
+          <a:bodyPr wrap="square" rtlCol="0">
+            <a:spAutoFit/>
+          </a:bodyPr>
+          <a:lstStyle/>
+          <a:p>
+            <a:r>
+              <a:rPr lang="en-US" dirty="0" smtClean="0"/>
+              <a:t>Slave 10</a:t>
+            </a:r>
+            <a:endParaRPr lang="en-SG" dirty="0"/>
+          </a:p>
+        </p:txBody>
+      </p:sp>
+      <p:sp>
+        <p:nvSpPr>
+          <p:cNvPr id="22" name="Oval 21"/>
+          <p:cNvSpPr/>
+          <p:nvPr/>
+        </p:nvSpPr>
+        <p:spPr>
+          <a:xfrm>
+            <a:off x="4169183" y="1402690"/>
+            <a:ext cx="914400" cy="533400"/>
+          </a:xfrm>
+          <a:prstGeom prst="ellipse">
+            <a:avLst/>
+          </a:prstGeom>
+          <a:noFill/>
+        </p:spPr>
+        <p:style>
+          <a:lnRef idx="2">
+            <a:schemeClr val="accent1">
+              <a:shade val="50000"/>
+            </a:schemeClr>
+          </a:lnRef>
+          <a:fillRef idx="1">
+            <a:schemeClr val="accent1"/>
+          </a:fillRef>
+          <a:effectRef idx="0">
+            <a:schemeClr val="accent1"/>
+          </a:effectRef>
+          <a:fontRef idx="minor">
+            <a:schemeClr val="lt1"/>
+          </a:fontRef>
+        </p:style>
+        <p:txBody>
+          <a:bodyPr rtlCol="0" anchor="ctr"/>
+          <a:lstStyle/>
+          <a:p>
+            <a:pPr algn="ctr"/>
+            <a:endParaRPr lang="en-SG"/>
+          </a:p>
+        </p:txBody>
+      </p:sp>
+      <p:sp>
+        <p:nvSpPr>
+          <p:cNvPr id="23" name="TextBox 22"/>
+          <p:cNvSpPr txBox="1"/>
+          <p:nvPr/>
+        </p:nvSpPr>
+        <p:spPr>
+          <a:xfrm>
+            <a:off x="4260911" y="1478890"/>
+            <a:ext cx="838200" cy="369332"/>
+          </a:xfrm>
+          <a:prstGeom prst="rect">
+            <a:avLst/>
+          </a:prstGeom>
+          <a:noFill/>
+        </p:spPr>
+        <p:txBody>
+          <a:bodyPr wrap="square" rtlCol="0">
+            <a:spAutoFit/>
+          </a:bodyPr>
+          <a:lstStyle/>
+          <a:p>
+            <a:r>
+              <a:rPr lang="en-US" dirty="0" smtClean="0"/>
+              <a:t>Slave 1</a:t>
+            </a:r>
+            <a:endParaRPr lang="en-SG" dirty="0"/>
+          </a:p>
+        </p:txBody>
+      </p:sp>
+      <p:sp>
+        <p:nvSpPr>
+          <p:cNvPr id="24" name="TextBox 23"/>
+          <p:cNvSpPr txBox="1"/>
+          <p:nvPr/>
+        </p:nvSpPr>
+        <p:spPr>
+          <a:xfrm>
+            <a:off x="7126673" y="3424578"/>
+            <a:ext cx="553998" cy="704310"/>
+          </a:xfrm>
+          <a:prstGeom prst="rect">
+            <a:avLst/>
+          </a:prstGeom>
+          <a:noFill/>
+        </p:spPr>
+        <p:txBody>
+          <a:bodyPr vert="eaVert" wrap="square" rtlCol="0">
+            <a:spAutoFit/>
+          </a:bodyPr>
+          <a:lstStyle/>
+          <a:p>
+            <a:r>
+              <a:rPr lang="en-US" sz="2400" b="1" dirty="0" smtClean="0"/>
+              <a:t>…</a:t>
+            </a:r>
+            <a:endParaRPr lang="en-SG" sz="2400" b="1" dirty="0"/>
+          </a:p>
+        </p:txBody>
+      </p:sp>
+      <p:cxnSp>
+        <p:nvCxnSpPr>
+          <p:cNvPr id="4" name="Straight Arrow Connector 3"/>
+          <p:cNvCxnSpPr>
+            <a:stCxn id="8" idx="1"/>
+            <a:endCxn id="6" idx="3"/>
+          </p:cNvCxnSpPr>
+          <p:nvPr/>
+        </p:nvCxnSpPr>
+        <p:spPr>
+          <a:xfrm flipH="1">
+            <a:off x="2422872" y="3638010"/>
+            <a:ext cx="2514600" cy="0"/>
+          </a:xfrm>
+          <a:prstGeom prst="straightConnector1">
+            <a:avLst/>
+          </a:prstGeom>
+          <a:ln w="28575">
+            <a:prstDash val="sysDot"/>
+            <a:headEnd type="none" w="med" len="med"/>
+            <a:tailEnd type="triangle" w="med" len="med"/>
+          </a:ln>
+        </p:spPr>
+        <p:style>
+          <a:lnRef idx="1">
+            <a:schemeClr val="accent1"/>
+          </a:lnRef>
+          <a:fillRef idx="0">
+            <a:schemeClr val="accent1"/>
+          </a:fillRef>
+          <a:effectRef idx="0">
+            <a:schemeClr val="accent1"/>
+          </a:effectRef>
+          <a:fontRef idx="minor">
+            <a:schemeClr val="tx1"/>
+          </a:fontRef>
+        </p:style>
+      </p:cxnSp>
+      <p:sp>
+        <p:nvSpPr>
+          <p:cNvPr id="5" name="TextBox 4"/>
+          <p:cNvSpPr txBox="1"/>
+          <p:nvPr/>
+        </p:nvSpPr>
+        <p:spPr>
+          <a:xfrm>
+            <a:off x="2476500" y="2732183"/>
+            <a:ext cx="2613372" cy="1477328"/>
+          </a:xfrm>
+          <a:prstGeom prst="rect">
+            <a:avLst/>
+          </a:prstGeom>
+          <a:noFill/>
+        </p:spPr>
+        <p:txBody>
+          <a:bodyPr wrap="square" rtlCol="0">
+            <a:spAutoFit/>
+          </a:bodyPr>
+          <a:lstStyle/>
+          <a:p>
+            <a:pPr algn="ctr"/>
+            <a:r>
+              <a:rPr lang="en-US" dirty="0" smtClean="0"/>
+              <a:t>Size: 200k</a:t>
+            </a:r>
+          </a:p>
+          <a:p>
+            <a:pPr algn="ctr"/>
+            <a:r>
+              <a:rPr lang="en-US" dirty="0" smtClean="0"/>
+              <a:t>&lt;O1, Slave 1&gt;</a:t>
+            </a:r>
+          </a:p>
+          <a:p>
+            <a:pPr algn="ctr"/>
+            <a:r>
+              <a:rPr lang="en-US" dirty="0" smtClean="0"/>
+              <a:t>&lt;O2, Slave 10&gt;</a:t>
+            </a:r>
+          </a:p>
+          <a:p>
+            <a:pPr algn="ctr"/>
+            <a:r>
+              <a:rPr lang="en-US" dirty="0" smtClean="0"/>
+              <a:t>…</a:t>
+            </a:r>
+          </a:p>
+          <a:p>
+            <a:pPr algn="ctr"/>
+            <a:r>
+              <a:rPr lang="en-US" dirty="0" smtClean="0"/>
+              <a:t>&lt;O1O2O3O4, Slave 6&gt;</a:t>
+            </a:r>
+            <a:endParaRPr lang="en-SG" dirty="0"/>
+          </a:p>
+        </p:txBody>
+      </p:sp>
+    </p:spTree>
+    <p:extLst>
+      <p:ext uri="{BB962C8B-B14F-4D97-AF65-F5344CB8AC3E}">
+        <p14:creationId xmlns:p14="http://schemas.microsoft.com/office/powerpoint/2010/main" val="830361900"/>
+      </p:ext>
+    </p:extLst>
+  </p:cSld>
+  <p:clrMapOvr>
+    <a:masterClrMapping/>
+  </p:clrMapOvr>
+  <mc:AlternateContent xmlns:mc="http://schemas.openxmlformats.org/markup-compatibility/2006">
+    <mc:Choice xmlns:p14="http://schemas.microsoft.com/office/powerpoint/2010/main" Requires="p14">
+      <p:transition spd="slow" p14:dur="2000"/>
+    </mc:Choice>
+    <mc:Fallback>
+      <p:transition spd="slow"/>
+    </mc:Fallback>
+  </mc:AlternateContent>
+  <p:timing>
+    <p:tnLst>
+      <p:par>
+        <p:cTn id="1" dur="indefinite" restart="never" nodeType="tmRoot"/>
+      </p:par>
+    </p:tnLst>
+  </p:timing>
+</p:sld>
+</file>
+
+<file path=ppt/slides/slide13.xml><?xml version="1.0" encoding="utf-8"?>
+<p:sld xmlns:a="http://schemas.openxmlformats.org/drawingml/2006/main" xmlns:r="http://schemas.openxmlformats.org/officeDocument/2006/relationships" xmlns:p="http://schemas.openxmlformats.org/presentationml/2006/main">
+  <p:cSld>
+    <p:spTree>
+      <p:nvGrpSpPr>
+        <p:cNvPr id="1" name=""/>
+        <p:cNvGrpSpPr/>
+        <p:nvPr/>
+      </p:nvGrpSpPr>
+      <p:grpSpPr>
+        <a:xfrm>
+          <a:off x="0" y="0"/>
+          <a:ext cx="0" cy="0"/>
+          <a:chOff x="0" y="0"/>
+          <a:chExt cx="0" cy="0"/>
+        </a:xfrm>
+      </p:grpSpPr>
+      <p:sp>
+        <p:nvSpPr>
+          <p:cNvPr id="2" name="Title 1"/>
+          <p:cNvSpPr>
+            <a:spLocks noGrp="1"/>
+          </p:cNvSpPr>
+          <p:nvPr>
+            <p:ph type="title"/>
+          </p:nvPr>
+        </p:nvSpPr>
+        <p:spPr/>
+        <p:txBody>
+          <a:bodyPr/>
+          <a:lstStyle/>
+          <a:p>
+            <a:r>
+              <a:rPr lang="en-US" dirty="0" smtClean="0"/>
               <a:t>Read Operation</a:t>
             </a:r>
             <a:endParaRPr lang="en-SG" dirty="0"/>
@@ -6701,6 +7938,14 @@
   <p:clrMapOvr>
     <a:masterClrMapping/>
   </p:clrMapOvr>
+  <mc:AlternateContent xmlns:mc="http://schemas.openxmlformats.org/markup-compatibility/2006">
+    <mc:Choice xmlns:p14="http://schemas.microsoft.com/office/powerpoint/2010/main" Requires="p14">
+      <p:transition spd="slow" p14:dur="2000"/>
+    </mc:Choice>
+    <mc:Fallback>
+      <p:transition spd="slow"/>
+    </mc:Fallback>
+  </mc:AlternateContent>
   <p:timing>
     <p:tnLst>
       <p:par>
@@ -6711,7 +7956,7 @@
 </p:sld>
 </file>
 
-<file path=ppt/slides/slide13.xml><?xml version="1.0" encoding="utf-8"?>
+<file path=ppt/slides/slide14.xml><?xml version="1.0" encoding="utf-8"?>
 <p:sld xmlns:a="http://schemas.openxmlformats.org/drawingml/2006/main" xmlns:r="http://schemas.openxmlformats.org/officeDocument/2006/relationships" xmlns:p="http://schemas.openxmlformats.org/presentationml/2006/main">
   <p:cSld>
     <p:spTree>
@@ -7694,6 +8939,9 @@
         </p:sp>
       </p:grpSp>
     </p:spTree>
+    <p:custDataLst>
+      <p:tags r:id="rId1"/>
+    </p:custDataLst>
     <p:extLst>
       <p:ext uri="{BB962C8B-B14F-4D97-AF65-F5344CB8AC3E}">
         <p14:creationId xmlns:p14="http://schemas.microsoft.com/office/powerpoint/2010/main" val="911509721"/>
@@ -7703,6 +8951,14 @@
   <p:clrMapOvr>
     <a:masterClrMapping/>
   </p:clrMapOvr>
+  <mc:AlternateContent xmlns:mc="http://schemas.openxmlformats.org/markup-compatibility/2006">
+    <mc:Choice xmlns:p14="http://schemas.microsoft.com/office/powerpoint/2010/main" Requires="p14">
+      <p:transition spd="slow" p14:dur="2000"/>
+    </mc:Choice>
+    <mc:Fallback>
+      <p:transition spd="slow"/>
+    </mc:Fallback>
+  </mc:AlternateContent>
   <p:timing>
     <p:tnLst>
       <p:par>
@@ -7896,7 +9152,7 @@
 </p:sld>
 </file>
 
-<file path=ppt/slides/slide14.xml><?xml version="1.0" encoding="utf-8"?>
+<file path=ppt/slides/slide15.xml><?xml version="1.0" encoding="utf-8"?>
 <p:sld xmlns:a="http://schemas.openxmlformats.org/drawingml/2006/main" xmlns:r="http://schemas.openxmlformats.org/officeDocument/2006/relationships" xmlns:p="http://schemas.openxmlformats.org/presentationml/2006/main">
   <p:cSld>
     <p:spTree>
@@ -8630,6 +9886,14 @@
   <p:clrMapOvr>
     <a:masterClrMapping/>
   </p:clrMapOvr>
+  <mc:AlternateContent xmlns:mc="http://schemas.openxmlformats.org/markup-compatibility/2006">
+    <mc:Choice xmlns:p14="http://schemas.microsoft.com/office/powerpoint/2010/main" Requires="p14">
+      <p:transition spd="slow" p14:dur="2000"/>
+    </mc:Choice>
+    <mc:Fallback>
+      <p:transition spd="slow"/>
+    </mc:Fallback>
+  </mc:AlternateContent>
   <p:timing>
     <p:tnLst>
       <p:par>
@@ -8640,7 +9904,7 @@
 </p:sld>
 </file>
 
-<file path=ppt/slides/slide15.xml><?xml version="1.0" encoding="utf-8"?>
+<file path=ppt/slides/slide16.xml><?xml version="1.0" encoding="utf-8"?>
 <p:sld xmlns:a="http://schemas.openxmlformats.org/drawingml/2006/main" xmlns:r="http://schemas.openxmlformats.org/officeDocument/2006/relationships" xmlns:p="http://schemas.openxmlformats.org/presentationml/2006/main">
   <p:cSld>
     <p:spTree>
@@ -9795,7 +11059,96 @@
           </p:txBody>
         </p:sp>
       </p:grpSp>
+      <p:grpSp>
+        <p:nvGrpSpPr>
+          <p:cNvPr id="38" name="Group 37"/>
+          <p:cNvGrpSpPr/>
+          <p:nvPr/>
+        </p:nvGrpSpPr>
+        <p:grpSpPr>
+          <a:xfrm>
+            <a:off x="5719447" y="5747697"/>
+            <a:ext cx="655469" cy="693818"/>
+            <a:chOff x="1288750" y="5005601"/>
+            <a:chExt cx="655469" cy="693818"/>
+          </a:xfrm>
+        </p:grpSpPr>
+        <p:sp>
+          <p:nvSpPr>
+            <p:cNvPr id="39" name="Can 38"/>
+            <p:cNvSpPr/>
+            <p:nvPr/>
+          </p:nvSpPr>
+          <p:spPr>
+            <a:xfrm>
+              <a:off x="1288750" y="5005601"/>
+              <a:ext cx="609600" cy="693818"/>
+            </a:xfrm>
+            <a:prstGeom prst="can">
+              <a:avLst/>
+            </a:prstGeom>
+            <a:noFill/>
+          </p:spPr>
+          <p:style>
+            <a:lnRef idx="2">
+              <a:schemeClr val="accent1">
+                <a:shade val="50000"/>
+              </a:schemeClr>
+            </a:lnRef>
+            <a:fillRef idx="1">
+              <a:schemeClr val="accent1"/>
+            </a:fillRef>
+            <a:effectRef idx="0">
+              <a:schemeClr val="accent1"/>
+            </a:effectRef>
+            <a:fontRef idx="minor">
+              <a:schemeClr val="lt1"/>
+            </a:fontRef>
+          </p:style>
+          <p:txBody>
+            <a:bodyPr rtlCol="0" anchor="ctr"/>
+            <a:lstStyle/>
+            <a:p>
+              <a:pPr algn="ctr"/>
+              <a:endParaRPr lang="en-SG"/>
+            </a:p>
+          </p:txBody>
+        </p:sp>
+        <p:sp>
+          <p:nvSpPr>
+            <p:cNvPr id="40" name="TextBox 39"/>
+            <p:cNvSpPr txBox="1"/>
+            <p:nvPr/>
+          </p:nvSpPr>
+          <p:spPr>
+            <a:xfrm>
+              <a:off x="1363478" y="5200853"/>
+              <a:ext cx="580741" cy="369332"/>
+            </a:xfrm>
+            <a:prstGeom prst="rect">
+              <a:avLst/>
+            </a:prstGeom>
+            <a:noFill/>
+          </p:spPr>
+          <p:txBody>
+            <a:bodyPr wrap="square" rtlCol="0">
+              <a:spAutoFit/>
+            </a:bodyPr>
+            <a:lstStyle/>
+            <a:p>
+              <a:r>
+                <a:rPr lang="en-US" dirty="0" smtClean="0"/>
+                <a:t>O4</a:t>
+              </a:r>
+              <a:endParaRPr lang="en-SG" dirty="0"/>
+            </a:p>
+          </p:txBody>
+        </p:sp>
+      </p:grpSp>
     </p:spTree>
+    <p:custDataLst>
+      <p:tags r:id="rId1"/>
+    </p:custDataLst>
     <p:extLst>
       <p:ext uri="{BB962C8B-B14F-4D97-AF65-F5344CB8AC3E}">
         <p14:creationId xmlns:p14="http://schemas.microsoft.com/office/powerpoint/2010/main" val="2269632953"/>
@@ -9805,6 +11158,14 @@
   <p:clrMapOvr>
     <a:masterClrMapping/>
   </p:clrMapOvr>
+  <mc:AlternateContent xmlns:mc="http://schemas.openxmlformats.org/markup-compatibility/2006">
+    <mc:Choice xmlns:p14="http://schemas.microsoft.com/office/powerpoint/2010/main" Requires="p14">
+      <p:transition spd="slow" p14:dur="2000"/>
+    </mc:Choice>
+    <mc:Fallback>
+      <p:transition spd="slow"/>
+    </mc:Fallback>
+  </mc:AlternateContent>
   <p:timing>
     <p:tnLst>
       <p:par>
@@ -10161,7 +11522,7 @@
 </p:sld>
 </file>
 
-<file path=ppt/slides/slide16.xml><?xml version="1.0" encoding="utf-8"?>
+<file path=ppt/slides/slide17.xml><?xml version="1.0" encoding="utf-8"?>
 <p:sld xmlns:a="http://schemas.openxmlformats.org/drawingml/2006/main" xmlns:r="http://schemas.openxmlformats.org/officeDocument/2006/relationships" xmlns:p="http://schemas.openxmlformats.org/presentationml/2006/main">
   <p:cSld>
     <p:spTree>
@@ -10895,6 +12256,14 @@
   <p:clrMapOvr>
     <a:masterClrMapping/>
   </p:clrMapOvr>
+  <mc:AlternateContent xmlns:mc="http://schemas.openxmlformats.org/markup-compatibility/2006">
+    <mc:Choice xmlns:p14="http://schemas.microsoft.com/office/powerpoint/2010/main" Requires="p14">
+      <p:transition spd="slow" p14:dur="2000"/>
+    </mc:Choice>
+    <mc:Fallback>
+      <p:transition spd="slow"/>
+    </mc:Fallback>
+  </mc:AlternateContent>
   <p:timing>
     <p:tnLst>
       <p:par>
@@ -10905,7 +12274,7 @@
 </p:sld>
 </file>
 
-<file path=ppt/slides/slide17.xml><?xml version="1.0" encoding="utf-8"?>
+<file path=ppt/slides/slide18.xml><?xml version="1.0" encoding="utf-8"?>
 <p:sld xmlns:a="http://schemas.openxmlformats.org/drawingml/2006/main" xmlns:r="http://schemas.openxmlformats.org/officeDocument/2006/relationships" xmlns:p="http://schemas.openxmlformats.org/presentationml/2006/main">
   <p:cSld>
     <p:spTree>
@@ -11036,6 +12405,9 @@
         </p:txBody>
       </p:sp>
     </p:spTree>
+    <p:custDataLst>
+      <p:tags r:id="rId1"/>
+    </p:custDataLst>
     <p:extLst>
       <p:ext uri="{BB962C8B-B14F-4D97-AF65-F5344CB8AC3E}">
         <p14:creationId xmlns:p14="http://schemas.microsoft.com/office/powerpoint/2010/main" val="6600344"/>
@@ -11045,6 +12417,14 @@
   <p:clrMapOvr>
     <a:masterClrMapping/>
   </p:clrMapOvr>
+  <mc:AlternateContent xmlns:mc="http://schemas.openxmlformats.org/markup-compatibility/2006">
+    <mc:Choice xmlns:p14="http://schemas.microsoft.com/office/powerpoint/2010/main" Requires="p14">
+      <p:transition spd="slow" p14:dur="2000"/>
+    </mc:Choice>
+    <mc:Fallback>
+      <p:transition spd="slow"/>
+    </mc:Fallback>
+  </mc:AlternateContent>
   <p:timing>
     <p:tnLst>
       <p:par>
@@ -11081,7 +12461,7 @@
                                         <p:tgtEl>
                                           <p:spTgt spid="3">
                                             <p:txEl>
-                                              <p:pRg st="2" end="2"/>
+                                              <p:pRg st="0" end="0"/>
                                             </p:txEl>
                                           </p:spTgt>
                                         </p:tgtEl>
@@ -11130,7 +12510,7 @@
                                         <p:tgtEl>
                                           <p:spTgt spid="3">
                                             <p:txEl>
-                                              <p:pRg st="4" end="4"/>
+                                              <p:pRg st="2" end="2"/>
                                             </p:txEl>
                                           </p:spTgt>
                                         </p:tgtEl>
@@ -11179,6 +12559,55 @@
                                         <p:tgtEl>
                                           <p:spTgt spid="3">
                                             <p:txEl>
+                                              <p:pRg st="4" end="4"/>
+                                            </p:txEl>
+                                          </p:spTgt>
+                                        </p:tgtEl>
+                                        <p:attrNameLst>
+                                          <p:attrName>style.visibility</p:attrName>
+                                        </p:attrNameLst>
+                                      </p:cBhvr>
+                                      <p:to>
+                                        <p:strVal val="visible"/>
+                                      </p:to>
+                                    </p:set>
+                                  </p:childTnLst>
+                                </p:cTn>
+                              </p:par>
+                            </p:childTnLst>
+                          </p:cTn>
+                        </p:par>
+                      </p:childTnLst>
+                    </p:cTn>
+                  </p:par>
+                  <p:par>
+                    <p:cTn id="15" fill="hold">
+                      <p:stCondLst>
+                        <p:cond delay="indefinite"/>
+                      </p:stCondLst>
+                      <p:childTnLst>
+                        <p:par>
+                          <p:cTn id="16" fill="hold">
+                            <p:stCondLst>
+                              <p:cond delay="0"/>
+                            </p:stCondLst>
+                            <p:childTnLst>
+                              <p:par>
+                                <p:cTn id="17" presetID="1" presetClass="entr" presetSubtype="0" fill="hold" nodeType="clickEffect">
+                                  <p:stCondLst>
+                                    <p:cond delay="0"/>
+                                  </p:stCondLst>
+                                  <p:childTnLst>
+                                    <p:set>
+                                      <p:cBhvr>
+                                        <p:cTn id="18" dur="1" fill="hold">
+                                          <p:stCondLst>
+                                            <p:cond delay="0"/>
+                                          </p:stCondLst>
+                                        </p:cTn>
+                                        <p:tgtEl>
+                                          <p:spTgt spid="3">
+                                            <p:txEl>
                                               <p:pRg st="6" end="6"/>
                                             </p:txEl>
                                           </p:spTgt>
@@ -11195,14 +12624,14 @@
                                 </p:cTn>
                               </p:par>
                               <p:par>
-                                <p:cTn id="15" presetID="1" presetClass="entr" presetSubtype="0" fill="hold" grpId="0" nodeType="withEffect">
+                                <p:cTn id="19" presetID="1" presetClass="entr" presetSubtype="0" fill="hold" grpId="0" nodeType="withEffect">
                                   <p:stCondLst>
                                     <p:cond delay="0"/>
                                   </p:stCondLst>
                                   <p:childTnLst>
                                     <p:set>
                                       <p:cBhvr>
-                                        <p:cTn id="16" dur="1" fill="hold">
+                                        <p:cTn id="20" dur="1" fill="hold">
                                           <p:stCondLst>
                                             <p:cond delay="0"/>
                                           </p:stCondLst>
@@ -11255,7 +12684,7 @@
 </p:sld>
 </file>
 
-<file path=ppt/slides/slide18.xml><?xml version="1.0" encoding="utf-8"?>
+<file path=ppt/slides/slide19.xml><?xml version="1.0" encoding="utf-8"?>
 <p:sld xmlns:a="http://schemas.openxmlformats.org/drawingml/2006/main" xmlns:r="http://schemas.openxmlformats.org/officeDocument/2006/relationships" xmlns:p="http://schemas.openxmlformats.org/presentationml/2006/main">
   <p:cSld>
     <p:spTree>
@@ -11323,7 +12752,7 @@
           <p:nvPr/>
         </p:nvPicPr>
         <p:blipFill>
-          <a:blip r:embed="rId2" cstate="print">
+          <a:blip r:embed="rId3" cstate="print">
             <a:extLst>
               <a:ext uri="{28A0092B-C50C-407E-A947-70E740481C1C}">
                 <a14:useLocalDpi xmlns:a14="http://schemas.microsoft.com/office/drawing/2010/main" val="0"/>
@@ -11566,6 +12995,9 @@
         </p:txBody>
       </p:sp>
     </p:spTree>
+    <p:custDataLst>
+      <p:tags r:id="rId1"/>
+    </p:custDataLst>
     <p:extLst>
       <p:ext uri="{BB962C8B-B14F-4D97-AF65-F5344CB8AC3E}">
         <p14:creationId xmlns:p14="http://schemas.microsoft.com/office/powerpoint/2010/main" val="918093037"/>
@@ -11575,6 +13007,14 @@
   <p:clrMapOvr>
     <a:masterClrMapping/>
   </p:clrMapOvr>
+  <mc:AlternateContent xmlns:mc="http://schemas.openxmlformats.org/markup-compatibility/2006">
+    <mc:Choice xmlns:p14="http://schemas.microsoft.com/office/powerpoint/2010/main" Requires="p14">
+      <p:transition spd="slow" p14:dur="2000"/>
+    </mc:Choice>
+    <mc:Fallback>
+      <p:transition spd="slow"/>
+    </mc:Fallback>
+  </mc:AlternateContent>
   <p:timing>
     <p:tnLst>
       <p:par>
@@ -12094,130 +13534,6 @@
 </p:sld>
 </file>
 
-<file path=ppt/slides/slide19.xml><?xml version="1.0" encoding="utf-8"?>
-<p:sld xmlns:a="http://schemas.openxmlformats.org/drawingml/2006/main" xmlns:r="http://schemas.openxmlformats.org/officeDocument/2006/relationships" xmlns:p="http://schemas.openxmlformats.org/presentationml/2006/main">
-  <p:cSld>
-    <p:spTree>
-      <p:nvGrpSpPr>
-        <p:cNvPr id="1" name=""/>
-        <p:cNvGrpSpPr/>
-        <p:nvPr/>
-      </p:nvGrpSpPr>
-      <p:grpSpPr>
-        <a:xfrm>
-          <a:off x="0" y="0"/>
-          <a:ext cx="0" cy="0"/>
-          <a:chOff x="0" y="0"/>
-          <a:chExt cx="0" cy="0"/>
-        </a:xfrm>
-      </p:grpSpPr>
-      <p:sp>
-        <p:nvSpPr>
-          <p:cNvPr id="2" name="Title 1"/>
-          <p:cNvSpPr>
-            <a:spLocks noGrp="1"/>
-          </p:cNvSpPr>
-          <p:nvPr>
-            <p:ph type="title"/>
-          </p:nvPr>
-        </p:nvSpPr>
-        <p:spPr/>
-        <p:txBody>
-          <a:bodyPr/>
-          <a:lstStyle/>
-          <a:p>
-            <a:r>
-              <a:rPr lang="en-US" dirty="0"/>
-              <a:t>Failure </a:t>
-            </a:r>
-            <a:r>
-              <a:rPr lang="en-US" dirty="0" smtClean="0"/>
-              <a:t>Recovery (cont.)</a:t>
-            </a:r>
-            <a:endParaRPr lang="en-SG" dirty="0"/>
-          </a:p>
-        </p:txBody>
-      </p:sp>
-      <p:sp>
-        <p:nvSpPr>
-          <p:cNvPr id="3" name="Content Placeholder 2"/>
-          <p:cNvSpPr>
-            <a:spLocks noGrp="1"/>
-          </p:cNvSpPr>
-          <p:nvPr>
-            <p:ph sz="quarter" idx="1"/>
-          </p:nvPr>
-        </p:nvSpPr>
-        <p:spPr/>
-        <p:txBody>
-          <a:bodyPr/>
-          <a:lstStyle/>
-          <a:p>
-            <a:endParaRPr lang="en-SG" dirty="0"/>
-          </a:p>
-        </p:txBody>
-      </p:sp>
-      <p:pic>
-        <p:nvPicPr>
-          <p:cNvPr id="5" name="Picture 2" descr="C:\Users\jzhang\Desktop\re2.jpg"/>
-          <p:cNvPicPr>
-            <a:picLocks noChangeAspect="1" noChangeArrowheads="1"/>
-          </p:cNvPicPr>
-          <p:nvPr/>
-        </p:nvPicPr>
-        <p:blipFill>
-          <a:blip r:embed="rId2" cstate="print">
-            <a:extLst>
-              <a:ext uri="{28A0092B-C50C-407E-A947-70E740481C1C}">
-                <a14:useLocalDpi xmlns:a14="http://schemas.microsoft.com/office/drawing/2010/main" val="0"/>
-              </a:ext>
-            </a:extLst>
-          </a:blip>
-          <a:srcRect/>
-          <a:stretch>
-            <a:fillRect/>
-          </a:stretch>
-        </p:blipFill>
-        <p:spPr bwMode="auto">
-          <a:xfrm>
-            <a:off x="1676400" y="1143000"/>
-            <a:ext cx="6115467" cy="5040000"/>
-          </a:xfrm>
-          <a:prstGeom prst="rect">
-            <a:avLst/>
-          </a:prstGeom>
-          <a:noFill/>
-          <a:extLst>
-            <a:ext uri="{909E8E84-426E-40DD-AFC4-6F175D3DCCD1}">
-              <a14:hiddenFill xmlns:a14="http://schemas.microsoft.com/office/drawing/2010/main">
-                <a:solidFill>
-                  <a:srgbClr val="FFFFFF"/>
-                </a:solidFill>
-              </a14:hiddenFill>
-            </a:ext>
-          </a:extLst>
-        </p:spPr>
-      </p:pic>
-    </p:spTree>
-    <p:extLst>
-      <p:ext uri="{BB962C8B-B14F-4D97-AF65-F5344CB8AC3E}">
-        <p14:creationId xmlns:p14="http://schemas.microsoft.com/office/powerpoint/2010/main" val="1178633043"/>
-      </p:ext>
-    </p:extLst>
-  </p:cSld>
-  <p:clrMapOvr>
-    <a:masterClrMapping/>
-  </p:clrMapOvr>
-  <p:timing>
-    <p:tnLst>
-      <p:par>
-        <p:cTn id="1" dur="indefinite" restart="never" nodeType="tmRoot"/>
-      </p:par>
-    </p:tnLst>
-  </p:timing>
-</p:sld>
-</file>
-
 <file path=ppt/slides/slide2.xml><?xml version="1.0" encoding="utf-8"?>
 <p:sld xmlns:a="http://schemas.openxmlformats.org/drawingml/2006/main" xmlns:r="http://schemas.openxmlformats.org/officeDocument/2006/relationships" xmlns:p="http://schemas.openxmlformats.org/presentationml/2006/main">
   <p:cSld>
@@ -12237,7 +13553,7 @@
       </p:grpSpPr>
       <p:sp>
         <p:nvSpPr>
-          <p:cNvPr id="2" name="Title 1"/>
+          <p:cNvPr id="2" name="标题 1"/>
           <p:cNvSpPr>
             <a:spLocks noGrp="1"/>
           </p:cNvSpPr>
@@ -12251,16 +13567,16 @@
           <a:lstStyle/>
           <a:p>
             <a:r>
-              <a:rPr lang="en-US" dirty="0" smtClean="0"/>
-              <a:t>Architecture</a:t>
-            </a:r>
-            <a:endParaRPr lang="en-SG" dirty="0"/>
-          </a:p>
-        </p:txBody>
-      </p:sp>
-      <p:sp>
-        <p:nvSpPr>
-          <p:cNvPr id="3" name="Content Placeholder 2"/>
+              <a:rPr lang="en-US" altLang="zh-CN" dirty="0" smtClean="0"/>
+              <a:t>Basic Facts</a:t>
+            </a:r>
+            <a:endParaRPr lang="zh-CN" altLang="en-US" dirty="0"/>
+          </a:p>
+        </p:txBody>
+      </p:sp>
+      <p:sp>
+        <p:nvSpPr>
+          <p:cNvPr id="3" name="内容占位符 2"/>
           <p:cNvSpPr>
             <a:spLocks noGrp="1"/>
           </p:cNvSpPr>
@@ -12273,61 +13589,50 @@
           <a:bodyPr/>
           <a:lstStyle/>
           <a:p>
-            <a:endParaRPr lang="en-SG" dirty="0"/>
-          </a:p>
-        </p:txBody>
-      </p:sp>
-      <p:pic>
-        <p:nvPicPr>
-          <p:cNvPr id="1026" name="Picture 2" descr="C:\Users\jzhang\Desktop\Distributed System\trunk\Document\a.jpg"/>
-          <p:cNvPicPr>
-            <a:picLocks noChangeAspect="1" noChangeArrowheads="1"/>
-          </p:cNvPicPr>
-          <p:nvPr/>
-        </p:nvPicPr>
-        <p:blipFill>
-          <a:blip r:embed="rId2">
-            <a:extLst>
-              <a:ext uri="{28A0092B-C50C-407E-A947-70E740481C1C}">
-                <a14:useLocalDpi xmlns:a14="http://schemas.microsoft.com/office/drawing/2010/main" val="0"/>
-              </a:ext>
-            </a:extLst>
-          </a:blip>
-          <a:srcRect/>
-          <a:stretch>
-            <a:fillRect/>
-          </a:stretch>
-        </p:blipFill>
-        <p:spPr bwMode="auto">
-          <a:xfrm>
-            <a:off x="1223212" y="1295400"/>
-            <a:ext cx="6777788" cy="4953000"/>
-          </a:xfrm>
-          <a:prstGeom prst="rect">
-            <a:avLst/>
-          </a:prstGeom>
-          <a:noFill/>
-          <a:extLst>
-            <a:ext uri="{909E8E84-426E-40DD-AFC4-6F175D3DCCD1}">
-              <a14:hiddenFill xmlns:a14="http://schemas.microsoft.com/office/drawing/2010/main">
-                <a:solidFill>
-                  <a:srgbClr val="FFFFFF"/>
-                </a:solidFill>
-              </a14:hiddenFill>
-            </a:ext>
-          </a:extLst>
-        </p:spPr>
-      </p:pic>
+            <a:r>
+              <a:rPr lang="en-US" altLang="zh-CN" dirty="0" smtClean="0"/>
+              <a:t>Based on Google File System</a:t>
+            </a:r>
+          </a:p>
+          <a:p>
+            <a:endParaRPr lang="en-US" altLang="zh-CN" dirty="0"/>
+          </a:p>
+          <a:p>
+            <a:r>
+              <a:rPr lang="en-US" altLang="zh-CN" dirty="0" smtClean="0"/>
+              <a:t>Instead of using Replicas, we employ Hierarchical codes for effective recovery</a:t>
+            </a:r>
+          </a:p>
+          <a:p>
+            <a:endParaRPr lang="en-US" altLang="zh-CN" dirty="0"/>
+          </a:p>
+          <a:p>
+            <a:r>
+              <a:rPr lang="en-US" altLang="zh-CN" dirty="0" smtClean="0"/>
+              <a:t>One Master, Multiple Slaves and Multiple Clients</a:t>
+            </a:r>
+            <a:endParaRPr lang="zh-CN" altLang="en-US" dirty="0"/>
+          </a:p>
+        </p:txBody>
+      </p:sp>
     </p:spTree>
     <p:extLst>
       <p:ext uri="{BB962C8B-B14F-4D97-AF65-F5344CB8AC3E}">
-        <p14:creationId xmlns:p14="http://schemas.microsoft.com/office/powerpoint/2010/main" val="2001231228"/>
+        <p14:creationId xmlns:p14="http://schemas.microsoft.com/office/powerpoint/2010/main" val="2921392641"/>
       </p:ext>
     </p:extLst>
   </p:cSld>
   <p:clrMapOvr>
     <a:masterClrMapping/>
   </p:clrMapOvr>
+  <mc:AlternateContent xmlns:mc="http://schemas.openxmlformats.org/markup-compatibility/2006">
+    <mc:Choice xmlns:p14="http://schemas.microsoft.com/office/powerpoint/2010/main" Requires="p14">
+      <p:transition spd="slow" p14:dur="2000"/>
+    </mc:Choice>
+    <mc:Fallback>
+      <p:transition spd="slow"/>
+    </mc:Fallback>
+  </mc:AlternateContent>
   <p:timing>
     <p:tnLst>
       <p:par>
@@ -12376,7 +13681,7 @@
             </a:r>
             <a:r>
               <a:rPr lang="en-US" dirty="0" smtClean="0"/>
-              <a:t>Recovery – Slave Side</a:t>
+              <a:t>Recovery (cont.)</a:t>
             </a:r>
             <a:endParaRPr lang="en-SG" dirty="0"/>
           </a:p>
@@ -12397,9 +13702,141 @@
           <a:bodyPr/>
           <a:lstStyle/>
           <a:p>
+            <a:endParaRPr lang="en-SG" dirty="0"/>
+          </a:p>
+        </p:txBody>
+      </p:sp>
+      <p:pic>
+        <p:nvPicPr>
+          <p:cNvPr id="5" name="Picture 2" descr="C:\Users\jzhang\Desktop\re2.jpg"/>
+          <p:cNvPicPr>
+            <a:picLocks noChangeAspect="1" noChangeArrowheads="1"/>
+          </p:cNvPicPr>
+          <p:nvPr/>
+        </p:nvPicPr>
+        <p:blipFill>
+          <a:blip r:embed="rId2" cstate="print">
+            <a:extLst>
+              <a:ext uri="{28A0092B-C50C-407E-A947-70E740481C1C}">
+                <a14:useLocalDpi xmlns:a14="http://schemas.microsoft.com/office/drawing/2010/main" val="0"/>
+              </a:ext>
+            </a:extLst>
+          </a:blip>
+          <a:srcRect/>
+          <a:stretch>
+            <a:fillRect/>
+          </a:stretch>
+        </p:blipFill>
+        <p:spPr bwMode="auto">
+          <a:xfrm>
+            <a:off x="1676400" y="1143000"/>
+            <a:ext cx="6115467" cy="5040000"/>
+          </a:xfrm>
+          <a:prstGeom prst="rect">
+            <a:avLst/>
+          </a:prstGeom>
+          <a:noFill/>
+          <a:extLst>
+            <a:ext uri="{909E8E84-426E-40DD-AFC4-6F175D3DCCD1}">
+              <a14:hiddenFill xmlns:a14="http://schemas.microsoft.com/office/drawing/2010/main">
+                <a:solidFill>
+                  <a:srgbClr val="FFFFFF"/>
+                </a:solidFill>
+              </a14:hiddenFill>
+            </a:ext>
+          </a:extLst>
+        </p:spPr>
+      </p:pic>
+    </p:spTree>
+    <p:extLst>
+      <p:ext uri="{BB962C8B-B14F-4D97-AF65-F5344CB8AC3E}">
+        <p14:creationId xmlns:p14="http://schemas.microsoft.com/office/powerpoint/2010/main" val="1178633043"/>
+      </p:ext>
+    </p:extLst>
+  </p:cSld>
+  <p:clrMapOvr>
+    <a:masterClrMapping/>
+  </p:clrMapOvr>
+  <mc:AlternateContent xmlns:mc="http://schemas.openxmlformats.org/markup-compatibility/2006">
+    <mc:Choice xmlns:p14="http://schemas.microsoft.com/office/powerpoint/2010/main" Requires="p14">
+      <p:transition spd="slow" p14:dur="2000"/>
+    </mc:Choice>
+    <mc:Fallback>
+      <p:transition spd="slow"/>
+    </mc:Fallback>
+  </mc:AlternateContent>
+  <p:timing>
+    <p:tnLst>
+      <p:par>
+        <p:cTn id="1" dur="indefinite" restart="never" nodeType="tmRoot"/>
+      </p:par>
+    </p:tnLst>
+  </p:timing>
+</p:sld>
+</file>
+
+<file path=ppt/slides/slide21.xml><?xml version="1.0" encoding="utf-8"?>
+<p:sld xmlns:a="http://schemas.openxmlformats.org/drawingml/2006/main" xmlns:r="http://schemas.openxmlformats.org/officeDocument/2006/relationships" xmlns:p="http://schemas.openxmlformats.org/presentationml/2006/main">
+  <p:cSld>
+    <p:spTree>
+      <p:nvGrpSpPr>
+        <p:cNvPr id="1" name=""/>
+        <p:cNvGrpSpPr/>
+        <p:nvPr/>
+      </p:nvGrpSpPr>
+      <p:grpSpPr>
+        <a:xfrm>
+          <a:off x="0" y="0"/>
+          <a:ext cx="0" cy="0"/>
+          <a:chOff x="0" y="0"/>
+          <a:chExt cx="0" cy="0"/>
+        </a:xfrm>
+      </p:grpSpPr>
+      <p:sp>
+        <p:nvSpPr>
+          <p:cNvPr id="2" name="Title 1"/>
+          <p:cNvSpPr>
+            <a:spLocks noGrp="1"/>
+          </p:cNvSpPr>
+          <p:nvPr>
+            <p:ph type="title"/>
+          </p:nvPr>
+        </p:nvSpPr>
+        <p:spPr/>
+        <p:txBody>
+          <a:bodyPr/>
+          <a:lstStyle/>
+          <a:p>
+            <a:r>
+              <a:rPr lang="en-US" dirty="0"/>
+              <a:t>Failure </a:t>
+            </a:r>
             <a:r>
               <a:rPr lang="en-US" dirty="0" smtClean="0"/>
-              <a:t>The master assigns Slave 10 to restore missing part O3O4. O3 and O4 is desired for this recovery.</a:t>
+              <a:t>Recovery – Slave Side</a:t>
+            </a:r>
+            <a:endParaRPr lang="en-SG" dirty="0"/>
+          </a:p>
+        </p:txBody>
+      </p:sp>
+      <p:sp>
+        <p:nvSpPr>
+          <p:cNvPr id="3" name="Content Placeholder 2"/>
+          <p:cNvSpPr>
+            <a:spLocks noGrp="1"/>
+          </p:cNvSpPr>
+          <p:nvPr>
+            <p:ph sz="quarter" idx="1"/>
+          </p:nvPr>
+        </p:nvSpPr>
+        <p:spPr/>
+        <p:txBody>
+          <a:bodyPr/>
+          <a:lstStyle/>
+          <a:p>
+            <a:r>
+              <a:rPr lang="en-US" dirty="0" smtClean="0"/>
+              <a:t>The master assigns Slave 10 to restore missing part O3O4. O3 and O4 are desired for this recovery.</a:t>
             </a:r>
             <a:endParaRPr lang="en-SG" dirty="0"/>
           </a:p>
@@ -13174,6 +14611,9 @@
         </p:sp>
       </p:grpSp>
     </p:spTree>
+    <p:custDataLst>
+      <p:tags r:id="rId1"/>
+    </p:custDataLst>
     <p:extLst>
       <p:ext uri="{BB962C8B-B14F-4D97-AF65-F5344CB8AC3E}">
         <p14:creationId xmlns:p14="http://schemas.microsoft.com/office/powerpoint/2010/main" val="2423228067"/>
@@ -13183,6 +14623,14 @@
   <p:clrMapOvr>
     <a:masterClrMapping/>
   </p:clrMapOvr>
+  <mc:AlternateContent xmlns:mc="http://schemas.openxmlformats.org/markup-compatibility/2006">
+    <mc:Choice xmlns:p14="http://schemas.microsoft.com/office/powerpoint/2010/main" Requires="p14">
+      <p:transition spd="slow" p14:dur="2000"/>
+    </mc:Choice>
+    <mc:Fallback>
+      <p:transition spd="slow"/>
+    </mc:Fallback>
+  </mc:AlternateContent>
   <p:timing>
     <p:tnLst>
       <p:par>
@@ -13784,128 +15232,6 @@
 </p:sld>
 </file>
 
-<file path=ppt/slides/slide21.xml><?xml version="1.0" encoding="utf-8"?>
-<p:sld xmlns:a="http://schemas.openxmlformats.org/drawingml/2006/main" xmlns:r="http://schemas.openxmlformats.org/officeDocument/2006/relationships" xmlns:p="http://schemas.openxmlformats.org/presentationml/2006/main">
-  <p:cSld>
-    <p:spTree>
-      <p:nvGrpSpPr>
-        <p:cNvPr id="1" name=""/>
-        <p:cNvGrpSpPr/>
-        <p:nvPr/>
-      </p:nvGrpSpPr>
-      <p:grpSpPr>
-        <a:xfrm>
-          <a:off x="0" y="0"/>
-          <a:ext cx="0" cy="0"/>
-          <a:chOff x="0" y="0"/>
-          <a:chExt cx="0" cy="0"/>
-        </a:xfrm>
-      </p:grpSpPr>
-      <p:sp>
-        <p:nvSpPr>
-          <p:cNvPr id="2" name="Title 1"/>
-          <p:cNvSpPr>
-            <a:spLocks noGrp="1"/>
-          </p:cNvSpPr>
-          <p:nvPr>
-            <p:ph type="title"/>
-          </p:nvPr>
-        </p:nvSpPr>
-        <p:spPr/>
-        <p:txBody>
-          <a:bodyPr>
-            <a:normAutofit/>
-          </a:bodyPr>
-          <a:lstStyle/>
-          <a:p>
-            <a:r>
-              <a:rPr lang="en-US" dirty="0" smtClean="0"/>
-              <a:t>Experiments</a:t>
-            </a:r>
-            <a:endParaRPr lang="en-SG" dirty="0"/>
-          </a:p>
-        </p:txBody>
-      </p:sp>
-      <p:sp>
-        <p:nvSpPr>
-          <p:cNvPr id="3" name="Content Placeholder 2"/>
-          <p:cNvSpPr>
-            <a:spLocks noGrp="1"/>
-          </p:cNvSpPr>
-          <p:nvPr>
-            <p:ph sz="quarter" idx="1"/>
-          </p:nvPr>
-        </p:nvSpPr>
-        <p:spPr/>
-        <p:txBody>
-          <a:bodyPr/>
-          <a:lstStyle/>
-          <a:p>
-            <a:endParaRPr lang="en-SG"/>
-          </a:p>
-        </p:txBody>
-      </p:sp>
-      <p:pic>
-        <p:nvPicPr>
-          <p:cNvPr id="1026" name="Picture 2" descr="C:\Users\jzhang\Desktop\Distributed System\trunk\Document\exp1.jpg"/>
-          <p:cNvPicPr>
-            <a:picLocks noChangeAspect="1" noChangeArrowheads="1"/>
-          </p:cNvPicPr>
-          <p:nvPr/>
-        </p:nvPicPr>
-        <p:blipFill>
-          <a:blip r:embed="rId2">
-            <a:extLst>
-              <a:ext uri="{28A0092B-C50C-407E-A947-70E740481C1C}">
-                <a14:useLocalDpi xmlns:a14="http://schemas.microsoft.com/office/drawing/2010/main" val="0"/>
-              </a:ext>
-            </a:extLst>
-          </a:blip>
-          <a:srcRect/>
-          <a:stretch>
-            <a:fillRect/>
-          </a:stretch>
-        </p:blipFill>
-        <p:spPr bwMode="auto">
-          <a:xfrm>
-            <a:off x="680093" y="1333500"/>
-            <a:ext cx="7473307" cy="4686300"/>
-          </a:xfrm>
-          <a:prstGeom prst="rect">
-            <a:avLst/>
-          </a:prstGeom>
-          <a:noFill/>
-          <a:extLst>
-            <a:ext uri="{909E8E84-426E-40DD-AFC4-6F175D3DCCD1}">
-              <a14:hiddenFill xmlns:a14="http://schemas.microsoft.com/office/drawing/2010/main">
-                <a:solidFill>
-                  <a:srgbClr val="FFFFFF"/>
-                </a:solidFill>
-              </a14:hiddenFill>
-            </a:ext>
-          </a:extLst>
-        </p:spPr>
-      </p:pic>
-    </p:spTree>
-    <p:extLst>
-      <p:ext uri="{BB962C8B-B14F-4D97-AF65-F5344CB8AC3E}">
-        <p14:creationId xmlns:p14="http://schemas.microsoft.com/office/powerpoint/2010/main" val="1249475467"/>
-      </p:ext>
-    </p:extLst>
-  </p:cSld>
-  <p:clrMapOvr>
-    <a:masterClrMapping/>
-  </p:clrMapOvr>
-  <p:timing>
-    <p:tnLst>
-      <p:par>
-        <p:cTn id="1" dur="indefinite" restart="never" nodeType="tmRoot"/>
-      </p:par>
-    </p:tnLst>
-  </p:timing>
-</p:sld>
-</file>
-
 <file path=ppt/slides/slide22.xml><?xml version="1.0" encoding="utf-8"?>
 <p:sld xmlns:a="http://schemas.openxmlformats.org/drawingml/2006/main" xmlns:r="http://schemas.openxmlformats.org/officeDocument/2006/relationships" xmlns:p="http://schemas.openxmlformats.org/presentationml/2006/main">
   <p:cSld>
@@ -13940,7 +15266,7 @@
           <a:p>
             <a:r>
               <a:rPr lang="en-US" dirty="0" smtClean="0"/>
-              <a:t>Experiments (cont.)</a:t>
+              <a:t>Experiments - Settings</a:t>
             </a:r>
             <a:endParaRPr lang="en-SG" dirty="0"/>
           </a:p>
@@ -13961,13 +15287,169 @@
           <a:bodyPr/>
           <a:lstStyle/>
           <a:p>
+            <a:r>
+              <a:rPr lang="en-SG" dirty="0" smtClean="0"/>
+              <a:t>System: 1 </a:t>
+            </a:r>
+            <a:r>
+              <a:rPr lang="en-SG" dirty="0"/>
+              <a:t>master, </a:t>
+            </a:r>
+            <a:r>
+              <a:rPr lang="en-SG" dirty="0" smtClean="0"/>
+              <a:t>1 </a:t>
+            </a:r>
+            <a:r>
+              <a:rPr lang="en-SG" dirty="0"/>
+              <a:t>client, </a:t>
+            </a:r>
+            <a:r>
+              <a:rPr lang="en-SG" dirty="0" smtClean="0"/>
+              <a:t>10 slaves </a:t>
+            </a:r>
+            <a:r>
+              <a:rPr lang="en-SG" dirty="0"/>
+              <a:t>and </a:t>
+            </a:r>
+            <a:r>
+              <a:rPr lang="en-SG" dirty="0" smtClean="0"/>
+              <a:t>40 </a:t>
+            </a:r>
+            <a:r>
+              <a:rPr lang="en-SG" dirty="0"/>
+              <a:t>files </a:t>
+            </a:r>
+            <a:r>
+              <a:rPr lang="en-SG" dirty="0" smtClean="0"/>
+              <a:t>stored</a:t>
+            </a:r>
+          </a:p>
+          <a:p>
+            <a:endParaRPr lang="en-SG" dirty="0"/>
+          </a:p>
+          <a:p>
+            <a:endParaRPr lang="en-SG" dirty="0" smtClean="0"/>
+          </a:p>
+          <a:p>
+            <a:r>
+              <a:rPr lang="en-SG" dirty="0" smtClean="0"/>
+              <a:t>We </a:t>
+            </a:r>
+            <a:r>
+              <a:rPr lang="en-SG" dirty="0"/>
+              <a:t>run each experiment 20 times, so every point reported in the </a:t>
+            </a:r>
+            <a:r>
+              <a:rPr lang="en-SG" dirty="0" smtClean="0"/>
+              <a:t>following diagrams </a:t>
+            </a:r>
+            <a:r>
+              <a:rPr lang="en-SG" dirty="0"/>
+              <a:t>are the average of 20 </a:t>
+            </a:r>
+            <a:r>
+              <a:rPr lang="en-SG" dirty="0" smtClean="0"/>
+              <a:t>results</a:t>
+            </a:r>
+            <a:endParaRPr lang="en-SG" dirty="0"/>
+          </a:p>
+          <a:p>
+            <a:endParaRPr lang="en-SG" dirty="0"/>
+          </a:p>
+        </p:txBody>
+      </p:sp>
+    </p:spTree>
+    <p:extLst>
+      <p:ext uri="{BB962C8B-B14F-4D97-AF65-F5344CB8AC3E}">
+        <p14:creationId xmlns:p14="http://schemas.microsoft.com/office/powerpoint/2010/main" val="3870773441"/>
+      </p:ext>
+    </p:extLst>
+  </p:cSld>
+  <p:clrMapOvr>
+    <a:masterClrMapping/>
+  </p:clrMapOvr>
+  <mc:AlternateContent xmlns:mc="http://schemas.openxmlformats.org/markup-compatibility/2006">
+    <mc:Choice xmlns:p14="http://schemas.microsoft.com/office/powerpoint/2010/main" Requires="p14">
+      <p:transition spd="slow" p14:dur="2000"/>
+    </mc:Choice>
+    <mc:Fallback>
+      <p:transition spd="slow"/>
+    </mc:Fallback>
+  </mc:AlternateContent>
+  <p:timing>
+    <p:tnLst>
+      <p:par>
+        <p:cTn id="1" dur="indefinite" restart="never" nodeType="tmRoot"/>
+      </p:par>
+    </p:tnLst>
+  </p:timing>
+</p:sld>
+</file>
+
+<file path=ppt/slides/slide23.xml><?xml version="1.0" encoding="utf-8"?>
+<p:sld xmlns:a="http://schemas.openxmlformats.org/drawingml/2006/main" xmlns:r="http://schemas.openxmlformats.org/officeDocument/2006/relationships" xmlns:p="http://schemas.openxmlformats.org/presentationml/2006/main">
+  <p:cSld>
+    <p:spTree>
+      <p:nvGrpSpPr>
+        <p:cNvPr id="1" name=""/>
+        <p:cNvGrpSpPr/>
+        <p:nvPr/>
+      </p:nvGrpSpPr>
+      <p:grpSpPr>
+        <a:xfrm>
+          <a:off x="0" y="0"/>
+          <a:ext cx="0" cy="0"/>
+          <a:chOff x="0" y="0"/>
+          <a:chExt cx="0" cy="0"/>
+        </a:xfrm>
+      </p:grpSpPr>
+      <p:sp>
+        <p:nvSpPr>
+          <p:cNvPr id="2" name="Title 1"/>
+          <p:cNvSpPr>
+            <a:spLocks noGrp="1"/>
+          </p:cNvSpPr>
+          <p:nvPr>
+            <p:ph type="title"/>
+          </p:nvPr>
+        </p:nvSpPr>
+        <p:spPr/>
+        <p:txBody>
+          <a:bodyPr>
+            <a:normAutofit/>
+          </a:bodyPr>
+          <a:lstStyle/>
+          <a:p>
+            <a:r>
+              <a:rPr lang="en-US" dirty="0" smtClean="0"/>
+              <a:t>Experiments</a:t>
+            </a:r>
+            <a:endParaRPr lang="en-SG" dirty="0"/>
+          </a:p>
+        </p:txBody>
+      </p:sp>
+      <p:sp>
+        <p:nvSpPr>
+          <p:cNvPr id="3" name="Content Placeholder 2"/>
+          <p:cNvSpPr>
+            <a:spLocks noGrp="1"/>
+          </p:cNvSpPr>
+          <p:nvPr>
+            <p:ph sz="quarter" idx="1"/>
+          </p:nvPr>
+        </p:nvSpPr>
+        <p:spPr/>
+        <p:txBody>
+          <a:bodyPr/>
+          <a:lstStyle/>
+          <a:p>
             <a:endParaRPr lang="en-SG"/>
           </a:p>
         </p:txBody>
       </p:sp>
       <p:pic>
         <p:nvPicPr>
-          <p:cNvPr id="2050" name="Picture 2" descr="C:\Users\jzhang\Desktop\Distributed System\trunk\Document\exp2.jpg"/>
+          <p:cNvPr id="1026" name="Picture 2" descr="C:\Users\jzhang\Desktop\Distributed System\trunk\Document\exp1.jpg"/>
           <p:cNvPicPr>
             <a:picLocks noChangeAspect="1" noChangeArrowheads="1"/>
           </p:cNvPicPr>
@@ -13988,6 +15470,134 @@
         </p:blipFill>
         <p:spPr bwMode="auto">
           <a:xfrm>
+            <a:off x="680093" y="1333500"/>
+            <a:ext cx="7473307" cy="4686300"/>
+          </a:xfrm>
+          <a:prstGeom prst="rect">
+            <a:avLst/>
+          </a:prstGeom>
+          <a:noFill/>
+          <a:extLst>
+            <a:ext uri="{909E8E84-426E-40DD-AFC4-6F175D3DCCD1}">
+              <a14:hiddenFill xmlns:a14="http://schemas.microsoft.com/office/drawing/2010/main">
+                <a:solidFill>
+                  <a:srgbClr val="FFFFFF"/>
+                </a:solidFill>
+              </a14:hiddenFill>
+            </a:ext>
+          </a:extLst>
+        </p:spPr>
+      </p:pic>
+    </p:spTree>
+    <p:extLst>
+      <p:ext uri="{BB962C8B-B14F-4D97-AF65-F5344CB8AC3E}">
+        <p14:creationId xmlns:p14="http://schemas.microsoft.com/office/powerpoint/2010/main" val="1249475467"/>
+      </p:ext>
+    </p:extLst>
+  </p:cSld>
+  <p:clrMapOvr>
+    <a:masterClrMapping/>
+  </p:clrMapOvr>
+  <mc:AlternateContent xmlns:mc="http://schemas.openxmlformats.org/markup-compatibility/2006">
+    <mc:Choice xmlns:p14="http://schemas.microsoft.com/office/powerpoint/2010/main" Requires="p14">
+      <p:transition spd="slow" p14:dur="2000"/>
+    </mc:Choice>
+    <mc:Fallback>
+      <p:transition spd="slow"/>
+    </mc:Fallback>
+  </mc:AlternateContent>
+  <p:timing>
+    <p:tnLst>
+      <p:par>
+        <p:cTn id="1" dur="indefinite" restart="never" nodeType="tmRoot"/>
+      </p:par>
+    </p:tnLst>
+  </p:timing>
+</p:sld>
+</file>
+
+<file path=ppt/slides/slide24.xml><?xml version="1.0" encoding="utf-8"?>
+<p:sld xmlns:a="http://schemas.openxmlformats.org/drawingml/2006/main" xmlns:r="http://schemas.openxmlformats.org/officeDocument/2006/relationships" xmlns:p="http://schemas.openxmlformats.org/presentationml/2006/main">
+  <p:cSld>
+    <p:spTree>
+      <p:nvGrpSpPr>
+        <p:cNvPr id="1" name=""/>
+        <p:cNvGrpSpPr/>
+        <p:nvPr/>
+      </p:nvGrpSpPr>
+      <p:grpSpPr>
+        <a:xfrm>
+          <a:off x="0" y="0"/>
+          <a:ext cx="0" cy="0"/>
+          <a:chOff x="0" y="0"/>
+          <a:chExt cx="0" cy="0"/>
+        </a:xfrm>
+      </p:grpSpPr>
+      <p:sp>
+        <p:nvSpPr>
+          <p:cNvPr id="2" name="Title 1"/>
+          <p:cNvSpPr>
+            <a:spLocks noGrp="1"/>
+          </p:cNvSpPr>
+          <p:nvPr>
+            <p:ph type="title"/>
+          </p:nvPr>
+        </p:nvSpPr>
+        <p:spPr/>
+        <p:txBody>
+          <a:bodyPr/>
+          <a:lstStyle/>
+          <a:p>
+            <a:r>
+              <a:rPr lang="en-US" dirty="0" smtClean="0"/>
+              <a:t>Experiments (cont.)</a:t>
+            </a:r>
+            <a:endParaRPr lang="en-SG" dirty="0"/>
+          </a:p>
+        </p:txBody>
+      </p:sp>
+      <p:sp>
+        <p:nvSpPr>
+          <p:cNvPr id="3" name="Content Placeholder 2"/>
+          <p:cNvSpPr>
+            <a:spLocks noGrp="1"/>
+          </p:cNvSpPr>
+          <p:nvPr>
+            <p:ph sz="quarter" idx="1"/>
+          </p:nvPr>
+        </p:nvSpPr>
+        <p:spPr/>
+        <p:txBody>
+          <a:bodyPr/>
+          <a:lstStyle/>
+          <a:p>
+            <a:endParaRPr lang="en-SG"/>
+          </a:p>
+        </p:txBody>
+      </p:sp>
+      <p:pic>
+        <p:nvPicPr>
+          <p:cNvPr id="2050" name="Picture 2" descr="C:\Users\jzhang\Desktop\Distributed System\trunk\Document\exp2.jpg"/>
+          <p:cNvPicPr>
+            <a:picLocks noChangeAspect="1" noChangeArrowheads="1"/>
+          </p:cNvPicPr>
+          <p:nvPr/>
+        </p:nvPicPr>
+        <p:blipFill>
+          <a:blip r:embed="rId2">
+            <a:extLst>
+              <a:ext uri="{28A0092B-C50C-407E-A947-70E740481C1C}">
+                <a14:useLocalDpi xmlns:a14="http://schemas.microsoft.com/office/drawing/2010/main" val="0"/>
+              </a:ext>
+            </a:extLst>
+          </a:blip>
+          <a:srcRect/>
+          <a:stretch>
+            <a:fillRect/>
+          </a:stretch>
+        </p:blipFill>
+        <p:spPr bwMode="auto">
+          <a:xfrm>
             <a:off x="533400" y="1361677"/>
             <a:ext cx="7878154" cy="4886723"/>
           </a:xfrm>
@@ -14016,6 +15626,173 @@
   <p:clrMapOvr>
     <a:masterClrMapping/>
   </p:clrMapOvr>
+  <mc:AlternateContent xmlns:mc="http://schemas.openxmlformats.org/markup-compatibility/2006">
+    <mc:Choice xmlns:p14="http://schemas.microsoft.com/office/powerpoint/2010/main" Requires="p14">
+      <p:transition spd="slow" p14:dur="2000"/>
+    </mc:Choice>
+    <mc:Fallback>
+      <p:transition spd="slow"/>
+    </mc:Fallback>
+  </mc:AlternateContent>
+  <p:timing>
+    <p:tnLst>
+      <p:par>
+        <p:cTn id="1" dur="indefinite" restart="never" nodeType="tmRoot"/>
+      </p:par>
+    </p:tnLst>
+  </p:timing>
+</p:sld>
+</file>
+
+<file path=ppt/slides/slide25.xml><?xml version="1.0" encoding="utf-8"?>
+<p:sld xmlns:a="http://schemas.openxmlformats.org/drawingml/2006/main" xmlns:r="http://schemas.openxmlformats.org/officeDocument/2006/relationships" xmlns:p="http://schemas.openxmlformats.org/presentationml/2006/main">
+  <p:cSld>
+    <p:spTree>
+      <p:nvGrpSpPr>
+        <p:cNvPr id="1" name=""/>
+        <p:cNvGrpSpPr/>
+        <p:nvPr/>
+      </p:nvGrpSpPr>
+      <p:grpSpPr>
+        <a:xfrm>
+          <a:off x="0" y="0"/>
+          <a:ext cx="0" cy="0"/>
+          <a:chOff x="0" y="0"/>
+          <a:chExt cx="0" cy="0"/>
+        </a:xfrm>
+      </p:grpSpPr>
+      <p:sp>
+        <p:nvSpPr>
+          <p:cNvPr id="2" name="Title 1"/>
+          <p:cNvSpPr>
+            <a:spLocks noGrp="1"/>
+          </p:cNvSpPr>
+          <p:nvPr>
+            <p:ph type="title"/>
+          </p:nvPr>
+        </p:nvSpPr>
+        <p:spPr/>
+        <p:txBody>
+          <a:bodyPr/>
+          <a:lstStyle/>
+          <a:p>
+            <a:r>
+              <a:rPr lang="en-US" dirty="0" smtClean="0"/>
+              <a:t>Q&amp;A	</a:t>
+            </a:r>
+            <a:endParaRPr lang="en-SG" dirty="0"/>
+          </a:p>
+        </p:txBody>
+      </p:sp>
+      <p:sp>
+        <p:nvSpPr>
+          <p:cNvPr id="3" name="Content Placeholder 2"/>
+          <p:cNvSpPr>
+            <a:spLocks noGrp="1"/>
+          </p:cNvSpPr>
+          <p:nvPr>
+            <p:ph sz="quarter" idx="1"/>
+          </p:nvPr>
+        </p:nvSpPr>
+        <p:spPr/>
+        <p:txBody>
+          <a:bodyPr/>
+          <a:lstStyle/>
+          <a:p>
+            <a:pPr marL="0" indent="0" algn="ctr">
+              <a:buNone/>
+            </a:pPr>
+            <a:endParaRPr lang="en-US" dirty="0" smtClean="0"/>
+          </a:p>
+          <a:p>
+            <a:pPr marL="0" indent="0" algn="ctr">
+              <a:buNone/>
+            </a:pPr>
+            <a:endParaRPr lang="en-US" dirty="0"/>
+          </a:p>
+          <a:p>
+            <a:pPr marL="0" indent="0" algn="ctr">
+              <a:buNone/>
+            </a:pPr>
+            <a:endParaRPr lang="en-US" dirty="0" smtClean="0"/>
+          </a:p>
+          <a:p>
+            <a:pPr marL="0" indent="0" algn="ctr">
+              <a:buNone/>
+            </a:pPr>
+            <a:endParaRPr lang="en-US" dirty="0"/>
+          </a:p>
+          <a:p>
+            <a:pPr marL="0" indent="0" algn="ctr">
+              <a:buNone/>
+            </a:pPr>
+            <a:r>
+              <a:rPr lang="en-US" dirty="0" smtClean="0"/>
+              <a:t>Thanks</a:t>
+            </a:r>
+            <a:endParaRPr lang="en-SG" dirty="0"/>
+          </a:p>
+        </p:txBody>
+      </p:sp>
+      <p:pic>
+        <p:nvPicPr>
+          <p:cNvPr id="1026" name="Picture 2" descr="http://blog.copdfoundation.org/wp-content/uploads/2012/09/C-Users-sschlegel-Pictures-Question-Mark-Man.jpg"/>
+          <p:cNvPicPr>
+            <a:picLocks noChangeAspect="1" noChangeArrowheads="1"/>
+          </p:cNvPicPr>
+          <p:nvPr/>
+        </p:nvPicPr>
+        <p:blipFill>
+          <a:blip r:embed="rId2">
+            <a:extLst>
+              <a:ext uri="{28A0092B-C50C-407E-A947-70E740481C1C}">
+                <a14:useLocalDpi xmlns:a14="http://schemas.microsoft.com/office/drawing/2010/main" val="0"/>
+              </a:ext>
+            </a:extLst>
+          </a:blip>
+          <a:srcRect/>
+          <a:stretch>
+            <a:fillRect/>
+          </a:stretch>
+        </p:blipFill>
+        <p:spPr bwMode="auto">
+          <a:xfrm>
+            <a:off x="3048000" y="2209800"/>
+            <a:ext cx="2857500" cy="2857500"/>
+          </a:xfrm>
+          <a:prstGeom prst="rect">
+            <a:avLst/>
+          </a:prstGeom>
+          <a:noFill/>
+          <a:extLst>
+            <a:ext uri="{909E8E84-426E-40DD-AFC4-6F175D3DCCD1}">
+              <a14:hiddenFill xmlns:a14="http://schemas.microsoft.com/office/drawing/2010/main">
+                <a:solidFill>
+                  <a:srgbClr val="FFFFFF"/>
+                </a:solidFill>
+              </a14:hiddenFill>
+            </a:ext>
+          </a:extLst>
+        </p:spPr>
+      </p:pic>
+    </p:spTree>
+    <p:extLst>
+      <p:ext uri="{BB962C8B-B14F-4D97-AF65-F5344CB8AC3E}">
+        <p14:creationId xmlns:p14="http://schemas.microsoft.com/office/powerpoint/2010/main" val="1715050486"/>
+      </p:ext>
+    </p:extLst>
+  </p:cSld>
+  <p:clrMapOvr>
+    <a:masterClrMapping/>
+  </p:clrMapOvr>
+  <mc:AlternateContent xmlns:mc="http://schemas.openxmlformats.org/markup-compatibility/2006">
+    <mc:Choice xmlns:p14="http://schemas.microsoft.com/office/powerpoint/2010/main" Requires="p14">
+      <p:transition spd="slow" p14:dur="2000"/>
+    </mc:Choice>
+    <mc:Fallback>
+      <p:transition spd="slow"/>
+    </mc:Fallback>
+  </mc:AlternateContent>
   <p:timing>
     <p:tnLst>
       <p:par>
@@ -14060,7 +15837,7 @@
           <a:p>
             <a:r>
               <a:rPr lang="en-US" dirty="0" smtClean="0"/>
-              <a:t>Write Operation</a:t>
+              <a:t>Architecture</a:t>
             </a:r>
             <a:endParaRPr lang="en-SG" dirty="0"/>
           </a:p>
@@ -14068,612 +15845,82 @@
       </p:sp>
       <p:sp>
         <p:nvSpPr>
-          <p:cNvPr id="6" name="Rounded Rectangle 5"/>
-          <p:cNvSpPr/>
-          <p:nvPr/>
-        </p:nvSpPr>
-        <p:spPr>
-          <a:xfrm>
-            <a:off x="1356072" y="3371310"/>
-            <a:ext cx="1066800" cy="533400"/>
-          </a:xfrm>
-          <a:prstGeom prst="roundRect">
-            <a:avLst/>
-          </a:prstGeom>
-          <a:noFill/>
-        </p:spPr>
-        <p:style>
-          <a:lnRef idx="2">
-            <a:schemeClr val="accent1">
-              <a:shade val="50000"/>
-            </a:schemeClr>
-          </a:lnRef>
-          <a:fillRef idx="1">
-            <a:schemeClr val="accent1"/>
-          </a:fillRef>
-          <a:effectRef idx="0">
-            <a:schemeClr val="accent1"/>
-          </a:effectRef>
-          <a:fontRef idx="minor">
-            <a:schemeClr val="lt1"/>
-          </a:fontRef>
-        </p:style>
-        <p:txBody>
-          <a:bodyPr rtlCol="0" anchor="ctr"/>
-          <a:lstStyle/>
-          <a:p>
-            <a:pPr algn="ctr"/>
-            <a:endParaRPr lang="en-SG"/>
-          </a:p>
-        </p:txBody>
-      </p:sp>
-      <p:sp>
-        <p:nvSpPr>
-          <p:cNvPr id="7" name="TextBox 6"/>
-          <p:cNvSpPr txBox="1"/>
-          <p:nvPr/>
-        </p:nvSpPr>
-        <p:spPr>
-          <a:xfrm>
-            <a:off x="1531404" y="3447510"/>
-            <a:ext cx="838200" cy="369332"/>
+          <p:cNvPr id="3" name="Content Placeholder 2"/>
+          <p:cNvSpPr>
+            <a:spLocks noGrp="1"/>
+          </p:cNvSpPr>
+          <p:nvPr>
+            <p:ph sz="quarter" idx="1"/>
+          </p:nvPr>
+        </p:nvSpPr>
+        <p:spPr/>
+        <p:txBody>
+          <a:bodyPr/>
+          <a:lstStyle/>
+          <a:p>
+            <a:endParaRPr lang="en-SG" dirty="0"/>
+          </a:p>
+        </p:txBody>
+      </p:sp>
+      <p:pic>
+        <p:nvPicPr>
+          <p:cNvPr id="1026" name="Picture 2" descr="C:\Users\jzhang\Desktop\Distributed System\trunk\Document\a.jpg"/>
+          <p:cNvPicPr>
+            <a:picLocks noChangeAspect="1" noChangeArrowheads="1"/>
+          </p:cNvPicPr>
+          <p:nvPr/>
+        </p:nvPicPr>
+        <p:blipFill>
+          <a:blip r:embed="rId3">
+            <a:extLst>
+              <a:ext uri="{28A0092B-C50C-407E-A947-70E740481C1C}">
+                <a14:useLocalDpi xmlns:a14="http://schemas.microsoft.com/office/drawing/2010/main" val="0"/>
+              </a:ext>
+            </a:extLst>
+          </a:blip>
+          <a:srcRect/>
+          <a:stretch>
+            <a:fillRect/>
+          </a:stretch>
+        </p:blipFill>
+        <p:spPr bwMode="auto">
+          <a:xfrm>
+            <a:off x="1223212" y="1295400"/>
+            <a:ext cx="6777788" cy="4953000"/>
           </a:xfrm>
           <a:prstGeom prst="rect">
             <a:avLst/>
           </a:prstGeom>
           <a:noFill/>
-        </p:spPr>
-        <p:txBody>
-          <a:bodyPr wrap="square" rtlCol="0">
-            <a:spAutoFit/>
-          </a:bodyPr>
-          <a:lstStyle/>
-          <a:p>
-            <a:r>
-              <a:rPr lang="en-US" dirty="0" smtClean="0"/>
-              <a:t>Client</a:t>
-            </a:r>
-            <a:endParaRPr lang="en-SG" dirty="0"/>
-          </a:p>
-        </p:txBody>
-      </p:sp>
-      <p:sp>
-        <p:nvSpPr>
-          <p:cNvPr id="8" name="Rounded Rectangle 7"/>
-          <p:cNvSpPr/>
-          <p:nvPr/>
-        </p:nvSpPr>
-        <p:spPr>
-          <a:xfrm>
-            <a:off x="4937472" y="3371310"/>
-            <a:ext cx="1066800" cy="533400"/>
-          </a:xfrm>
-          <a:prstGeom prst="roundRect">
-            <a:avLst/>
-          </a:prstGeom>
-          <a:noFill/>
-        </p:spPr>
-        <p:style>
-          <a:lnRef idx="2">
-            <a:schemeClr val="accent1">
-              <a:shade val="50000"/>
-            </a:schemeClr>
-          </a:lnRef>
-          <a:fillRef idx="1">
-            <a:schemeClr val="accent1"/>
-          </a:fillRef>
-          <a:effectRef idx="0">
-            <a:schemeClr val="accent1"/>
-          </a:effectRef>
-          <a:fontRef idx="minor">
-            <a:schemeClr val="lt1"/>
-          </a:fontRef>
-        </p:style>
-        <p:txBody>
-          <a:bodyPr rtlCol="0" anchor="ctr"/>
-          <a:lstStyle/>
-          <a:p>
-            <a:pPr algn="ctr"/>
-            <a:endParaRPr lang="en-SG"/>
-          </a:p>
-        </p:txBody>
-      </p:sp>
-      <p:sp>
-        <p:nvSpPr>
-          <p:cNvPr id="9" name="TextBox 8"/>
-          <p:cNvSpPr txBox="1"/>
-          <p:nvPr/>
-        </p:nvSpPr>
-        <p:spPr>
-          <a:xfrm>
-            <a:off x="5089872" y="3447510"/>
-            <a:ext cx="838200" cy="369332"/>
-          </a:xfrm>
-          <a:prstGeom prst="rect">
-            <a:avLst/>
-          </a:prstGeom>
-          <a:noFill/>
-        </p:spPr>
-        <p:txBody>
-          <a:bodyPr wrap="square" rtlCol="0">
-            <a:spAutoFit/>
-          </a:bodyPr>
-          <a:lstStyle/>
-          <a:p>
-            <a:r>
-              <a:rPr lang="en-US" dirty="0" smtClean="0"/>
-              <a:t>Master</a:t>
-            </a:r>
-            <a:endParaRPr lang="en-SG" dirty="0"/>
-          </a:p>
-        </p:txBody>
-      </p:sp>
-      <p:sp>
-        <p:nvSpPr>
-          <p:cNvPr id="10" name="Oval 9"/>
-          <p:cNvSpPr/>
-          <p:nvPr/>
-        </p:nvSpPr>
-        <p:spPr>
-          <a:xfrm>
-            <a:off x="5547072" y="1774979"/>
-            <a:ext cx="914400" cy="533400"/>
-          </a:xfrm>
-          <a:prstGeom prst="ellipse">
-            <a:avLst/>
-          </a:prstGeom>
-          <a:noFill/>
-        </p:spPr>
-        <p:style>
-          <a:lnRef idx="2">
-            <a:schemeClr val="accent1">
-              <a:shade val="50000"/>
-            </a:schemeClr>
-          </a:lnRef>
-          <a:fillRef idx="1">
-            <a:schemeClr val="accent1"/>
-          </a:fillRef>
-          <a:effectRef idx="0">
-            <a:schemeClr val="accent1"/>
-          </a:effectRef>
-          <a:fontRef idx="minor">
-            <a:schemeClr val="lt1"/>
-          </a:fontRef>
-        </p:style>
-        <p:txBody>
-          <a:bodyPr rtlCol="0" anchor="ctr"/>
-          <a:lstStyle/>
-          <a:p>
-            <a:pPr algn="ctr"/>
-            <a:endParaRPr lang="en-SG"/>
-          </a:p>
-        </p:txBody>
-      </p:sp>
-      <p:sp>
-        <p:nvSpPr>
-          <p:cNvPr id="11" name="TextBox 10"/>
-          <p:cNvSpPr txBox="1"/>
-          <p:nvPr/>
-        </p:nvSpPr>
-        <p:spPr>
-          <a:xfrm>
-            <a:off x="5638800" y="1851179"/>
-            <a:ext cx="838200" cy="369332"/>
-          </a:xfrm>
-          <a:prstGeom prst="rect">
-            <a:avLst/>
-          </a:prstGeom>
-          <a:noFill/>
-        </p:spPr>
-        <p:txBody>
-          <a:bodyPr wrap="square" rtlCol="0">
-            <a:spAutoFit/>
-          </a:bodyPr>
-          <a:lstStyle/>
-          <a:p>
-            <a:r>
-              <a:rPr lang="en-US" dirty="0" smtClean="0"/>
-              <a:t>Slave 2</a:t>
-            </a:r>
-            <a:endParaRPr lang="en-SG" dirty="0"/>
-          </a:p>
-        </p:txBody>
-      </p:sp>
-      <p:sp>
-        <p:nvSpPr>
-          <p:cNvPr id="12" name="Oval 11"/>
-          <p:cNvSpPr/>
-          <p:nvPr/>
-        </p:nvSpPr>
-        <p:spPr>
-          <a:xfrm>
-            <a:off x="6766272" y="2369042"/>
-            <a:ext cx="914400" cy="533400"/>
-          </a:xfrm>
-          <a:prstGeom prst="ellipse">
-            <a:avLst/>
-          </a:prstGeom>
-          <a:noFill/>
-        </p:spPr>
-        <p:style>
-          <a:lnRef idx="2">
-            <a:schemeClr val="accent1">
-              <a:shade val="50000"/>
-            </a:schemeClr>
-          </a:lnRef>
-          <a:fillRef idx="1">
-            <a:schemeClr val="accent1"/>
-          </a:fillRef>
-          <a:effectRef idx="0">
-            <a:schemeClr val="accent1"/>
-          </a:effectRef>
-          <a:fontRef idx="minor">
-            <a:schemeClr val="lt1"/>
-          </a:fontRef>
-        </p:style>
-        <p:txBody>
-          <a:bodyPr rtlCol="0" anchor="ctr"/>
-          <a:lstStyle/>
-          <a:p>
-            <a:pPr algn="ctr"/>
-            <a:endParaRPr lang="en-SG"/>
-          </a:p>
-        </p:txBody>
-      </p:sp>
-      <p:sp>
-        <p:nvSpPr>
-          <p:cNvPr id="13" name="TextBox 12"/>
-          <p:cNvSpPr txBox="1"/>
-          <p:nvPr/>
-        </p:nvSpPr>
-        <p:spPr>
-          <a:xfrm>
-            <a:off x="6858000" y="2445242"/>
-            <a:ext cx="838200" cy="369332"/>
-          </a:xfrm>
-          <a:prstGeom prst="rect">
-            <a:avLst/>
-          </a:prstGeom>
-          <a:noFill/>
-        </p:spPr>
-        <p:txBody>
-          <a:bodyPr wrap="square" rtlCol="0">
-            <a:spAutoFit/>
-          </a:bodyPr>
-          <a:lstStyle/>
-          <a:p>
-            <a:r>
-              <a:rPr lang="en-US" dirty="0" smtClean="0"/>
-              <a:t>Slave 3</a:t>
-            </a:r>
-            <a:endParaRPr lang="en-SG" dirty="0"/>
-          </a:p>
-        </p:txBody>
-      </p:sp>
-      <p:sp>
-        <p:nvSpPr>
-          <p:cNvPr id="14" name="Oval 13"/>
-          <p:cNvSpPr/>
-          <p:nvPr/>
-        </p:nvSpPr>
-        <p:spPr>
-          <a:xfrm>
-            <a:off x="6766272" y="4438110"/>
-            <a:ext cx="914400" cy="533400"/>
-          </a:xfrm>
-          <a:prstGeom prst="ellipse">
-            <a:avLst/>
-          </a:prstGeom>
-          <a:noFill/>
-        </p:spPr>
-        <p:style>
-          <a:lnRef idx="2">
-            <a:schemeClr val="accent1">
-              <a:shade val="50000"/>
-            </a:schemeClr>
-          </a:lnRef>
-          <a:fillRef idx="1">
-            <a:schemeClr val="accent1"/>
-          </a:fillRef>
-          <a:effectRef idx="0">
-            <a:schemeClr val="accent1"/>
-          </a:effectRef>
-          <a:fontRef idx="minor">
-            <a:schemeClr val="lt1"/>
-          </a:fontRef>
-        </p:style>
-        <p:txBody>
-          <a:bodyPr rtlCol="0" anchor="ctr"/>
-          <a:lstStyle/>
-          <a:p>
-            <a:pPr algn="ctr"/>
-            <a:endParaRPr lang="en-SG"/>
-          </a:p>
-        </p:txBody>
-      </p:sp>
-      <p:sp>
-        <p:nvSpPr>
-          <p:cNvPr id="15" name="TextBox 14"/>
-          <p:cNvSpPr txBox="1"/>
-          <p:nvPr/>
-        </p:nvSpPr>
-        <p:spPr>
-          <a:xfrm>
-            <a:off x="6858000" y="4514310"/>
-            <a:ext cx="838200" cy="369332"/>
-          </a:xfrm>
-          <a:prstGeom prst="rect">
-            <a:avLst/>
-          </a:prstGeom>
-          <a:noFill/>
-        </p:spPr>
-        <p:txBody>
-          <a:bodyPr wrap="square" rtlCol="0">
-            <a:spAutoFit/>
-          </a:bodyPr>
-          <a:lstStyle/>
-          <a:p>
-            <a:r>
-              <a:rPr lang="en-US" dirty="0" smtClean="0"/>
-              <a:t>Slave 8</a:t>
-            </a:r>
-            <a:endParaRPr lang="en-SG" dirty="0"/>
-          </a:p>
-        </p:txBody>
-      </p:sp>
-      <p:sp>
-        <p:nvSpPr>
-          <p:cNvPr id="16" name="Oval 15"/>
-          <p:cNvSpPr/>
-          <p:nvPr/>
-        </p:nvSpPr>
-        <p:spPr>
-          <a:xfrm>
-            <a:off x="5547072" y="5085810"/>
-            <a:ext cx="914400" cy="533400"/>
-          </a:xfrm>
-          <a:prstGeom prst="ellipse">
-            <a:avLst/>
-          </a:prstGeom>
-          <a:noFill/>
-        </p:spPr>
-        <p:style>
-          <a:lnRef idx="2">
-            <a:schemeClr val="accent1">
-              <a:shade val="50000"/>
-            </a:schemeClr>
-          </a:lnRef>
-          <a:fillRef idx="1">
-            <a:schemeClr val="accent1"/>
-          </a:fillRef>
-          <a:effectRef idx="0">
-            <a:schemeClr val="accent1"/>
-          </a:effectRef>
-          <a:fontRef idx="minor">
-            <a:schemeClr val="lt1"/>
-          </a:fontRef>
-        </p:style>
-        <p:txBody>
-          <a:bodyPr rtlCol="0" anchor="ctr"/>
-          <a:lstStyle/>
-          <a:p>
-            <a:pPr algn="ctr"/>
-            <a:endParaRPr lang="en-SG"/>
-          </a:p>
-        </p:txBody>
-      </p:sp>
-      <p:sp>
-        <p:nvSpPr>
-          <p:cNvPr id="17" name="TextBox 16"/>
-          <p:cNvSpPr txBox="1"/>
-          <p:nvPr/>
-        </p:nvSpPr>
-        <p:spPr>
-          <a:xfrm>
-            <a:off x="5638800" y="5162010"/>
-            <a:ext cx="838200" cy="369332"/>
-          </a:xfrm>
-          <a:prstGeom prst="rect">
-            <a:avLst/>
-          </a:prstGeom>
-          <a:noFill/>
-        </p:spPr>
-        <p:txBody>
-          <a:bodyPr wrap="square" rtlCol="0">
-            <a:spAutoFit/>
-          </a:bodyPr>
-          <a:lstStyle/>
-          <a:p>
-            <a:r>
-              <a:rPr lang="en-US" dirty="0" smtClean="0"/>
-              <a:t>Slave 9</a:t>
-            </a:r>
-            <a:endParaRPr lang="en-SG" dirty="0"/>
-          </a:p>
-        </p:txBody>
-      </p:sp>
-      <p:sp>
-        <p:nvSpPr>
-          <p:cNvPr id="18" name="Oval 17"/>
-          <p:cNvSpPr/>
-          <p:nvPr/>
-        </p:nvSpPr>
-        <p:spPr>
-          <a:xfrm>
-            <a:off x="4175472" y="5276310"/>
-            <a:ext cx="914400" cy="533400"/>
-          </a:xfrm>
-          <a:prstGeom prst="ellipse">
-            <a:avLst/>
-          </a:prstGeom>
-          <a:noFill/>
-        </p:spPr>
-        <p:style>
-          <a:lnRef idx="2">
-            <a:schemeClr val="accent1">
-              <a:shade val="50000"/>
-            </a:schemeClr>
-          </a:lnRef>
-          <a:fillRef idx="1">
-            <a:schemeClr val="accent1"/>
-          </a:fillRef>
-          <a:effectRef idx="0">
-            <a:schemeClr val="accent1"/>
-          </a:effectRef>
-          <a:fontRef idx="minor">
-            <a:schemeClr val="lt1"/>
-          </a:fontRef>
-        </p:style>
-        <p:txBody>
-          <a:bodyPr rtlCol="0" anchor="ctr"/>
-          <a:lstStyle/>
-          <a:p>
-            <a:pPr algn="ctr"/>
-            <a:endParaRPr lang="en-SG"/>
-          </a:p>
-        </p:txBody>
-      </p:sp>
-      <p:sp>
-        <p:nvSpPr>
-          <p:cNvPr id="19" name="TextBox 18"/>
-          <p:cNvSpPr txBox="1"/>
-          <p:nvPr/>
-        </p:nvSpPr>
-        <p:spPr>
-          <a:xfrm>
-            <a:off x="4184350" y="5352510"/>
-            <a:ext cx="929928" cy="369332"/>
-          </a:xfrm>
-          <a:prstGeom prst="rect">
-            <a:avLst/>
-          </a:prstGeom>
-          <a:noFill/>
-        </p:spPr>
-        <p:txBody>
-          <a:bodyPr wrap="square" rtlCol="0">
-            <a:spAutoFit/>
-          </a:bodyPr>
-          <a:lstStyle/>
-          <a:p>
-            <a:r>
-              <a:rPr lang="en-US" dirty="0" smtClean="0"/>
-              <a:t>Slave 10</a:t>
-            </a:r>
-            <a:endParaRPr lang="en-SG" dirty="0"/>
-          </a:p>
-        </p:txBody>
-      </p:sp>
-      <p:sp>
-        <p:nvSpPr>
-          <p:cNvPr id="22" name="Oval 21"/>
-          <p:cNvSpPr/>
-          <p:nvPr/>
-        </p:nvSpPr>
-        <p:spPr>
-          <a:xfrm>
-            <a:off x="4169183" y="1402690"/>
-            <a:ext cx="914400" cy="533400"/>
-          </a:xfrm>
-          <a:prstGeom prst="ellipse">
-            <a:avLst/>
-          </a:prstGeom>
-          <a:noFill/>
-        </p:spPr>
-        <p:style>
-          <a:lnRef idx="2">
-            <a:schemeClr val="accent1">
-              <a:shade val="50000"/>
-            </a:schemeClr>
-          </a:lnRef>
-          <a:fillRef idx="1">
-            <a:schemeClr val="accent1"/>
-          </a:fillRef>
-          <a:effectRef idx="0">
-            <a:schemeClr val="accent1"/>
-          </a:effectRef>
-          <a:fontRef idx="minor">
-            <a:schemeClr val="lt1"/>
-          </a:fontRef>
-        </p:style>
-        <p:txBody>
-          <a:bodyPr rtlCol="0" anchor="ctr"/>
-          <a:lstStyle/>
-          <a:p>
-            <a:pPr algn="ctr"/>
-            <a:endParaRPr lang="en-SG"/>
-          </a:p>
-        </p:txBody>
-      </p:sp>
-      <p:sp>
-        <p:nvSpPr>
-          <p:cNvPr id="23" name="TextBox 22"/>
-          <p:cNvSpPr txBox="1"/>
-          <p:nvPr/>
-        </p:nvSpPr>
-        <p:spPr>
-          <a:xfrm>
-            <a:off x="4260911" y="1478890"/>
-            <a:ext cx="838200" cy="369332"/>
-          </a:xfrm>
-          <a:prstGeom prst="rect">
-            <a:avLst/>
-          </a:prstGeom>
-          <a:noFill/>
-        </p:spPr>
-        <p:txBody>
-          <a:bodyPr wrap="square" rtlCol="0">
-            <a:spAutoFit/>
-          </a:bodyPr>
-          <a:lstStyle/>
-          <a:p>
-            <a:r>
-              <a:rPr lang="en-US" dirty="0" smtClean="0"/>
-              <a:t>Slave 1</a:t>
-            </a:r>
-            <a:endParaRPr lang="en-SG" dirty="0"/>
-          </a:p>
-        </p:txBody>
-      </p:sp>
-      <p:sp>
-        <p:nvSpPr>
-          <p:cNvPr id="24" name="TextBox 23"/>
-          <p:cNvSpPr txBox="1"/>
-          <p:nvPr/>
-        </p:nvSpPr>
-        <p:spPr>
-          <a:xfrm>
-            <a:off x="7126673" y="3424578"/>
-            <a:ext cx="553998" cy="704310"/>
-          </a:xfrm>
-          <a:prstGeom prst="rect">
-            <a:avLst/>
-          </a:prstGeom>
-          <a:noFill/>
-        </p:spPr>
-        <p:txBody>
-          <a:bodyPr vert="eaVert" wrap="square" rtlCol="0">
-            <a:spAutoFit/>
-          </a:bodyPr>
-          <a:lstStyle/>
-          <a:p>
-            <a:r>
-              <a:rPr lang="en-US" sz="2400" b="1" dirty="0" smtClean="0"/>
-              <a:t>…</a:t>
-            </a:r>
-            <a:endParaRPr lang="en-SG" sz="2400" b="1" dirty="0"/>
-          </a:p>
-        </p:txBody>
-      </p:sp>
+          <a:extLst>
+            <a:ext uri="{909E8E84-426E-40DD-AFC4-6F175D3DCCD1}">
+              <a14:hiddenFill xmlns:a14="http://schemas.microsoft.com/office/drawing/2010/main">
+                <a:solidFill>
+                  <a:srgbClr val="FFFFFF"/>
+                </a:solidFill>
+              </a14:hiddenFill>
+            </a:ext>
+          </a:extLst>
+        </p:spPr>
+      </p:pic>
     </p:spTree>
     <p:extLst>
       <p:ext uri="{BB962C8B-B14F-4D97-AF65-F5344CB8AC3E}">
-        <p14:creationId xmlns:p14="http://schemas.microsoft.com/office/powerpoint/2010/main" val="1248654220"/>
+        <p14:creationId xmlns:p14="http://schemas.microsoft.com/office/powerpoint/2010/main" val="2001231228"/>
       </p:ext>
     </p:extLst>
   </p:cSld>
   <p:clrMapOvr>
     <a:masterClrMapping/>
   </p:clrMapOvr>
+  <mc:AlternateContent xmlns:mc="http://schemas.openxmlformats.org/markup-compatibility/2006">
+    <mc:Choice xmlns:p14="http://schemas.microsoft.com/office/powerpoint/2010/main" Requires="p14">
+      <p:transition spd="slow" p14:dur="2000"/>
+    </mc:Choice>
+    <mc:Fallback>
+      <p:transition spd="slow"/>
+    </mc:Fallback>
+  </mc:AlternateContent>
   <p:timing>
     <p:tnLst>
       <p:par>
@@ -14685,6 +15932,672 @@
 </file>
 
 <file path=ppt/slides/slide4.xml><?xml version="1.0" encoding="utf-8"?>
+<p:sld xmlns:a="http://schemas.openxmlformats.org/drawingml/2006/main" xmlns:r="http://schemas.openxmlformats.org/officeDocument/2006/relationships" xmlns:p="http://schemas.openxmlformats.org/presentationml/2006/main">
+  <p:cSld>
+    <p:spTree>
+      <p:nvGrpSpPr>
+        <p:cNvPr id="1" name=""/>
+        <p:cNvGrpSpPr/>
+        <p:nvPr/>
+      </p:nvGrpSpPr>
+      <p:grpSpPr>
+        <a:xfrm>
+          <a:off x="0" y="0"/>
+          <a:ext cx="0" cy="0"/>
+          <a:chOff x="0" y="0"/>
+          <a:chExt cx="0" cy="0"/>
+        </a:xfrm>
+      </p:grpSpPr>
+      <p:sp>
+        <p:nvSpPr>
+          <p:cNvPr id="2" name="Title 1"/>
+          <p:cNvSpPr>
+            <a:spLocks noGrp="1"/>
+          </p:cNvSpPr>
+          <p:nvPr>
+            <p:ph type="title"/>
+          </p:nvPr>
+        </p:nvSpPr>
+        <p:spPr/>
+        <p:txBody>
+          <a:bodyPr/>
+          <a:lstStyle/>
+          <a:p>
+            <a:r>
+              <a:rPr lang="en-US" dirty="0" smtClean="0"/>
+              <a:t>Write Operation</a:t>
+            </a:r>
+            <a:endParaRPr lang="en-SG" dirty="0"/>
+          </a:p>
+        </p:txBody>
+      </p:sp>
+      <p:sp>
+        <p:nvSpPr>
+          <p:cNvPr id="6" name="Rounded Rectangle 5"/>
+          <p:cNvSpPr/>
+          <p:nvPr/>
+        </p:nvSpPr>
+        <p:spPr>
+          <a:xfrm>
+            <a:off x="1356072" y="3371310"/>
+            <a:ext cx="1066800" cy="533400"/>
+          </a:xfrm>
+          <a:prstGeom prst="roundRect">
+            <a:avLst/>
+          </a:prstGeom>
+          <a:noFill/>
+        </p:spPr>
+        <p:style>
+          <a:lnRef idx="2">
+            <a:schemeClr val="accent1">
+              <a:shade val="50000"/>
+            </a:schemeClr>
+          </a:lnRef>
+          <a:fillRef idx="1">
+            <a:schemeClr val="accent1"/>
+          </a:fillRef>
+          <a:effectRef idx="0">
+            <a:schemeClr val="accent1"/>
+          </a:effectRef>
+          <a:fontRef idx="minor">
+            <a:schemeClr val="lt1"/>
+          </a:fontRef>
+        </p:style>
+        <p:txBody>
+          <a:bodyPr rtlCol="0" anchor="ctr"/>
+          <a:lstStyle/>
+          <a:p>
+            <a:pPr algn="ctr"/>
+            <a:endParaRPr lang="en-SG"/>
+          </a:p>
+        </p:txBody>
+      </p:sp>
+      <p:sp>
+        <p:nvSpPr>
+          <p:cNvPr id="7" name="TextBox 6"/>
+          <p:cNvSpPr txBox="1"/>
+          <p:nvPr/>
+        </p:nvSpPr>
+        <p:spPr>
+          <a:xfrm>
+            <a:off x="1531404" y="3447510"/>
+            <a:ext cx="838200" cy="369332"/>
+          </a:xfrm>
+          <a:prstGeom prst="rect">
+            <a:avLst/>
+          </a:prstGeom>
+          <a:noFill/>
+        </p:spPr>
+        <p:txBody>
+          <a:bodyPr wrap="square" rtlCol="0">
+            <a:spAutoFit/>
+          </a:bodyPr>
+          <a:lstStyle/>
+          <a:p>
+            <a:r>
+              <a:rPr lang="en-US" dirty="0" smtClean="0"/>
+              <a:t>Client</a:t>
+            </a:r>
+            <a:endParaRPr lang="en-SG" dirty="0"/>
+          </a:p>
+        </p:txBody>
+      </p:sp>
+      <p:sp>
+        <p:nvSpPr>
+          <p:cNvPr id="8" name="Rounded Rectangle 7"/>
+          <p:cNvSpPr/>
+          <p:nvPr/>
+        </p:nvSpPr>
+        <p:spPr>
+          <a:xfrm>
+            <a:off x="4937472" y="3371310"/>
+            <a:ext cx="1066800" cy="533400"/>
+          </a:xfrm>
+          <a:prstGeom prst="roundRect">
+            <a:avLst/>
+          </a:prstGeom>
+          <a:noFill/>
+        </p:spPr>
+        <p:style>
+          <a:lnRef idx="2">
+            <a:schemeClr val="accent1">
+              <a:shade val="50000"/>
+            </a:schemeClr>
+          </a:lnRef>
+          <a:fillRef idx="1">
+            <a:schemeClr val="accent1"/>
+          </a:fillRef>
+          <a:effectRef idx="0">
+            <a:schemeClr val="accent1"/>
+          </a:effectRef>
+          <a:fontRef idx="minor">
+            <a:schemeClr val="lt1"/>
+          </a:fontRef>
+        </p:style>
+        <p:txBody>
+          <a:bodyPr rtlCol="0" anchor="ctr"/>
+          <a:lstStyle/>
+          <a:p>
+            <a:pPr algn="ctr"/>
+            <a:endParaRPr lang="en-SG"/>
+          </a:p>
+        </p:txBody>
+      </p:sp>
+      <p:sp>
+        <p:nvSpPr>
+          <p:cNvPr id="9" name="TextBox 8"/>
+          <p:cNvSpPr txBox="1"/>
+          <p:nvPr/>
+        </p:nvSpPr>
+        <p:spPr>
+          <a:xfrm>
+            <a:off x="5089872" y="3447510"/>
+            <a:ext cx="838200" cy="369332"/>
+          </a:xfrm>
+          <a:prstGeom prst="rect">
+            <a:avLst/>
+          </a:prstGeom>
+          <a:noFill/>
+        </p:spPr>
+        <p:txBody>
+          <a:bodyPr wrap="square" rtlCol="0">
+            <a:spAutoFit/>
+          </a:bodyPr>
+          <a:lstStyle/>
+          <a:p>
+            <a:r>
+              <a:rPr lang="en-US" dirty="0" smtClean="0"/>
+              <a:t>Master</a:t>
+            </a:r>
+            <a:endParaRPr lang="en-SG" dirty="0"/>
+          </a:p>
+        </p:txBody>
+      </p:sp>
+      <p:sp>
+        <p:nvSpPr>
+          <p:cNvPr id="10" name="Oval 9"/>
+          <p:cNvSpPr/>
+          <p:nvPr/>
+        </p:nvSpPr>
+        <p:spPr>
+          <a:xfrm>
+            <a:off x="5547072" y="1774979"/>
+            <a:ext cx="914400" cy="533400"/>
+          </a:xfrm>
+          <a:prstGeom prst="ellipse">
+            <a:avLst/>
+          </a:prstGeom>
+          <a:noFill/>
+        </p:spPr>
+        <p:style>
+          <a:lnRef idx="2">
+            <a:schemeClr val="accent1">
+              <a:shade val="50000"/>
+            </a:schemeClr>
+          </a:lnRef>
+          <a:fillRef idx="1">
+            <a:schemeClr val="accent1"/>
+          </a:fillRef>
+          <a:effectRef idx="0">
+            <a:schemeClr val="accent1"/>
+          </a:effectRef>
+          <a:fontRef idx="minor">
+            <a:schemeClr val="lt1"/>
+          </a:fontRef>
+        </p:style>
+        <p:txBody>
+          <a:bodyPr rtlCol="0" anchor="ctr"/>
+          <a:lstStyle/>
+          <a:p>
+            <a:pPr algn="ctr"/>
+            <a:endParaRPr lang="en-SG"/>
+          </a:p>
+        </p:txBody>
+      </p:sp>
+      <p:sp>
+        <p:nvSpPr>
+          <p:cNvPr id="11" name="TextBox 10"/>
+          <p:cNvSpPr txBox="1"/>
+          <p:nvPr/>
+        </p:nvSpPr>
+        <p:spPr>
+          <a:xfrm>
+            <a:off x="5638800" y="1851179"/>
+            <a:ext cx="838200" cy="369332"/>
+          </a:xfrm>
+          <a:prstGeom prst="rect">
+            <a:avLst/>
+          </a:prstGeom>
+          <a:noFill/>
+        </p:spPr>
+        <p:txBody>
+          <a:bodyPr wrap="square" rtlCol="0">
+            <a:spAutoFit/>
+          </a:bodyPr>
+          <a:lstStyle/>
+          <a:p>
+            <a:r>
+              <a:rPr lang="en-US" dirty="0" smtClean="0"/>
+              <a:t>Slave 2</a:t>
+            </a:r>
+            <a:endParaRPr lang="en-SG" dirty="0"/>
+          </a:p>
+        </p:txBody>
+      </p:sp>
+      <p:sp>
+        <p:nvSpPr>
+          <p:cNvPr id="12" name="Oval 11"/>
+          <p:cNvSpPr/>
+          <p:nvPr/>
+        </p:nvSpPr>
+        <p:spPr>
+          <a:xfrm>
+            <a:off x="6766272" y="2369042"/>
+            <a:ext cx="914400" cy="533400"/>
+          </a:xfrm>
+          <a:prstGeom prst="ellipse">
+            <a:avLst/>
+          </a:prstGeom>
+          <a:noFill/>
+        </p:spPr>
+        <p:style>
+          <a:lnRef idx="2">
+            <a:schemeClr val="accent1">
+              <a:shade val="50000"/>
+            </a:schemeClr>
+          </a:lnRef>
+          <a:fillRef idx="1">
+            <a:schemeClr val="accent1"/>
+          </a:fillRef>
+          <a:effectRef idx="0">
+            <a:schemeClr val="accent1"/>
+          </a:effectRef>
+          <a:fontRef idx="minor">
+            <a:schemeClr val="lt1"/>
+          </a:fontRef>
+        </p:style>
+        <p:txBody>
+          <a:bodyPr rtlCol="0" anchor="ctr"/>
+          <a:lstStyle/>
+          <a:p>
+            <a:pPr algn="ctr"/>
+            <a:endParaRPr lang="en-SG"/>
+          </a:p>
+        </p:txBody>
+      </p:sp>
+      <p:sp>
+        <p:nvSpPr>
+          <p:cNvPr id="13" name="TextBox 12"/>
+          <p:cNvSpPr txBox="1"/>
+          <p:nvPr/>
+        </p:nvSpPr>
+        <p:spPr>
+          <a:xfrm>
+            <a:off x="6858000" y="2445242"/>
+            <a:ext cx="838200" cy="369332"/>
+          </a:xfrm>
+          <a:prstGeom prst="rect">
+            <a:avLst/>
+          </a:prstGeom>
+          <a:noFill/>
+        </p:spPr>
+        <p:txBody>
+          <a:bodyPr wrap="square" rtlCol="0">
+            <a:spAutoFit/>
+          </a:bodyPr>
+          <a:lstStyle/>
+          <a:p>
+            <a:r>
+              <a:rPr lang="en-US" dirty="0" smtClean="0"/>
+              <a:t>Slave 3</a:t>
+            </a:r>
+            <a:endParaRPr lang="en-SG" dirty="0"/>
+          </a:p>
+        </p:txBody>
+      </p:sp>
+      <p:sp>
+        <p:nvSpPr>
+          <p:cNvPr id="14" name="Oval 13"/>
+          <p:cNvSpPr/>
+          <p:nvPr/>
+        </p:nvSpPr>
+        <p:spPr>
+          <a:xfrm>
+            <a:off x="6766272" y="4438110"/>
+            <a:ext cx="914400" cy="533400"/>
+          </a:xfrm>
+          <a:prstGeom prst="ellipse">
+            <a:avLst/>
+          </a:prstGeom>
+          <a:noFill/>
+        </p:spPr>
+        <p:style>
+          <a:lnRef idx="2">
+            <a:schemeClr val="accent1">
+              <a:shade val="50000"/>
+            </a:schemeClr>
+          </a:lnRef>
+          <a:fillRef idx="1">
+            <a:schemeClr val="accent1"/>
+          </a:fillRef>
+          <a:effectRef idx="0">
+            <a:schemeClr val="accent1"/>
+          </a:effectRef>
+          <a:fontRef idx="minor">
+            <a:schemeClr val="lt1"/>
+          </a:fontRef>
+        </p:style>
+        <p:txBody>
+          <a:bodyPr rtlCol="0" anchor="ctr"/>
+          <a:lstStyle/>
+          <a:p>
+            <a:pPr algn="ctr"/>
+            <a:endParaRPr lang="en-SG"/>
+          </a:p>
+        </p:txBody>
+      </p:sp>
+      <p:sp>
+        <p:nvSpPr>
+          <p:cNvPr id="15" name="TextBox 14"/>
+          <p:cNvSpPr txBox="1"/>
+          <p:nvPr/>
+        </p:nvSpPr>
+        <p:spPr>
+          <a:xfrm>
+            <a:off x="6858000" y="4514310"/>
+            <a:ext cx="838200" cy="369332"/>
+          </a:xfrm>
+          <a:prstGeom prst="rect">
+            <a:avLst/>
+          </a:prstGeom>
+          <a:noFill/>
+        </p:spPr>
+        <p:txBody>
+          <a:bodyPr wrap="square" rtlCol="0">
+            <a:spAutoFit/>
+          </a:bodyPr>
+          <a:lstStyle/>
+          <a:p>
+            <a:r>
+              <a:rPr lang="en-US" dirty="0" smtClean="0"/>
+              <a:t>Slave 8</a:t>
+            </a:r>
+            <a:endParaRPr lang="en-SG" dirty="0"/>
+          </a:p>
+        </p:txBody>
+      </p:sp>
+      <p:sp>
+        <p:nvSpPr>
+          <p:cNvPr id="16" name="Oval 15"/>
+          <p:cNvSpPr/>
+          <p:nvPr/>
+        </p:nvSpPr>
+        <p:spPr>
+          <a:xfrm>
+            <a:off x="5547072" y="5085810"/>
+            <a:ext cx="914400" cy="533400"/>
+          </a:xfrm>
+          <a:prstGeom prst="ellipse">
+            <a:avLst/>
+          </a:prstGeom>
+          <a:noFill/>
+        </p:spPr>
+        <p:style>
+          <a:lnRef idx="2">
+            <a:schemeClr val="accent1">
+              <a:shade val="50000"/>
+            </a:schemeClr>
+          </a:lnRef>
+          <a:fillRef idx="1">
+            <a:schemeClr val="accent1"/>
+          </a:fillRef>
+          <a:effectRef idx="0">
+            <a:schemeClr val="accent1"/>
+          </a:effectRef>
+          <a:fontRef idx="minor">
+            <a:schemeClr val="lt1"/>
+          </a:fontRef>
+        </p:style>
+        <p:txBody>
+          <a:bodyPr rtlCol="0" anchor="ctr"/>
+          <a:lstStyle/>
+          <a:p>
+            <a:pPr algn="ctr"/>
+            <a:endParaRPr lang="en-SG"/>
+          </a:p>
+        </p:txBody>
+      </p:sp>
+      <p:sp>
+        <p:nvSpPr>
+          <p:cNvPr id="17" name="TextBox 16"/>
+          <p:cNvSpPr txBox="1"/>
+          <p:nvPr/>
+        </p:nvSpPr>
+        <p:spPr>
+          <a:xfrm>
+            <a:off x="5638800" y="5162010"/>
+            <a:ext cx="838200" cy="369332"/>
+          </a:xfrm>
+          <a:prstGeom prst="rect">
+            <a:avLst/>
+          </a:prstGeom>
+          <a:noFill/>
+        </p:spPr>
+        <p:txBody>
+          <a:bodyPr wrap="square" rtlCol="0">
+            <a:spAutoFit/>
+          </a:bodyPr>
+          <a:lstStyle/>
+          <a:p>
+            <a:r>
+              <a:rPr lang="en-US" dirty="0" smtClean="0"/>
+              <a:t>Slave 9</a:t>
+            </a:r>
+            <a:endParaRPr lang="en-SG" dirty="0"/>
+          </a:p>
+        </p:txBody>
+      </p:sp>
+      <p:sp>
+        <p:nvSpPr>
+          <p:cNvPr id="18" name="Oval 17"/>
+          <p:cNvSpPr/>
+          <p:nvPr/>
+        </p:nvSpPr>
+        <p:spPr>
+          <a:xfrm>
+            <a:off x="4175472" y="5276310"/>
+            <a:ext cx="914400" cy="533400"/>
+          </a:xfrm>
+          <a:prstGeom prst="ellipse">
+            <a:avLst/>
+          </a:prstGeom>
+          <a:noFill/>
+        </p:spPr>
+        <p:style>
+          <a:lnRef idx="2">
+            <a:schemeClr val="accent1">
+              <a:shade val="50000"/>
+            </a:schemeClr>
+          </a:lnRef>
+          <a:fillRef idx="1">
+            <a:schemeClr val="accent1"/>
+          </a:fillRef>
+          <a:effectRef idx="0">
+            <a:schemeClr val="accent1"/>
+          </a:effectRef>
+          <a:fontRef idx="minor">
+            <a:schemeClr val="lt1"/>
+          </a:fontRef>
+        </p:style>
+        <p:txBody>
+          <a:bodyPr rtlCol="0" anchor="ctr"/>
+          <a:lstStyle/>
+          <a:p>
+            <a:pPr algn="ctr"/>
+            <a:endParaRPr lang="en-SG"/>
+          </a:p>
+        </p:txBody>
+      </p:sp>
+      <p:sp>
+        <p:nvSpPr>
+          <p:cNvPr id="19" name="TextBox 18"/>
+          <p:cNvSpPr txBox="1"/>
+          <p:nvPr/>
+        </p:nvSpPr>
+        <p:spPr>
+          <a:xfrm>
+            <a:off x="4184350" y="5352510"/>
+            <a:ext cx="929928" cy="369332"/>
+          </a:xfrm>
+          <a:prstGeom prst="rect">
+            <a:avLst/>
+          </a:prstGeom>
+          <a:noFill/>
+        </p:spPr>
+        <p:txBody>
+          <a:bodyPr wrap="square" rtlCol="0">
+            <a:spAutoFit/>
+          </a:bodyPr>
+          <a:lstStyle/>
+          <a:p>
+            <a:r>
+              <a:rPr lang="en-US" dirty="0" smtClean="0"/>
+              <a:t>Slave 10</a:t>
+            </a:r>
+            <a:endParaRPr lang="en-SG" dirty="0"/>
+          </a:p>
+        </p:txBody>
+      </p:sp>
+      <p:sp>
+        <p:nvSpPr>
+          <p:cNvPr id="22" name="Oval 21"/>
+          <p:cNvSpPr/>
+          <p:nvPr/>
+        </p:nvSpPr>
+        <p:spPr>
+          <a:xfrm>
+            <a:off x="4169183" y="1402690"/>
+            <a:ext cx="914400" cy="533400"/>
+          </a:xfrm>
+          <a:prstGeom prst="ellipse">
+            <a:avLst/>
+          </a:prstGeom>
+          <a:noFill/>
+        </p:spPr>
+        <p:style>
+          <a:lnRef idx="2">
+            <a:schemeClr val="accent1">
+              <a:shade val="50000"/>
+            </a:schemeClr>
+          </a:lnRef>
+          <a:fillRef idx="1">
+            <a:schemeClr val="accent1"/>
+          </a:fillRef>
+          <a:effectRef idx="0">
+            <a:schemeClr val="accent1"/>
+          </a:effectRef>
+          <a:fontRef idx="minor">
+            <a:schemeClr val="lt1"/>
+          </a:fontRef>
+        </p:style>
+        <p:txBody>
+          <a:bodyPr rtlCol="0" anchor="ctr"/>
+          <a:lstStyle/>
+          <a:p>
+            <a:pPr algn="ctr"/>
+            <a:endParaRPr lang="en-SG"/>
+          </a:p>
+        </p:txBody>
+      </p:sp>
+      <p:sp>
+        <p:nvSpPr>
+          <p:cNvPr id="23" name="TextBox 22"/>
+          <p:cNvSpPr txBox="1"/>
+          <p:nvPr/>
+        </p:nvSpPr>
+        <p:spPr>
+          <a:xfrm>
+            <a:off x="4260911" y="1478890"/>
+            <a:ext cx="838200" cy="369332"/>
+          </a:xfrm>
+          <a:prstGeom prst="rect">
+            <a:avLst/>
+          </a:prstGeom>
+          <a:noFill/>
+        </p:spPr>
+        <p:txBody>
+          <a:bodyPr wrap="square" rtlCol="0">
+            <a:spAutoFit/>
+          </a:bodyPr>
+          <a:lstStyle/>
+          <a:p>
+            <a:r>
+              <a:rPr lang="en-US" dirty="0" smtClean="0"/>
+              <a:t>Slave 1</a:t>
+            </a:r>
+            <a:endParaRPr lang="en-SG" dirty="0"/>
+          </a:p>
+        </p:txBody>
+      </p:sp>
+      <p:sp>
+        <p:nvSpPr>
+          <p:cNvPr id="24" name="TextBox 23"/>
+          <p:cNvSpPr txBox="1"/>
+          <p:nvPr/>
+        </p:nvSpPr>
+        <p:spPr>
+          <a:xfrm>
+            <a:off x="7126673" y="3424578"/>
+            <a:ext cx="553998" cy="704310"/>
+          </a:xfrm>
+          <a:prstGeom prst="rect">
+            <a:avLst/>
+          </a:prstGeom>
+          <a:noFill/>
+        </p:spPr>
+        <p:txBody>
+          <a:bodyPr vert="eaVert" wrap="square" rtlCol="0">
+            <a:spAutoFit/>
+          </a:bodyPr>
+          <a:lstStyle/>
+          <a:p>
+            <a:r>
+              <a:rPr lang="en-US" sz="2400" b="1" dirty="0" smtClean="0"/>
+              <a:t>…</a:t>
+            </a:r>
+            <a:endParaRPr lang="en-SG" sz="2400" b="1" dirty="0"/>
+          </a:p>
+        </p:txBody>
+      </p:sp>
+    </p:spTree>
+    <p:extLst>
+      <p:ext uri="{BB962C8B-B14F-4D97-AF65-F5344CB8AC3E}">
+        <p14:creationId xmlns:p14="http://schemas.microsoft.com/office/powerpoint/2010/main" val="1248654220"/>
+      </p:ext>
+    </p:extLst>
+  </p:cSld>
+  <p:clrMapOvr>
+    <a:masterClrMapping/>
+  </p:clrMapOvr>
+  <mc:AlternateContent xmlns:mc="http://schemas.openxmlformats.org/markup-compatibility/2006">
+    <mc:Choice xmlns:p14="http://schemas.microsoft.com/office/powerpoint/2010/main" Requires="p14">
+      <p:transition spd="slow" p14:dur="2000"/>
+    </mc:Choice>
+    <mc:Fallback>
+      <p:transition spd="slow"/>
+    </mc:Fallback>
+  </mc:AlternateContent>
+  <p:timing>
+    <p:tnLst>
+      <p:par>
+        <p:cTn id="1" dur="indefinite" restart="never" nodeType="tmRoot"/>
+      </p:par>
+    </p:tnLst>
+  </p:timing>
+</p:sld>
+</file>
+
+<file path=ppt/slides/slide5.xml><?xml version="1.0" encoding="utf-8"?>
 <p:sld xmlns:a="http://schemas.openxmlformats.org/drawingml/2006/main" xmlns:r="http://schemas.openxmlformats.org/officeDocument/2006/relationships" xmlns:p="http://schemas.openxmlformats.org/presentationml/2006/main">
   <p:cSld>
     <p:spTree>
@@ -15939,6 +17852,9 @@
         </p:txBody>
       </p:sp>
     </p:spTree>
+    <p:custDataLst>
+      <p:tags r:id="rId1"/>
+    </p:custDataLst>
     <p:extLst>
       <p:ext uri="{BB962C8B-B14F-4D97-AF65-F5344CB8AC3E}">
         <p14:creationId xmlns:p14="http://schemas.microsoft.com/office/powerpoint/2010/main" val="1130630435"/>
@@ -15948,6 +17864,14 @@
   <p:clrMapOvr>
     <a:masterClrMapping/>
   </p:clrMapOvr>
+  <mc:AlternateContent xmlns:mc="http://schemas.openxmlformats.org/markup-compatibility/2006">
+    <mc:Choice xmlns:p14="http://schemas.microsoft.com/office/powerpoint/2010/main" Requires="p14">
+      <p:transition spd="slow" p14:dur="2000"/>
+    </mc:Choice>
+    <mc:Fallback>
+      <p:transition spd="slow"/>
+    </mc:Fallback>
+  </mc:AlternateContent>
   <p:timing>
     <p:tnLst>
       <p:par>
@@ -16161,754 +18085,6 @@
 </p:sld>
 </file>
 
-<file path=ppt/slides/slide5.xml><?xml version="1.0" encoding="utf-8"?>
-<p:sld xmlns:a="http://schemas.openxmlformats.org/drawingml/2006/main" xmlns:r="http://schemas.openxmlformats.org/officeDocument/2006/relationships" xmlns:p="http://schemas.openxmlformats.org/presentationml/2006/main">
-  <p:cSld>
-    <p:spTree>
-      <p:nvGrpSpPr>
-        <p:cNvPr id="1" name=""/>
-        <p:cNvGrpSpPr/>
-        <p:nvPr/>
-      </p:nvGrpSpPr>
-      <p:grpSpPr>
-        <a:xfrm>
-          <a:off x="0" y="0"/>
-          <a:ext cx="0" cy="0"/>
-          <a:chOff x="0" y="0"/>
-          <a:chExt cx="0" cy="0"/>
-        </a:xfrm>
-      </p:grpSpPr>
-      <p:sp>
-        <p:nvSpPr>
-          <p:cNvPr id="2" name="Title 1"/>
-          <p:cNvSpPr>
-            <a:spLocks noGrp="1"/>
-          </p:cNvSpPr>
-          <p:nvPr>
-            <p:ph type="title"/>
-          </p:nvPr>
-        </p:nvSpPr>
-        <p:spPr/>
-        <p:txBody>
-          <a:bodyPr/>
-          <a:lstStyle/>
-          <a:p>
-            <a:r>
-              <a:rPr lang="en-US" dirty="0" smtClean="0"/>
-              <a:t>Write Operation</a:t>
-            </a:r>
-            <a:endParaRPr lang="en-SG" dirty="0"/>
-          </a:p>
-        </p:txBody>
-      </p:sp>
-      <p:sp>
-        <p:nvSpPr>
-          <p:cNvPr id="6" name="Rounded Rectangle 5"/>
-          <p:cNvSpPr/>
-          <p:nvPr/>
-        </p:nvSpPr>
-        <p:spPr>
-          <a:xfrm>
-            <a:off x="1356072" y="3371310"/>
-            <a:ext cx="1066800" cy="533400"/>
-          </a:xfrm>
-          <a:prstGeom prst="roundRect">
-            <a:avLst/>
-          </a:prstGeom>
-          <a:noFill/>
-        </p:spPr>
-        <p:style>
-          <a:lnRef idx="2">
-            <a:schemeClr val="accent1">
-              <a:shade val="50000"/>
-            </a:schemeClr>
-          </a:lnRef>
-          <a:fillRef idx="1">
-            <a:schemeClr val="accent1"/>
-          </a:fillRef>
-          <a:effectRef idx="0">
-            <a:schemeClr val="accent1"/>
-          </a:effectRef>
-          <a:fontRef idx="minor">
-            <a:schemeClr val="lt1"/>
-          </a:fontRef>
-        </p:style>
-        <p:txBody>
-          <a:bodyPr rtlCol="0" anchor="ctr"/>
-          <a:lstStyle/>
-          <a:p>
-            <a:pPr algn="ctr"/>
-            <a:endParaRPr lang="en-SG"/>
-          </a:p>
-        </p:txBody>
-      </p:sp>
-      <p:sp>
-        <p:nvSpPr>
-          <p:cNvPr id="7" name="TextBox 6"/>
-          <p:cNvSpPr txBox="1"/>
-          <p:nvPr/>
-        </p:nvSpPr>
-        <p:spPr>
-          <a:xfrm>
-            <a:off x="1531404" y="3447510"/>
-            <a:ext cx="838200" cy="369332"/>
-          </a:xfrm>
-          <a:prstGeom prst="rect">
-            <a:avLst/>
-          </a:prstGeom>
-          <a:noFill/>
-        </p:spPr>
-        <p:txBody>
-          <a:bodyPr wrap="square" rtlCol="0">
-            <a:spAutoFit/>
-          </a:bodyPr>
-          <a:lstStyle/>
-          <a:p>
-            <a:r>
-              <a:rPr lang="en-US" dirty="0" smtClean="0"/>
-              <a:t>Client</a:t>
-            </a:r>
-            <a:endParaRPr lang="en-SG" dirty="0"/>
-          </a:p>
-        </p:txBody>
-      </p:sp>
-      <p:sp>
-        <p:nvSpPr>
-          <p:cNvPr id="8" name="Rounded Rectangle 7"/>
-          <p:cNvSpPr/>
-          <p:nvPr/>
-        </p:nvSpPr>
-        <p:spPr>
-          <a:xfrm>
-            <a:off x="4937472" y="3371310"/>
-            <a:ext cx="1066800" cy="533400"/>
-          </a:xfrm>
-          <a:prstGeom prst="roundRect">
-            <a:avLst/>
-          </a:prstGeom>
-          <a:noFill/>
-        </p:spPr>
-        <p:style>
-          <a:lnRef idx="2">
-            <a:schemeClr val="accent1">
-              <a:shade val="50000"/>
-            </a:schemeClr>
-          </a:lnRef>
-          <a:fillRef idx="1">
-            <a:schemeClr val="accent1"/>
-          </a:fillRef>
-          <a:effectRef idx="0">
-            <a:schemeClr val="accent1"/>
-          </a:effectRef>
-          <a:fontRef idx="minor">
-            <a:schemeClr val="lt1"/>
-          </a:fontRef>
-        </p:style>
-        <p:txBody>
-          <a:bodyPr rtlCol="0" anchor="ctr"/>
-          <a:lstStyle/>
-          <a:p>
-            <a:pPr algn="ctr"/>
-            <a:endParaRPr lang="en-SG"/>
-          </a:p>
-        </p:txBody>
-      </p:sp>
-      <p:sp>
-        <p:nvSpPr>
-          <p:cNvPr id="9" name="TextBox 8"/>
-          <p:cNvSpPr txBox="1"/>
-          <p:nvPr/>
-        </p:nvSpPr>
-        <p:spPr>
-          <a:xfrm>
-            <a:off x="5089872" y="3447510"/>
-            <a:ext cx="838200" cy="369332"/>
-          </a:xfrm>
-          <a:prstGeom prst="rect">
-            <a:avLst/>
-          </a:prstGeom>
-          <a:noFill/>
-        </p:spPr>
-        <p:txBody>
-          <a:bodyPr wrap="square" rtlCol="0">
-            <a:spAutoFit/>
-          </a:bodyPr>
-          <a:lstStyle/>
-          <a:p>
-            <a:r>
-              <a:rPr lang="en-US" dirty="0" smtClean="0"/>
-              <a:t>Master</a:t>
-            </a:r>
-            <a:endParaRPr lang="en-SG" dirty="0"/>
-          </a:p>
-        </p:txBody>
-      </p:sp>
-      <p:sp>
-        <p:nvSpPr>
-          <p:cNvPr id="10" name="Oval 9"/>
-          <p:cNvSpPr/>
-          <p:nvPr/>
-        </p:nvSpPr>
-        <p:spPr>
-          <a:xfrm>
-            <a:off x="5547072" y="1774979"/>
-            <a:ext cx="914400" cy="533400"/>
-          </a:xfrm>
-          <a:prstGeom prst="ellipse">
-            <a:avLst/>
-          </a:prstGeom>
-          <a:noFill/>
-        </p:spPr>
-        <p:style>
-          <a:lnRef idx="2">
-            <a:schemeClr val="accent1">
-              <a:shade val="50000"/>
-            </a:schemeClr>
-          </a:lnRef>
-          <a:fillRef idx="1">
-            <a:schemeClr val="accent1"/>
-          </a:fillRef>
-          <a:effectRef idx="0">
-            <a:schemeClr val="accent1"/>
-          </a:effectRef>
-          <a:fontRef idx="minor">
-            <a:schemeClr val="lt1"/>
-          </a:fontRef>
-        </p:style>
-        <p:txBody>
-          <a:bodyPr rtlCol="0" anchor="ctr"/>
-          <a:lstStyle/>
-          <a:p>
-            <a:pPr algn="ctr"/>
-            <a:endParaRPr lang="en-SG"/>
-          </a:p>
-        </p:txBody>
-      </p:sp>
-      <p:sp>
-        <p:nvSpPr>
-          <p:cNvPr id="11" name="TextBox 10"/>
-          <p:cNvSpPr txBox="1"/>
-          <p:nvPr/>
-        </p:nvSpPr>
-        <p:spPr>
-          <a:xfrm>
-            <a:off x="5638800" y="1851179"/>
-            <a:ext cx="838200" cy="369332"/>
-          </a:xfrm>
-          <a:prstGeom prst="rect">
-            <a:avLst/>
-          </a:prstGeom>
-          <a:noFill/>
-        </p:spPr>
-        <p:txBody>
-          <a:bodyPr wrap="square" rtlCol="0">
-            <a:spAutoFit/>
-          </a:bodyPr>
-          <a:lstStyle/>
-          <a:p>
-            <a:r>
-              <a:rPr lang="en-US" dirty="0" smtClean="0"/>
-              <a:t>Slave 2</a:t>
-            </a:r>
-            <a:endParaRPr lang="en-SG" dirty="0"/>
-          </a:p>
-        </p:txBody>
-      </p:sp>
-      <p:sp>
-        <p:nvSpPr>
-          <p:cNvPr id="12" name="Oval 11"/>
-          <p:cNvSpPr/>
-          <p:nvPr/>
-        </p:nvSpPr>
-        <p:spPr>
-          <a:xfrm>
-            <a:off x="6766272" y="2369042"/>
-            <a:ext cx="914400" cy="533400"/>
-          </a:xfrm>
-          <a:prstGeom prst="ellipse">
-            <a:avLst/>
-          </a:prstGeom>
-          <a:noFill/>
-        </p:spPr>
-        <p:style>
-          <a:lnRef idx="2">
-            <a:schemeClr val="accent1">
-              <a:shade val="50000"/>
-            </a:schemeClr>
-          </a:lnRef>
-          <a:fillRef idx="1">
-            <a:schemeClr val="accent1"/>
-          </a:fillRef>
-          <a:effectRef idx="0">
-            <a:schemeClr val="accent1"/>
-          </a:effectRef>
-          <a:fontRef idx="minor">
-            <a:schemeClr val="lt1"/>
-          </a:fontRef>
-        </p:style>
-        <p:txBody>
-          <a:bodyPr rtlCol="0" anchor="ctr"/>
-          <a:lstStyle/>
-          <a:p>
-            <a:pPr algn="ctr"/>
-            <a:endParaRPr lang="en-SG"/>
-          </a:p>
-        </p:txBody>
-      </p:sp>
-      <p:sp>
-        <p:nvSpPr>
-          <p:cNvPr id="13" name="TextBox 12"/>
-          <p:cNvSpPr txBox="1"/>
-          <p:nvPr/>
-        </p:nvSpPr>
-        <p:spPr>
-          <a:xfrm>
-            <a:off x="6858000" y="2445242"/>
-            <a:ext cx="838200" cy="369332"/>
-          </a:xfrm>
-          <a:prstGeom prst="rect">
-            <a:avLst/>
-          </a:prstGeom>
-          <a:noFill/>
-        </p:spPr>
-        <p:txBody>
-          <a:bodyPr wrap="square" rtlCol="0">
-            <a:spAutoFit/>
-          </a:bodyPr>
-          <a:lstStyle/>
-          <a:p>
-            <a:r>
-              <a:rPr lang="en-US" dirty="0" smtClean="0"/>
-              <a:t>Slave 3</a:t>
-            </a:r>
-            <a:endParaRPr lang="en-SG" dirty="0"/>
-          </a:p>
-        </p:txBody>
-      </p:sp>
-      <p:sp>
-        <p:nvSpPr>
-          <p:cNvPr id="14" name="Oval 13"/>
-          <p:cNvSpPr/>
-          <p:nvPr/>
-        </p:nvSpPr>
-        <p:spPr>
-          <a:xfrm>
-            <a:off x="6766272" y="4438110"/>
-            <a:ext cx="914400" cy="533400"/>
-          </a:xfrm>
-          <a:prstGeom prst="ellipse">
-            <a:avLst/>
-          </a:prstGeom>
-          <a:noFill/>
-        </p:spPr>
-        <p:style>
-          <a:lnRef idx="2">
-            <a:schemeClr val="accent1">
-              <a:shade val="50000"/>
-            </a:schemeClr>
-          </a:lnRef>
-          <a:fillRef idx="1">
-            <a:schemeClr val="accent1"/>
-          </a:fillRef>
-          <a:effectRef idx="0">
-            <a:schemeClr val="accent1"/>
-          </a:effectRef>
-          <a:fontRef idx="minor">
-            <a:schemeClr val="lt1"/>
-          </a:fontRef>
-        </p:style>
-        <p:txBody>
-          <a:bodyPr rtlCol="0" anchor="ctr"/>
-          <a:lstStyle/>
-          <a:p>
-            <a:pPr algn="ctr"/>
-            <a:endParaRPr lang="en-SG"/>
-          </a:p>
-        </p:txBody>
-      </p:sp>
-      <p:sp>
-        <p:nvSpPr>
-          <p:cNvPr id="15" name="TextBox 14"/>
-          <p:cNvSpPr txBox="1"/>
-          <p:nvPr/>
-        </p:nvSpPr>
-        <p:spPr>
-          <a:xfrm>
-            <a:off x="6858000" y="4514310"/>
-            <a:ext cx="838200" cy="369332"/>
-          </a:xfrm>
-          <a:prstGeom prst="rect">
-            <a:avLst/>
-          </a:prstGeom>
-          <a:noFill/>
-        </p:spPr>
-        <p:txBody>
-          <a:bodyPr wrap="square" rtlCol="0">
-            <a:spAutoFit/>
-          </a:bodyPr>
-          <a:lstStyle/>
-          <a:p>
-            <a:r>
-              <a:rPr lang="en-US" dirty="0" smtClean="0"/>
-              <a:t>Slave 8</a:t>
-            </a:r>
-            <a:endParaRPr lang="en-SG" dirty="0"/>
-          </a:p>
-        </p:txBody>
-      </p:sp>
-      <p:sp>
-        <p:nvSpPr>
-          <p:cNvPr id="16" name="Oval 15"/>
-          <p:cNvSpPr/>
-          <p:nvPr/>
-        </p:nvSpPr>
-        <p:spPr>
-          <a:xfrm>
-            <a:off x="5547072" y="5085810"/>
-            <a:ext cx="914400" cy="533400"/>
-          </a:xfrm>
-          <a:prstGeom prst="ellipse">
-            <a:avLst/>
-          </a:prstGeom>
-          <a:noFill/>
-        </p:spPr>
-        <p:style>
-          <a:lnRef idx="2">
-            <a:schemeClr val="accent1">
-              <a:shade val="50000"/>
-            </a:schemeClr>
-          </a:lnRef>
-          <a:fillRef idx="1">
-            <a:schemeClr val="accent1"/>
-          </a:fillRef>
-          <a:effectRef idx="0">
-            <a:schemeClr val="accent1"/>
-          </a:effectRef>
-          <a:fontRef idx="minor">
-            <a:schemeClr val="lt1"/>
-          </a:fontRef>
-        </p:style>
-        <p:txBody>
-          <a:bodyPr rtlCol="0" anchor="ctr"/>
-          <a:lstStyle/>
-          <a:p>
-            <a:pPr algn="ctr"/>
-            <a:endParaRPr lang="en-SG"/>
-          </a:p>
-        </p:txBody>
-      </p:sp>
-      <p:sp>
-        <p:nvSpPr>
-          <p:cNvPr id="17" name="TextBox 16"/>
-          <p:cNvSpPr txBox="1"/>
-          <p:nvPr/>
-        </p:nvSpPr>
-        <p:spPr>
-          <a:xfrm>
-            <a:off x="5638800" y="5162010"/>
-            <a:ext cx="838200" cy="369332"/>
-          </a:xfrm>
-          <a:prstGeom prst="rect">
-            <a:avLst/>
-          </a:prstGeom>
-          <a:noFill/>
-        </p:spPr>
-        <p:txBody>
-          <a:bodyPr wrap="square" rtlCol="0">
-            <a:spAutoFit/>
-          </a:bodyPr>
-          <a:lstStyle/>
-          <a:p>
-            <a:r>
-              <a:rPr lang="en-US" dirty="0" smtClean="0"/>
-              <a:t>Slave 9</a:t>
-            </a:r>
-            <a:endParaRPr lang="en-SG" dirty="0"/>
-          </a:p>
-        </p:txBody>
-      </p:sp>
-      <p:sp>
-        <p:nvSpPr>
-          <p:cNvPr id="18" name="Oval 17"/>
-          <p:cNvSpPr/>
-          <p:nvPr/>
-        </p:nvSpPr>
-        <p:spPr>
-          <a:xfrm>
-            <a:off x="4175472" y="5276310"/>
-            <a:ext cx="914400" cy="533400"/>
-          </a:xfrm>
-          <a:prstGeom prst="ellipse">
-            <a:avLst/>
-          </a:prstGeom>
-          <a:noFill/>
-        </p:spPr>
-        <p:style>
-          <a:lnRef idx="2">
-            <a:schemeClr val="accent1">
-              <a:shade val="50000"/>
-            </a:schemeClr>
-          </a:lnRef>
-          <a:fillRef idx="1">
-            <a:schemeClr val="accent1"/>
-          </a:fillRef>
-          <a:effectRef idx="0">
-            <a:schemeClr val="accent1"/>
-          </a:effectRef>
-          <a:fontRef idx="minor">
-            <a:schemeClr val="lt1"/>
-          </a:fontRef>
-        </p:style>
-        <p:txBody>
-          <a:bodyPr rtlCol="0" anchor="ctr"/>
-          <a:lstStyle/>
-          <a:p>
-            <a:pPr algn="ctr"/>
-            <a:endParaRPr lang="en-SG"/>
-          </a:p>
-        </p:txBody>
-      </p:sp>
-      <p:sp>
-        <p:nvSpPr>
-          <p:cNvPr id="19" name="TextBox 18"/>
-          <p:cNvSpPr txBox="1"/>
-          <p:nvPr/>
-        </p:nvSpPr>
-        <p:spPr>
-          <a:xfrm>
-            <a:off x="4184350" y="5352510"/>
-            <a:ext cx="929928" cy="369332"/>
-          </a:xfrm>
-          <a:prstGeom prst="rect">
-            <a:avLst/>
-          </a:prstGeom>
-          <a:noFill/>
-        </p:spPr>
-        <p:txBody>
-          <a:bodyPr wrap="square" rtlCol="0">
-            <a:spAutoFit/>
-          </a:bodyPr>
-          <a:lstStyle/>
-          <a:p>
-            <a:r>
-              <a:rPr lang="en-US" dirty="0" smtClean="0"/>
-              <a:t>Slave 10</a:t>
-            </a:r>
-            <a:endParaRPr lang="en-SG" dirty="0"/>
-          </a:p>
-        </p:txBody>
-      </p:sp>
-      <p:sp>
-        <p:nvSpPr>
-          <p:cNvPr id="22" name="Oval 21"/>
-          <p:cNvSpPr/>
-          <p:nvPr/>
-        </p:nvSpPr>
-        <p:spPr>
-          <a:xfrm>
-            <a:off x="4169183" y="1402690"/>
-            <a:ext cx="914400" cy="533400"/>
-          </a:xfrm>
-          <a:prstGeom prst="ellipse">
-            <a:avLst/>
-          </a:prstGeom>
-          <a:noFill/>
-        </p:spPr>
-        <p:style>
-          <a:lnRef idx="2">
-            <a:schemeClr val="accent1">
-              <a:shade val="50000"/>
-            </a:schemeClr>
-          </a:lnRef>
-          <a:fillRef idx="1">
-            <a:schemeClr val="accent1"/>
-          </a:fillRef>
-          <a:effectRef idx="0">
-            <a:schemeClr val="accent1"/>
-          </a:effectRef>
-          <a:fontRef idx="minor">
-            <a:schemeClr val="lt1"/>
-          </a:fontRef>
-        </p:style>
-        <p:txBody>
-          <a:bodyPr rtlCol="0" anchor="ctr"/>
-          <a:lstStyle/>
-          <a:p>
-            <a:pPr algn="ctr"/>
-            <a:endParaRPr lang="en-SG"/>
-          </a:p>
-        </p:txBody>
-      </p:sp>
-      <p:sp>
-        <p:nvSpPr>
-          <p:cNvPr id="23" name="TextBox 22"/>
-          <p:cNvSpPr txBox="1"/>
-          <p:nvPr/>
-        </p:nvSpPr>
-        <p:spPr>
-          <a:xfrm>
-            <a:off x="4260911" y="1478890"/>
-            <a:ext cx="838200" cy="369332"/>
-          </a:xfrm>
-          <a:prstGeom prst="rect">
-            <a:avLst/>
-          </a:prstGeom>
-          <a:noFill/>
-        </p:spPr>
-        <p:txBody>
-          <a:bodyPr wrap="square" rtlCol="0">
-            <a:spAutoFit/>
-          </a:bodyPr>
-          <a:lstStyle/>
-          <a:p>
-            <a:r>
-              <a:rPr lang="en-US" dirty="0" smtClean="0"/>
-              <a:t>Slave 1</a:t>
-            </a:r>
-            <a:endParaRPr lang="en-SG" dirty="0"/>
-          </a:p>
-        </p:txBody>
-      </p:sp>
-      <p:sp>
-        <p:nvSpPr>
-          <p:cNvPr id="24" name="TextBox 23"/>
-          <p:cNvSpPr txBox="1"/>
-          <p:nvPr/>
-        </p:nvSpPr>
-        <p:spPr>
-          <a:xfrm>
-            <a:off x="7126673" y="3424578"/>
-            <a:ext cx="553998" cy="704310"/>
-          </a:xfrm>
-          <a:prstGeom prst="rect">
-            <a:avLst/>
-          </a:prstGeom>
-          <a:noFill/>
-        </p:spPr>
-        <p:txBody>
-          <a:bodyPr vert="eaVert" wrap="square" rtlCol="0">
-            <a:spAutoFit/>
-          </a:bodyPr>
-          <a:lstStyle/>
-          <a:p>
-            <a:r>
-              <a:rPr lang="en-US" sz="2400" b="1" dirty="0" smtClean="0"/>
-              <a:t>…</a:t>
-            </a:r>
-            <a:endParaRPr lang="en-SG" sz="2400" b="1" dirty="0"/>
-          </a:p>
-        </p:txBody>
-      </p:sp>
-      <p:cxnSp>
-        <p:nvCxnSpPr>
-          <p:cNvPr id="4" name="Straight Arrow Connector 3"/>
-          <p:cNvCxnSpPr>
-            <a:stCxn id="8" idx="1"/>
-            <a:endCxn id="6" idx="3"/>
-          </p:cNvCxnSpPr>
-          <p:nvPr/>
-        </p:nvCxnSpPr>
-        <p:spPr>
-          <a:xfrm flipH="1">
-            <a:off x="2422872" y="3638010"/>
-            <a:ext cx="2514600" cy="0"/>
-          </a:xfrm>
-          <a:prstGeom prst="straightConnector1">
-            <a:avLst/>
-          </a:prstGeom>
-          <a:ln w="28575">
-            <a:prstDash val="sysDot"/>
-            <a:headEnd type="none" w="med" len="med"/>
-            <a:tailEnd type="triangle" w="med" len="med"/>
-          </a:ln>
-        </p:spPr>
-        <p:style>
-          <a:lnRef idx="1">
-            <a:schemeClr val="accent1"/>
-          </a:lnRef>
-          <a:fillRef idx="0">
-            <a:schemeClr val="accent1"/>
-          </a:fillRef>
-          <a:effectRef idx="0">
-            <a:schemeClr val="accent1"/>
-          </a:effectRef>
-          <a:fontRef idx="minor">
-            <a:schemeClr val="tx1"/>
-          </a:fontRef>
-        </p:style>
-      </p:cxnSp>
-      <p:sp>
-        <p:nvSpPr>
-          <p:cNvPr id="5" name="TextBox 4"/>
-          <p:cNvSpPr txBox="1"/>
-          <p:nvPr/>
-        </p:nvSpPr>
-        <p:spPr>
-          <a:xfrm>
-            <a:off x="2476500" y="2981793"/>
-            <a:ext cx="2613372" cy="1200329"/>
-          </a:xfrm>
-          <a:prstGeom prst="rect">
-            <a:avLst/>
-          </a:prstGeom>
-          <a:noFill/>
-        </p:spPr>
-        <p:txBody>
-          <a:bodyPr wrap="square" rtlCol="0">
-            <a:spAutoFit/>
-          </a:bodyPr>
-          <a:lstStyle/>
-          <a:p>
-            <a:pPr algn="ctr"/>
-            <a:r>
-              <a:rPr lang="en-US" dirty="0" smtClean="0"/>
-              <a:t>&lt;O1, Slave 1&gt;</a:t>
-            </a:r>
-          </a:p>
-          <a:p>
-            <a:pPr algn="ctr"/>
-            <a:r>
-              <a:rPr lang="en-US" dirty="0" smtClean="0"/>
-              <a:t>&lt;O2, Slave 10&gt;</a:t>
-            </a:r>
-          </a:p>
-          <a:p>
-            <a:pPr algn="ctr"/>
-            <a:r>
-              <a:rPr lang="en-US" dirty="0" smtClean="0"/>
-              <a:t>…</a:t>
-            </a:r>
-          </a:p>
-          <a:p>
-            <a:pPr algn="ctr"/>
-            <a:r>
-              <a:rPr lang="en-US" dirty="0" smtClean="0"/>
-              <a:t>&lt;O1O2O3O4, Slave2&gt;</a:t>
-            </a:r>
-            <a:endParaRPr lang="en-SG" dirty="0"/>
-          </a:p>
-        </p:txBody>
-      </p:sp>
-    </p:spTree>
-    <p:extLst>
-      <p:ext uri="{BB962C8B-B14F-4D97-AF65-F5344CB8AC3E}">
-        <p14:creationId xmlns:p14="http://schemas.microsoft.com/office/powerpoint/2010/main" val="1758931008"/>
-      </p:ext>
-    </p:extLst>
-  </p:cSld>
-  <p:clrMapOvr>
-    <a:masterClrMapping/>
-  </p:clrMapOvr>
-  <p:timing>
-    <p:tnLst>
-      <p:par>
-        <p:cTn id="1" dur="indefinite" restart="never" nodeType="tmRoot"/>
-      </p:par>
-    </p:tnLst>
-  </p:timing>
-</p:sld>
-</file>
-
 <file path=ppt/slides/slide6.xml><?xml version="1.0" encoding="utf-8"?>
 <p:sld xmlns:a="http://schemas.openxmlformats.org/drawingml/2006/main" xmlns:r="http://schemas.openxmlformats.org/officeDocument/2006/relationships" xmlns:p="http://schemas.openxmlformats.org/presentationml/2006/main">
   <p:cSld>
@@ -17547,16 +18723,54 @@
           </a:p>
         </p:txBody>
       </p:sp>
-      <p:sp>
-        <p:nvSpPr>
-          <p:cNvPr id="26" name="TextBox 25"/>
+      <p:cxnSp>
+        <p:nvCxnSpPr>
+          <p:cNvPr id="4" name="Straight Arrow Connector 3"/>
+          <p:cNvCxnSpPr>
+            <a:stCxn id="8" idx="1"/>
+            <a:endCxn id="6" idx="3"/>
+          </p:cNvCxnSpPr>
+          <p:nvPr/>
+        </p:nvCxnSpPr>
+        <p:spPr>
+          <a:xfrm flipH="1">
+            <a:off x="2422872" y="3638010"/>
+            <a:ext cx="2514600" cy="0"/>
+          </a:xfrm>
+          <a:prstGeom prst="straightConnector1">
+            <a:avLst/>
+          </a:prstGeom>
+          <a:ln w="28575">
+            <a:prstDash val="sysDot"/>
+            <a:headEnd type="none" w="med" len="med"/>
+            <a:tailEnd type="triangle" w="med" len="med"/>
+          </a:ln>
+        </p:spPr>
+        <p:style>
+          <a:lnRef idx="1">
+            <a:schemeClr val="accent1"/>
+          </a:lnRef>
+          <a:fillRef idx="0">
+            <a:schemeClr val="accent1"/>
+          </a:fillRef>
+          <a:effectRef idx="0">
+            <a:schemeClr val="accent1"/>
+          </a:effectRef>
+          <a:fontRef idx="minor">
+            <a:schemeClr val="tx1"/>
+          </a:fontRef>
+        </p:style>
+      </p:cxnSp>
+      <p:sp>
+        <p:nvSpPr>
+          <p:cNvPr id="5" name="TextBox 4"/>
           <p:cNvSpPr txBox="1"/>
           <p:nvPr/>
         </p:nvSpPr>
         <p:spPr>
           <a:xfrm>
-            <a:off x="1576908" y="4349330"/>
-            <a:ext cx="838200" cy="369332"/>
+            <a:off x="2476500" y="2981793"/>
+            <a:ext cx="2613372" cy="1200329"/>
           </a:xfrm>
           <a:prstGeom prst="rect">
             <a:avLst/>
@@ -17569,65 +18783,54 @@
           </a:bodyPr>
           <a:lstStyle/>
           <a:p>
+            <a:pPr algn="ctr"/>
             <a:r>
               <a:rPr lang="en-US" dirty="0" smtClean="0"/>
-              <a:t>a.jpg</a:t>
+              <a:t>&lt;O1, Slave 1&gt;</a:t>
+            </a:r>
+          </a:p>
+          <a:p>
+            <a:pPr algn="ctr"/>
+            <a:r>
+              <a:rPr lang="en-US" dirty="0" smtClean="0"/>
+              <a:t>&lt;O2, Slave 10&gt;</a:t>
+            </a:r>
+          </a:p>
+          <a:p>
+            <a:pPr algn="ctr"/>
+            <a:r>
+              <a:rPr lang="en-US" dirty="0" smtClean="0"/>
+              <a:t>…</a:t>
+            </a:r>
+          </a:p>
+          <a:p>
+            <a:pPr algn="ctr"/>
+            <a:r>
+              <a:rPr lang="en-US" dirty="0" smtClean="0"/>
+              <a:t>&lt;O1O2O3O4, Slave2&gt;</a:t>
             </a:r>
             <a:endParaRPr lang="en-SG" dirty="0"/>
-          </a:p>
-        </p:txBody>
-      </p:sp>
-      <p:sp>
-        <p:nvSpPr>
-          <p:cNvPr id="3" name="Can 2"/>
-          <p:cNvSpPr/>
-          <p:nvPr/>
-        </p:nvSpPr>
-        <p:spPr>
-          <a:xfrm>
-            <a:off x="1584672" y="4163006"/>
-            <a:ext cx="609600" cy="693818"/>
-          </a:xfrm>
-          <a:prstGeom prst="can">
-            <a:avLst/>
-          </a:prstGeom>
-          <a:noFill/>
-        </p:spPr>
-        <p:style>
-          <a:lnRef idx="2">
-            <a:schemeClr val="accent1">
-              <a:shade val="50000"/>
-            </a:schemeClr>
-          </a:lnRef>
-          <a:fillRef idx="1">
-            <a:schemeClr val="accent1"/>
-          </a:fillRef>
-          <a:effectRef idx="0">
-            <a:schemeClr val="accent1"/>
-          </a:effectRef>
-          <a:fontRef idx="minor">
-            <a:schemeClr val="lt1"/>
-          </a:fontRef>
-        </p:style>
-        <p:txBody>
-          <a:bodyPr rtlCol="0" anchor="ctr"/>
-          <a:lstStyle/>
-          <a:p>
-            <a:pPr algn="ctr"/>
-            <a:endParaRPr lang="en-SG"/>
           </a:p>
         </p:txBody>
       </p:sp>
     </p:spTree>
     <p:extLst>
       <p:ext uri="{BB962C8B-B14F-4D97-AF65-F5344CB8AC3E}">
-        <p14:creationId xmlns:p14="http://schemas.microsoft.com/office/powerpoint/2010/main" val="3838676745"/>
+        <p14:creationId xmlns:p14="http://schemas.microsoft.com/office/powerpoint/2010/main" val="1758931008"/>
       </p:ext>
     </p:extLst>
   </p:cSld>
   <p:clrMapOvr>
     <a:masterClrMapping/>
   </p:clrMapOvr>
+  <mc:AlternateContent xmlns:mc="http://schemas.openxmlformats.org/markup-compatibility/2006">
+    <mc:Choice xmlns:p14="http://schemas.microsoft.com/office/powerpoint/2010/main" Requires="p14">
+      <p:transition spd="slow" p14:dur="2000"/>
+    </mc:Choice>
+    <mc:Fallback>
+      <p:transition spd="slow"/>
+    </mc:Fallback>
+  </mc:AlternateContent>
   <p:timing>
     <p:tnLst>
       <p:par>
@@ -17639,6 +18842,743 @@
 </file>
 
 <file path=ppt/slides/slide7.xml><?xml version="1.0" encoding="utf-8"?>
+<p:sld xmlns:a="http://schemas.openxmlformats.org/drawingml/2006/main" xmlns:r="http://schemas.openxmlformats.org/officeDocument/2006/relationships" xmlns:p="http://schemas.openxmlformats.org/presentationml/2006/main">
+  <p:cSld>
+    <p:spTree>
+      <p:nvGrpSpPr>
+        <p:cNvPr id="1" name=""/>
+        <p:cNvGrpSpPr/>
+        <p:nvPr/>
+      </p:nvGrpSpPr>
+      <p:grpSpPr>
+        <a:xfrm>
+          <a:off x="0" y="0"/>
+          <a:ext cx="0" cy="0"/>
+          <a:chOff x="0" y="0"/>
+          <a:chExt cx="0" cy="0"/>
+        </a:xfrm>
+      </p:grpSpPr>
+      <p:sp>
+        <p:nvSpPr>
+          <p:cNvPr id="2" name="Title 1"/>
+          <p:cNvSpPr>
+            <a:spLocks noGrp="1"/>
+          </p:cNvSpPr>
+          <p:nvPr>
+            <p:ph type="title"/>
+          </p:nvPr>
+        </p:nvSpPr>
+        <p:spPr/>
+        <p:txBody>
+          <a:bodyPr/>
+          <a:lstStyle/>
+          <a:p>
+            <a:r>
+              <a:rPr lang="en-US" dirty="0" smtClean="0"/>
+              <a:t>Write Operation</a:t>
+            </a:r>
+            <a:endParaRPr lang="en-SG" dirty="0"/>
+          </a:p>
+        </p:txBody>
+      </p:sp>
+      <p:sp>
+        <p:nvSpPr>
+          <p:cNvPr id="6" name="Rounded Rectangle 5"/>
+          <p:cNvSpPr/>
+          <p:nvPr/>
+        </p:nvSpPr>
+        <p:spPr>
+          <a:xfrm>
+            <a:off x="1356072" y="3371310"/>
+            <a:ext cx="1066800" cy="533400"/>
+          </a:xfrm>
+          <a:prstGeom prst="roundRect">
+            <a:avLst/>
+          </a:prstGeom>
+          <a:noFill/>
+        </p:spPr>
+        <p:style>
+          <a:lnRef idx="2">
+            <a:schemeClr val="accent1">
+              <a:shade val="50000"/>
+            </a:schemeClr>
+          </a:lnRef>
+          <a:fillRef idx="1">
+            <a:schemeClr val="accent1"/>
+          </a:fillRef>
+          <a:effectRef idx="0">
+            <a:schemeClr val="accent1"/>
+          </a:effectRef>
+          <a:fontRef idx="minor">
+            <a:schemeClr val="lt1"/>
+          </a:fontRef>
+        </p:style>
+        <p:txBody>
+          <a:bodyPr rtlCol="0" anchor="ctr"/>
+          <a:lstStyle/>
+          <a:p>
+            <a:pPr algn="ctr"/>
+            <a:endParaRPr lang="en-SG"/>
+          </a:p>
+        </p:txBody>
+      </p:sp>
+      <p:sp>
+        <p:nvSpPr>
+          <p:cNvPr id="7" name="TextBox 6"/>
+          <p:cNvSpPr txBox="1"/>
+          <p:nvPr/>
+        </p:nvSpPr>
+        <p:spPr>
+          <a:xfrm>
+            <a:off x="1531404" y="3447510"/>
+            <a:ext cx="838200" cy="369332"/>
+          </a:xfrm>
+          <a:prstGeom prst="rect">
+            <a:avLst/>
+          </a:prstGeom>
+          <a:noFill/>
+        </p:spPr>
+        <p:txBody>
+          <a:bodyPr wrap="square" rtlCol="0">
+            <a:spAutoFit/>
+          </a:bodyPr>
+          <a:lstStyle/>
+          <a:p>
+            <a:r>
+              <a:rPr lang="en-US" dirty="0" smtClean="0"/>
+              <a:t>Client</a:t>
+            </a:r>
+            <a:endParaRPr lang="en-SG" dirty="0"/>
+          </a:p>
+        </p:txBody>
+      </p:sp>
+      <p:sp>
+        <p:nvSpPr>
+          <p:cNvPr id="8" name="Rounded Rectangle 7"/>
+          <p:cNvSpPr/>
+          <p:nvPr/>
+        </p:nvSpPr>
+        <p:spPr>
+          <a:xfrm>
+            <a:off x="4937472" y="3371310"/>
+            <a:ext cx="1066800" cy="533400"/>
+          </a:xfrm>
+          <a:prstGeom prst="roundRect">
+            <a:avLst/>
+          </a:prstGeom>
+          <a:noFill/>
+        </p:spPr>
+        <p:style>
+          <a:lnRef idx="2">
+            <a:schemeClr val="accent1">
+              <a:shade val="50000"/>
+            </a:schemeClr>
+          </a:lnRef>
+          <a:fillRef idx="1">
+            <a:schemeClr val="accent1"/>
+          </a:fillRef>
+          <a:effectRef idx="0">
+            <a:schemeClr val="accent1"/>
+          </a:effectRef>
+          <a:fontRef idx="minor">
+            <a:schemeClr val="lt1"/>
+          </a:fontRef>
+        </p:style>
+        <p:txBody>
+          <a:bodyPr rtlCol="0" anchor="ctr"/>
+          <a:lstStyle/>
+          <a:p>
+            <a:pPr algn="ctr"/>
+            <a:endParaRPr lang="en-SG"/>
+          </a:p>
+        </p:txBody>
+      </p:sp>
+      <p:sp>
+        <p:nvSpPr>
+          <p:cNvPr id="9" name="TextBox 8"/>
+          <p:cNvSpPr txBox="1"/>
+          <p:nvPr/>
+        </p:nvSpPr>
+        <p:spPr>
+          <a:xfrm>
+            <a:off x="5089872" y="3447510"/>
+            <a:ext cx="838200" cy="369332"/>
+          </a:xfrm>
+          <a:prstGeom prst="rect">
+            <a:avLst/>
+          </a:prstGeom>
+          <a:noFill/>
+        </p:spPr>
+        <p:txBody>
+          <a:bodyPr wrap="square" rtlCol="0">
+            <a:spAutoFit/>
+          </a:bodyPr>
+          <a:lstStyle/>
+          <a:p>
+            <a:r>
+              <a:rPr lang="en-US" dirty="0" smtClean="0"/>
+              <a:t>Master</a:t>
+            </a:r>
+            <a:endParaRPr lang="en-SG" dirty="0"/>
+          </a:p>
+        </p:txBody>
+      </p:sp>
+      <p:sp>
+        <p:nvSpPr>
+          <p:cNvPr id="10" name="Oval 9"/>
+          <p:cNvSpPr/>
+          <p:nvPr/>
+        </p:nvSpPr>
+        <p:spPr>
+          <a:xfrm>
+            <a:off x="5547072" y="1774979"/>
+            <a:ext cx="914400" cy="533400"/>
+          </a:xfrm>
+          <a:prstGeom prst="ellipse">
+            <a:avLst/>
+          </a:prstGeom>
+          <a:noFill/>
+        </p:spPr>
+        <p:style>
+          <a:lnRef idx="2">
+            <a:schemeClr val="accent1">
+              <a:shade val="50000"/>
+            </a:schemeClr>
+          </a:lnRef>
+          <a:fillRef idx="1">
+            <a:schemeClr val="accent1"/>
+          </a:fillRef>
+          <a:effectRef idx="0">
+            <a:schemeClr val="accent1"/>
+          </a:effectRef>
+          <a:fontRef idx="minor">
+            <a:schemeClr val="lt1"/>
+          </a:fontRef>
+        </p:style>
+        <p:txBody>
+          <a:bodyPr rtlCol="0" anchor="ctr"/>
+          <a:lstStyle/>
+          <a:p>
+            <a:pPr algn="ctr"/>
+            <a:endParaRPr lang="en-SG"/>
+          </a:p>
+        </p:txBody>
+      </p:sp>
+      <p:sp>
+        <p:nvSpPr>
+          <p:cNvPr id="11" name="TextBox 10"/>
+          <p:cNvSpPr txBox="1"/>
+          <p:nvPr/>
+        </p:nvSpPr>
+        <p:spPr>
+          <a:xfrm>
+            <a:off x="5638800" y="1851179"/>
+            <a:ext cx="838200" cy="369332"/>
+          </a:xfrm>
+          <a:prstGeom prst="rect">
+            <a:avLst/>
+          </a:prstGeom>
+          <a:noFill/>
+        </p:spPr>
+        <p:txBody>
+          <a:bodyPr wrap="square" rtlCol="0">
+            <a:spAutoFit/>
+          </a:bodyPr>
+          <a:lstStyle/>
+          <a:p>
+            <a:r>
+              <a:rPr lang="en-US" dirty="0" smtClean="0"/>
+              <a:t>Slave 2</a:t>
+            </a:r>
+            <a:endParaRPr lang="en-SG" dirty="0"/>
+          </a:p>
+        </p:txBody>
+      </p:sp>
+      <p:sp>
+        <p:nvSpPr>
+          <p:cNvPr id="12" name="Oval 11"/>
+          <p:cNvSpPr/>
+          <p:nvPr/>
+        </p:nvSpPr>
+        <p:spPr>
+          <a:xfrm>
+            <a:off x="6766272" y="2369042"/>
+            <a:ext cx="914400" cy="533400"/>
+          </a:xfrm>
+          <a:prstGeom prst="ellipse">
+            <a:avLst/>
+          </a:prstGeom>
+          <a:noFill/>
+        </p:spPr>
+        <p:style>
+          <a:lnRef idx="2">
+            <a:schemeClr val="accent1">
+              <a:shade val="50000"/>
+            </a:schemeClr>
+          </a:lnRef>
+          <a:fillRef idx="1">
+            <a:schemeClr val="accent1"/>
+          </a:fillRef>
+          <a:effectRef idx="0">
+            <a:schemeClr val="accent1"/>
+          </a:effectRef>
+          <a:fontRef idx="minor">
+            <a:schemeClr val="lt1"/>
+          </a:fontRef>
+        </p:style>
+        <p:txBody>
+          <a:bodyPr rtlCol="0" anchor="ctr"/>
+          <a:lstStyle/>
+          <a:p>
+            <a:pPr algn="ctr"/>
+            <a:endParaRPr lang="en-SG"/>
+          </a:p>
+        </p:txBody>
+      </p:sp>
+      <p:sp>
+        <p:nvSpPr>
+          <p:cNvPr id="13" name="TextBox 12"/>
+          <p:cNvSpPr txBox="1"/>
+          <p:nvPr/>
+        </p:nvSpPr>
+        <p:spPr>
+          <a:xfrm>
+            <a:off x="6858000" y="2445242"/>
+            <a:ext cx="838200" cy="369332"/>
+          </a:xfrm>
+          <a:prstGeom prst="rect">
+            <a:avLst/>
+          </a:prstGeom>
+          <a:noFill/>
+        </p:spPr>
+        <p:txBody>
+          <a:bodyPr wrap="square" rtlCol="0">
+            <a:spAutoFit/>
+          </a:bodyPr>
+          <a:lstStyle/>
+          <a:p>
+            <a:r>
+              <a:rPr lang="en-US" dirty="0" smtClean="0"/>
+              <a:t>Slave 3</a:t>
+            </a:r>
+            <a:endParaRPr lang="en-SG" dirty="0"/>
+          </a:p>
+        </p:txBody>
+      </p:sp>
+      <p:sp>
+        <p:nvSpPr>
+          <p:cNvPr id="14" name="Oval 13"/>
+          <p:cNvSpPr/>
+          <p:nvPr/>
+        </p:nvSpPr>
+        <p:spPr>
+          <a:xfrm>
+            <a:off x="6766272" y="4438110"/>
+            <a:ext cx="914400" cy="533400"/>
+          </a:xfrm>
+          <a:prstGeom prst="ellipse">
+            <a:avLst/>
+          </a:prstGeom>
+          <a:noFill/>
+        </p:spPr>
+        <p:style>
+          <a:lnRef idx="2">
+            <a:schemeClr val="accent1">
+              <a:shade val="50000"/>
+            </a:schemeClr>
+          </a:lnRef>
+          <a:fillRef idx="1">
+            <a:schemeClr val="accent1"/>
+          </a:fillRef>
+          <a:effectRef idx="0">
+            <a:schemeClr val="accent1"/>
+          </a:effectRef>
+          <a:fontRef idx="minor">
+            <a:schemeClr val="lt1"/>
+          </a:fontRef>
+        </p:style>
+        <p:txBody>
+          <a:bodyPr rtlCol="0" anchor="ctr"/>
+          <a:lstStyle/>
+          <a:p>
+            <a:pPr algn="ctr"/>
+            <a:endParaRPr lang="en-SG"/>
+          </a:p>
+        </p:txBody>
+      </p:sp>
+      <p:sp>
+        <p:nvSpPr>
+          <p:cNvPr id="15" name="TextBox 14"/>
+          <p:cNvSpPr txBox="1"/>
+          <p:nvPr/>
+        </p:nvSpPr>
+        <p:spPr>
+          <a:xfrm>
+            <a:off x="6858000" y="4514310"/>
+            <a:ext cx="838200" cy="369332"/>
+          </a:xfrm>
+          <a:prstGeom prst="rect">
+            <a:avLst/>
+          </a:prstGeom>
+          <a:noFill/>
+        </p:spPr>
+        <p:txBody>
+          <a:bodyPr wrap="square" rtlCol="0">
+            <a:spAutoFit/>
+          </a:bodyPr>
+          <a:lstStyle/>
+          <a:p>
+            <a:r>
+              <a:rPr lang="en-US" dirty="0" smtClean="0"/>
+              <a:t>Slave 8</a:t>
+            </a:r>
+            <a:endParaRPr lang="en-SG" dirty="0"/>
+          </a:p>
+        </p:txBody>
+      </p:sp>
+      <p:sp>
+        <p:nvSpPr>
+          <p:cNvPr id="16" name="Oval 15"/>
+          <p:cNvSpPr/>
+          <p:nvPr/>
+        </p:nvSpPr>
+        <p:spPr>
+          <a:xfrm>
+            <a:off x="5547072" y="5085810"/>
+            <a:ext cx="914400" cy="533400"/>
+          </a:xfrm>
+          <a:prstGeom prst="ellipse">
+            <a:avLst/>
+          </a:prstGeom>
+          <a:noFill/>
+        </p:spPr>
+        <p:style>
+          <a:lnRef idx="2">
+            <a:schemeClr val="accent1">
+              <a:shade val="50000"/>
+            </a:schemeClr>
+          </a:lnRef>
+          <a:fillRef idx="1">
+            <a:schemeClr val="accent1"/>
+          </a:fillRef>
+          <a:effectRef idx="0">
+            <a:schemeClr val="accent1"/>
+          </a:effectRef>
+          <a:fontRef idx="minor">
+            <a:schemeClr val="lt1"/>
+          </a:fontRef>
+        </p:style>
+        <p:txBody>
+          <a:bodyPr rtlCol="0" anchor="ctr"/>
+          <a:lstStyle/>
+          <a:p>
+            <a:pPr algn="ctr"/>
+            <a:endParaRPr lang="en-SG"/>
+          </a:p>
+        </p:txBody>
+      </p:sp>
+      <p:sp>
+        <p:nvSpPr>
+          <p:cNvPr id="17" name="TextBox 16"/>
+          <p:cNvSpPr txBox="1"/>
+          <p:nvPr/>
+        </p:nvSpPr>
+        <p:spPr>
+          <a:xfrm>
+            <a:off x="5638800" y="5162010"/>
+            <a:ext cx="838200" cy="369332"/>
+          </a:xfrm>
+          <a:prstGeom prst="rect">
+            <a:avLst/>
+          </a:prstGeom>
+          <a:noFill/>
+        </p:spPr>
+        <p:txBody>
+          <a:bodyPr wrap="square" rtlCol="0">
+            <a:spAutoFit/>
+          </a:bodyPr>
+          <a:lstStyle/>
+          <a:p>
+            <a:r>
+              <a:rPr lang="en-US" dirty="0" smtClean="0"/>
+              <a:t>Slave 9</a:t>
+            </a:r>
+            <a:endParaRPr lang="en-SG" dirty="0"/>
+          </a:p>
+        </p:txBody>
+      </p:sp>
+      <p:sp>
+        <p:nvSpPr>
+          <p:cNvPr id="18" name="Oval 17"/>
+          <p:cNvSpPr/>
+          <p:nvPr/>
+        </p:nvSpPr>
+        <p:spPr>
+          <a:xfrm>
+            <a:off x="4175472" y="5276310"/>
+            <a:ext cx="914400" cy="533400"/>
+          </a:xfrm>
+          <a:prstGeom prst="ellipse">
+            <a:avLst/>
+          </a:prstGeom>
+          <a:noFill/>
+        </p:spPr>
+        <p:style>
+          <a:lnRef idx="2">
+            <a:schemeClr val="accent1">
+              <a:shade val="50000"/>
+            </a:schemeClr>
+          </a:lnRef>
+          <a:fillRef idx="1">
+            <a:schemeClr val="accent1"/>
+          </a:fillRef>
+          <a:effectRef idx="0">
+            <a:schemeClr val="accent1"/>
+          </a:effectRef>
+          <a:fontRef idx="minor">
+            <a:schemeClr val="lt1"/>
+          </a:fontRef>
+        </p:style>
+        <p:txBody>
+          <a:bodyPr rtlCol="0" anchor="ctr"/>
+          <a:lstStyle/>
+          <a:p>
+            <a:pPr algn="ctr"/>
+            <a:endParaRPr lang="en-SG"/>
+          </a:p>
+        </p:txBody>
+      </p:sp>
+      <p:sp>
+        <p:nvSpPr>
+          <p:cNvPr id="19" name="TextBox 18"/>
+          <p:cNvSpPr txBox="1"/>
+          <p:nvPr/>
+        </p:nvSpPr>
+        <p:spPr>
+          <a:xfrm>
+            <a:off x="4184350" y="5352510"/>
+            <a:ext cx="929928" cy="369332"/>
+          </a:xfrm>
+          <a:prstGeom prst="rect">
+            <a:avLst/>
+          </a:prstGeom>
+          <a:noFill/>
+        </p:spPr>
+        <p:txBody>
+          <a:bodyPr wrap="square" rtlCol="0">
+            <a:spAutoFit/>
+          </a:bodyPr>
+          <a:lstStyle/>
+          <a:p>
+            <a:r>
+              <a:rPr lang="en-US" dirty="0" smtClean="0"/>
+              <a:t>Slave 10</a:t>
+            </a:r>
+            <a:endParaRPr lang="en-SG" dirty="0"/>
+          </a:p>
+        </p:txBody>
+      </p:sp>
+      <p:sp>
+        <p:nvSpPr>
+          <p:cNvPr id="22" name="Oval 21"/>
+          <p:cNvSpPr/>
+          <p:nvPr/>
+        </p:nvSpPr>
+        <p:spPr>
+          <a:xfrm>
+            <a:off x="4169183" y="1402690"/>
+            <a:ext cx="914400" cy="533400"/>
+          </a:xfrm>
+          <a:prstGeom prst="ellipse">
+            <a:avLst/>
+          </a:prstGeom>
+          <a:noFill/>
+        </p:spPr>
+        <p:style>
+          <a:lnRef idx="2">
+            <a:schemeClr val="accent1">
+              <a:shade val="50000"/>
+            </a:schemeClr>
+          </a:lnRef>
+          <a:fillRef idx="1">
+            <a:schemeClr val="accent1"/>
+          </a:fillRef>
+          <a:effectRef idx="0">
+            <a:schemeClr val="accent1"/>
+          </a:effectRef>
+          <a:fontRef idx="minor">
+            <a:schemeClr val="lt1"/>
+          </a:fontRef>
+        </p:style>
+        <p:txBody>
+          <a:bodyPr rtlCol="0" anchor="ctr"/>
+          <a:lstStyle/>
+          <a:p>
+            <a:pPr algn="ctr"/>
+            <a:endParaRPr lang="en-SG"/>
+          </a:p>
+        </p:txBody>
+      </p:sp>
+      <p:sp>
+        <p:nvSpPr>
+          <p:cNvPr id="23" name="TextBox 22"/>
+          <p:cNvSpPr txBox="1"/>
+          <p:nvPr/>
+        </p:nvSpPr>
+        <p:spPr>
+          <a:xfrm>
+            <a:off x="4260911" y="1478890"/>
+            <a:ext cx="838200" cy="369332"/>
+          </a:xfrm>
+          <a:prstGeom prst="rect">
+            <a:avLst/>
+          </a:prstGeom>
+          <a:noFill/>
+        </p:spPr>
+        <p:txBody>
+          <a:bodyPr wrap="square" rtlCol="0">
+            <a:spAutoFit/>
+          </a:bodyPr>
+          <a:lstStyle/>
+          <a:p>
+            <a:r>
+              <a:rPr lang="en-US" dirty="0" smtClean="0"/>
+              <a:t>Slave 1</a:t>
+            </a:r>
+            <a:endParaRPr lang="en-SG" dirty="0"/>
+          </a:p>
+        </p:txBody>
+      </p:sp>
+      <p:sp>
+        <p:nvSpPr>
+          <p:cNvPr id="24" name="TextBox 23"/>
+          <p:cNvSpPr txBox="1"/>
+          <p:nvPr/>
+        </p:nvSpPr>
+        <p:spPr>
+          <a:xfrm>
+            <a:off x="7126673" y="3424578"/>
+            <a:ext cx="553998" cy="704310"/>
+          </a:xfrm>
+          <a:prstGeom prst="rect">
+            <a:avLst/>
+          </a:prstGeom>
+          <a:noFill/>
+        </p:spPr>
+        <p:txBody>
+          <a:bodyPr vert="eaVert" wrap="square" rtlCol="0">
+            <a:spAutoFit/>
+          </a:bodyPr>
+          <a:lstStyle/>
+          <a:p>
+            <a:r>
+              <a:rPr lang="en-US" sz="2400" b="1" dirty="0" smtClean="0"/>
+              <a:t>…</a:t>
+            </a:r>
+            <a:endParaRPr lang="en-SG" sz="2400" b="1" dirty="0"/>
+          </a:p>
+        </p:txBody>
+      </p:sp>
+      <p:sp>
+        <p:nvSpPr>
+          <p:cNvPr id="26" name="TextBox 25"/>
+          <p:cNvSpPr txBox="1"/>
+          <p:nvPr/>
+        </p:nvSpPr>
+        <p:spPr>
+          <a:xfrm>
+            <a:off x="1576908" y="4349330"/>
+            <a:ext cx="838200" cy="369332"/>
+          </a:xfrm>
+          <a:prstGeom prst="rect">
+            <a:avLst/>
+          </a:prstGeom>
+          <a:noFill/>
+        </p:spPr>
+        <p:txBody>
+          <a:bodyPr wrap="square" rtlCol="0">
+            <a:spAutoFit/>
+          </a:bodyPr>
+          <a:lstStyle/>
+          <a:p>
+            <a:r>
+              <a:rPr lang="en-US" dirty="0" smtClean="0"/>
+              <a:t>a.jpg</a:t>
+            </a:r>
+            <a:endParaRPr lang="en-SG" dirty="0"/>
+          </a:p>
+        </p:txBody>
+      </p:sp>
+      <p:sp>
+        <p:nvSpPr>
+          <p:cNvPr id="3" name="Can 2"/>
+          <p:cNvSpPr/>
+          <p:nvPr/>
+        </p:nvSpPr>
+        <p:spPr>
+          <a:xfrm>
+            <a:off x="1584672" y="4163006"/>
+            <a:ext cx="609600" cy="693818"/>
+          </a:xfrm>
+          <a:prstGeom prst="can">
+            <a:avLst/>
+          </a:prstGeom>
+          <a:noFill/>
+        </p:spPr>
+        <p:style>
+          <a:lnRef idx="2">
+            <a:schemeClr val="accent1">
+              <a:shade val="50000"/>
+            </a:schemeClr>
+          </a:lnRef>
+          <a:fillRef idx="1">
+            <a:schemeClr val="accent1"/>
+          </a:fillRef>
+          <a:effectRef idx="0">
+            <a:schemeClr val="accent1"/>
+          </a:effectRef>
+          <a:fontRef idx="minor">
+            <a:schemeClr val="lt1"/>
+          </a:fontRef>
+        </p:style>
+        <p:txBody>
+          <a:bodyPr rtlCol="0" anchor="ctr"/>
+          <a:lstStyle/>
+          <a:p>
+            <a:pPr algn="ctr"/>
+            <a:endParaRPr lang="en-SG"/>
+          </a:p>
+        </p:txBody>
+      </p:sp>
+    </p:spTree>
+    <p:extLst>
+      <p:ext uri="{BB962C8B-B14F-4D97-AF65-F5344CB8AC3E}">
+        <p14:creationId xmlns:p14="http://schemas.microsoft.com/office/powerpoint/2010/main" val="3838676745"/>
+      </p:ext>
+    </p:extLst>
+  </p:cSld>
+  <p:clrMapOvr>
+    <a:masterClrMapping/>
+  </p:clrMapOvr>
+  <mc:AlternateContent xmlns:mc="http://schemas.openxmlformats.org/markup-compatibility/2006">
+    <mc:Choice xmlns:p14="http://schemas.microsoft.com/office/powerpoint/2010/main" Requires="p14">
+      <p:transition spd="slow" p14:dur="2000"/>
+    </mc:Choice>
+    <mc:Fallback>
+      <p:transition spd="slow"/>
+    </mc:Fallback>
+  </mc:AlternateContent>
+  <p:timing>
+    <p:tnLst>
+      <p:par>
+        <p:cTn id="1" dur="indefinite" restart="never" nodeType="tmRoot"/>
+      </p:par>
+    </p:tnLst>
+  </p:timing>
+</p:sld>
+</file>
+
+<file path=ppt/slides/slide8.xml><?xml version="1.0" encoding="utf-8"?>
 <p:sld xmlns:a="http://schemas.openxmlformats.org/drawingml/2006/main" xmlns:r="http://schemas.openxmlformats.org/officeDocument/2006/relationships" xmlns:p="http://schemas.openxmlformats.org/presentationml/2006/main">
   <p:cSld>
     <p:spTree>
@@ -18894,6 +20834,9 @@
         </p:grpSp>
       </p:grpSp>
     </p:spTree>
+    <p:custDataLst>
+      <p:tags r:id="rId1"/>
+    </p:custDataLst>
     <p:extLst>
       <p:ext uri="{BB962C8B-B14F-4D97-AF65-F5344CB8AC3E}">
         <p14:creationId xmlns:p14="http://schemas.microsoft.com/office/powerpoint/2010/main" val="2068928367"/>
@@ -18903,6 +20846,14 @@
   <p:clrMapOvr>
     <a:masterClrMapping/>
   </p:clrMapOvr>
+  <mc:AlternateContent xmlns:mc="http://schemas.openxmlformats.org/markup-compatibility/2006">
+    <mc:Choice xmlns:p14="http://schemas.microsoft.com/office/powerpoint/2010/main" Requires="p14">
+      <p:transition spd="slow" p14:dur="2000"/>
+    </mc:Choice>
+    <mc:Fallback>
+      <p:transition spd="slow"/>
+    </mc:Fallback>
+  </mc:AlternateContent>
   <p:timing>
     <p:tnLst>
       <p:par>
@@ -19132,664 +21083,6 @@
 </p:sld>
 </file>
 
-<file path=ppt/slides/slide8.xml><?xml version="1.0" encoding="utf-8"?>
-<p:sld xmlns:a="http://schemas.openxmlformats.org/drawingml/2006/main" xmlns:r="http://schemas.openxmlformats.org/officeDocument/2006/relationships" xmlns:p="http://schemas.openxmlformats.org/presentationml/2006/main">
-  <p:cSld>
-    <p:spTree>
-      <p:nvGrpSpPr>
-        <p:cNvPr id="1" name=""/>
-        <p:cNvGrpSpPr/>
-        <p:nvPr/>
-      </p:nvGrpSpPr>
-      <p:grpSpPr>
-        <a:xfrm>
-          <a:off x="0" y="0"/>
-          <a:ext cx="0" cy="0"/>
-          <a:chOff x="0" y="0"/>
-          <a:chExt cx="0" cy="0"/>
-        </a:xfrm>
-      </p:grpSpPr>
-      <p:sp>
-        <p:nvSpPr>
-          <p:cNvPr id="2" name="Title 1"/>
-          <p:cNvSpPr>
-            <a:spLocks noGrp="1"/>
-          </p:cNvSpPr>
-          <p:nvPr>
-            <p:ph type="title"/>
-          </p:nvPr>
-        </p:nvSpPr>
-        <p:spPr/>
-        <p:txBody>
-          <a:bodyPr/>
-          <a:lstStyle/>
-          <a:p>
-            <a:r>
-              <a:rPr lang="en-US" dirty="0" smtClean="0"/>
-              <a:t>Read Operation</a:t>
-            </a:r>
-            <a:endParaRPr lang="en-SG" dirty="0"/>
-          </a:p>
-        </p:txBody>
-      </p:sp>
-      <p:sp>
-        <p:nvSpPr>
-          <p:cNvPr id="6" name="Rounded Rectangle 5"/>
-          <p:cNvSpPr/>
-          <p:nvPr/>
-        </p:nvSpPr>
-        <p:spPr>
-          <a:xfrm>
-            <a:off x="1356072" y="3371310"/>
-            <a:ext cx="1066800" cy="533400"/>
-          </a:xfrm>
-          <a:prstGeom prst="roundRect">
-            <a:avLst/>
-          </a:prstGeom>
-          <a:noFill/>
-        </p:spPr>
-        <p:style>
-          <a:lnRef idx="2">
-            <a:schemeClr val="accent1">
-              <a:shade val="50000"/>
-            </a:schemeClr>
-          </a:lnRef>
-          <a:fillRef idx="1">
-            <a:schemeClr val="accent1"/>
-          </a:fillRef>
-          <a:effectRef idx="0">
-            <a:schemeClr val="accent1"/>
-          </a:effectRef>
-          <a:fontRef idx="minor">
-            <a:schemeClr val="lt1"/>
-          </a:fontRef>
-        </p:style>
-        <p:txBody>
-          <a:bodyPr rtlCol="0" anchor="ctr"/>
-          <a:lstStyle/>
-          <a:p>
-            <a:pPr algn="ctr"/>
-            <a:endParaRPr lang="en-SG"/>
-          </a:p>
-        </p:txBody>
-      </p:sp>
-      <p:sp>
-        <p:nvSpPr>
-          <p:cNvPr id="7" name="TextBox 6"/>
-          <p:cNvSpPr txBox="1"/>
-          <p:nvPr/>
-        </p:nvSpPr>
-        <p:spPr>
-          <a:xfrm>
-            <a:off x="1531404" y="3447510"/>
-            <a:ext cx="838200" cy="369332"/>
-          </a:xfrm>
-          <a:prstGeom prst="rect">
-            <a:avLst/>
-          </a:prstGeom>
-          <a:noFill/>
-        </p:spPr>
-        <p:txBody>
-          <a:bodyPr wrap="square" rtlCol="0">
-            <a:spAutoFit/>
-          </a:bodyPr>
-          <a:lstStyle/>
-          <a:p>
-            <a:r>
-              <a:rPr lang="en-US" dirty="0" smtClean="0"/>
-              <a:t>Client</a:t>
-            </a:r>
-            <a:endParaRPr lang="en-SG" dirty="0"/>
-          </a:p>
-        </p:txBody>
-      </p:sp>
-      <p:sp>
-        <p:nvSpPr>
-          <p:cNvPr id="8" name="Rounded Rectangle 7"/>
-          <p:cNvSpPr/>
-          <p:nvPr/>
-        </p:nvSpPr>
-        <p:spPr>
-          <a:xfrm>
-            <a:off x="4937472" y="3371310"/>
-            <a:ext cx="1066800" cy="533400"/>
-          </a:xfrm>
-          <a:prstGeom prst="roundRect">
-            <a:avLst/>
-          </a:prstGeom>
-          <a:noFill/>
-        </p:spPr>
-        <p:style>
-          <a:lnRef idx="2">
-            <a:schemeClr val="accent1">
-              <a:shade val="50000"/>
-            </a:schemeClr>
-          </a:lnRef>
-          <a:fillRef idx="1">
-            <a:schemeClr val="accent1"/>
-          </a:fillRef>
-          <a:effectRef idx="0">
-            <a:schemeClr val="accent1"/>
-          </a:effectRef>
-          <a:fontRef idx="minor">
-            <a:schemeClr val="lt1"/>
-          </a:fontRef>
-        </p:style>
-        <p:txBody>
-          <a:bodyPr rtlCol="0" anchor="ctr"/>
-          <a:lstStyle/>
-          <a:p>
-            <a:pPr algn="ctr"/>
-            <a:endParaRPr lang="en-SG"/>
-          </a:p>
-        </p:txBody>
-      </p:sp>
-      <p:sp>
-        <p:nvSpPr>
-          <p:cNvPr id="9" name="TextBox 8"/>
-          <p:cNvSpPr txBox="1"/>
-          <p:nvPr/>
-        </p:nvSpPr>
-        <p:spPr>
-          <a:xfrm>
-            <a:off x="5089872" y="3447510"/>
-            <a:ext cx="838200" cy="369332"/>
-          </a:xfrm>
-          <a:prstGeom prst="rect">
-            <a:avLst/>
-          </a:prstGeom>
-          <a:noFill/>
-        </p:spPr>
-        <p:txBody>
-          <a:bodyPr wrap="square" rtlCol="0">
-            <a:spAutoFit/>
-          </a:bodyPr>
-          <a:lstStyle/>
-          <a:p>
-            <a:r>
-              <a:rPr lang="en-US" dirty="0" smtClean="0"/>
-              <a:t>Master</a:t>
-            </a:r>
-            <a:endParaRPr lang="en-SG" dirty="0"/>
-          </a:p>
-        </p:txBody>
-      </p:sp>
-      <p:sp>
-        <p:nvSpPr>
-          <p:cNvPr id="10" name="Oval 9"/>
-          <p:cNvSpPr/>
-          <p:nvPr/>
-        </p:nvSpPr>
-        <p:spPr>
-          <a:xfrm>
-            <a:off x="5547072" y="1774979"/>
-            <a:ext cx="914400" cy="533400"/>
-          </a:xfrm>
-          <a:prstGeom prst="ellipse">
-            <a:avLst/>
-          </a:prstGeom>
-          <a:noFill/>
-        </p:spPr>
-        <p:style>
-          <a:lnRef idx="2">
-            <a:schemeClr val="accent1">
-              <a:shade val="50000"/>
-            </a:schemeClr>
-          </a:lnRef>
-          <a:fillRef idx="1">
-            <a:schemeClr val="accent1"/>
-          </a:fillRef>
-          <a:effectRef idx="0">
-            <a:schemeClr val="accent1"/>
-          </a:effectRef>
-          <a:fontRef idx="minor">
-            <a:schemeClr val="lt1"/>
-          </a:fontRef>
-        </p:style>
-        <p:txBody>
-          <a:bodyPr rtlCol="0" anchor="ctr"/>
-          <a:lstStyle/>
-          <a:p>
-            <a:pPr algn="ctr"/>
-            <a:endParaRPr lang="en-SG"/>
-          </a:p>
-        </p:txBody>
-      </p:sp>
-      <p:sp>
-        <p:nvSpPr>
-          <p:cNvPr id="11" name="TextBox 10"/>
-          <p:cNvSpPr txBox="1"/>
-          <p:nvPr/>
-        </p:nvSpPr>
-        <p:spPr>
-          <a:xfrm>
-            <a:off x="5638800" y="1851179"/>
-            <a:ext cx="838200" cy="369332"/>
-          </a:xfrm>
-          <a:prstGeom prst="rect">
-            <a:avLst/>
-          </a:prstGeom>
-          <a:noFill/>
-        </p:spPr>
-        <p:txBody>
-          <a:bodyPr wrap="square" rtlCol="0">
-            <a:spAutoFit/>
-          </a:bodyPr>
-          <a:lstStyle/>
-          <a:p>
-            <a:r>
-              <a:rPr lang="en-US" dirty="0" smtClean="0"/>
-              <a:t>Slave 2</a:t>
-            </a:r>
-            <a:endParaRPr lang="en-SG" dirty="0"/>
-          </a:p>
-        </p:txBody>
-      </p:sp>
-      <p:sp>
-        <p:nvSpPr>
-          <p:cNvPr id="12" name="Oval 11"/>
-          <p:cNvSpPr/>
-          <p:nvPr/>
-        </p:nvSpPr>
-        <p:spPr>
-          <a:xfrm>
-            <a:off x="6766272" y="2369042"/>
-            <a:ext cx="914400" cy="533400"/>
-          </a:xfrm>
-          <a:prstGeom prst="ellipse">
-            <a:avLst/>
-          </a:prstGeom>
-          <a:noFill/>
-        </p:spPr>
-        <p:style>
-          <a:lnRef idx="2">
-            <a:schemeClr val="accent1">
-              <a:shade val="50000"/>
-            </a:schemeClr>
-          </a:lnRef>
-          <a:fillRef idx="1">
-            <a:schemeClr val="accent1"/>
-          </a:fillRef>
-          <a:effectRef idx="0">
-            <a:schemeClr val="accent1"/>
-          </a:effectRef>
-          <a:fontRef idx="minor">
-            <a:schemeClr val="lt1"/>
-          </a:fontRef>
-        </p:style>
-        <p:txBody>
-          <a:bodyPr rtlCol="0" anchor="ctr"/>
-          <a:lstStyle/>
-          <a:p>
-            <a:pPr algn="ctr"/>
-            <a:endParaRPr lang="en-SG"/>
-          </a:p>
-        </p:txBody>
-      </p:sp>
-      <p:sp>
-        <p:nvSpPr>
-          <p:cNvPr id="13" name="TextBox 12"/>
-          <p:cNvSpPr txBox="1"/>
-          <p:nvPr/>
-        </p:nvSpPr>
-        <p:spPr>
-          <a:xfrm>
-            <a:off x="6858000" y="2445242"/>
-            <a:ext cx="838200" cy="369332"/>
-          </a:xfrm>
-          <a:prstGeom prst="rect">
-            <a:avLst/>
-          </a:prstGeom>
-          <a:noFill/>
-        </p:spPr>
-        <p:txBody>
-          <a:bodyPr wrap="square" rtlCol="0">
-            <a:spAutoFit/>
-          </a:bodyPr>
-          <a:lstStyle/>
-          <a:p>
-            <a:r>
-              <a:rPr lang="en-US" dirty="0" smtClean="0"/>
-              <a:t>Slave 3</a:t>
-            </a:r>
-            <a:endParaRPr lang="en-SG" dirty="0"/>
-          </a:p>
-        </p:txBody>
-      </p:sp>
-      <p:sp>
-        <p:nvSpPr>
-          <p:cNvPr id="14" name="Oval 13"/>
-          <p:cNvSpPr/>
-          <p:nvPr/>
-        </p:nvSpPr>
-        <p:spPr>
-          <a:xfrm>
-            <a:off x="6766272" y="4438110"/>
-            <a:ext cx="914400" cy="533400"/>
-          </a:xfrm>
-          <a:prstGeom prst="ellipse">
-            <a:avLst/>
-          </a:prstGeom>
-          <a:noFill/>
-        </p:spPr>
-        <p:style>
-          <a:lnRef idx="2">
-            <a:schemeClr val="accent1">
-              <a:shade val="50000"/>
-            </a:schemeClr>
-          </a:lnRef>
-          <a:fillRef idx="1">
-            <a:schemeClr val="accent1"/>
-          </a:fillRef>
-          <a:effectRef idx="0">
-            <a:schemeClr val="accent1"/>
-          </a:effectRef>
-          <a:fontRef idx="minor">
-            <a:schemeClr val="lt1"/>
-          </a:fontRef>
-        </p:style>
-        <p:txBody>
-          <a:bodyPr rtlCol="0" anchor="ctr"/>
-          <a:lstStyle/>
-          <a:p>
-            <a:pPr algn="ctr"/>
-            <a:endParaRPr lang="en-SG"/>
-          </a:p>
-        </p:txBody>
-      </p:sp>
-      <p:sp>
-        <p:nvSpPr>
-          <p:cNvPr id="15" name="TextBox 14"/>
-          <p:cNvSpPr txBox="1"/>
-          <p:nvPr/>
-        </p:nvSpPr>
-        <p:spPr>
-          <a:xfrm>
-            <a:off x="6858000" y="4514310"/>
-            <a:ext cx="838200" cy="369332"/>
-          </a:xfrm>
-          <a:prstGeom prst="rect">
-            <a:avLst/>
-          </a:prstGeom>
-          <a:noFill/>
-        </p:spPr>
-        <p:txBody>
-          <a:bodyPr wrap="square" rtlCol="0">
-            <a:spAutoFit/>
-          </a:bodyPr>
-          <a:lstStyle/>
-          <a:p>
-            <a:r>
-              <a:rPr lang="en-US" dirty="0" smtClean="0"/>
-              <a:t>Slave 8</a:t>
-            </a:r>
-            <a:endParaRPr lang="en-SG" dirty="0"/>
-          </a:p>
-        </p:txBody>
-      </p:sp>
-      <p:sp>
-        <p:nvSpPr>
-          <p:cNvPr id="16" name="Oval 15"/>
-          <p:cNvSpPr/>
-          <p:nvPr/>
-        </p:nvSpPr>
-        <p:spPr>
-          <a:xfrm>
-            <a:off x="5547072" y="5085810"/>
-            <a:ext cx="914400" cy="533400"/>
-          </a:xfrm>
-          <a:prstGeom prst="ellipse">
-            <a:avLst/>
-          </a:prstGeom>
-          <a:noFill/>
-        </p:spPr>
-        <p:style>
-          <a:lnRef idx="2">
-            <a:schemeClr val="accent1">
-              <a:shade val="50000"/>
-            </a:schemeClr>
-          </a:lnRef>
-          <a:fillRef idx="1">
-            <a:schemeClr val="accent1"/>
-          </a:fillRef>
-          <a:effectRef idx="0">
-            <a:schemeClr val="accent1"/>
-          </a:effectRef>
-          <a:fontRef idx="minor">
-            <a:schemeClr val="lt1"/>
-          </a:fontRef>
-        </p:style>
-        <p:txBody>
-          <a:bodyPr rtlCol="0" anchor="ctr"/>
-          <a:lstStyle/>
-          <a:p>
-            <a:pPr algn="ctr"/>
-            <a:endParaRPr lang="en-SG"/>
-          </a:p>
-        </p:txBody>
-      </p:sp>
-      <p:sp>
-        <p:nvSpPr>
-          <p:cNvPr id="17" name="TextBox 16"/>
-          <p:cNvSpPr txBox="1"/>
-          <p:nvPr/>
-        </p:nvSpPr>
-        <p:spPr>
-          <a:xfrm>
-            <a:off x="5638800" y="5162010"/>
-            <a:ext cx="838200" cy="369332"/>
-          </a:xfrm>
-          <a:prstGeom prst="rect">
-            <a:avLst/>
-          </a:prstGeom>
-          <a:noFill/>
-        </p:spPr>
-        <p:txBody>
-          <a:bodyPr wrap="square" rtlCol="0">
-            <a:spAutoFit/>
-          </a:bodyPr>
-          <a:lstStyle/>
-          <a:p>
-            <a:r>
-              <a:rPr lang="en-US" dirty="0" smtClean="0"/>
-              <a:t>Slave 9</a:t>
-            </a:r>
-            <a:endParaRPr lang="en-SG" dirty="0"/>
-          </a:p>
-        </p:txBody>
-      </p:sp>
-      <p:sp>
-        <p:nvSpPr>
-          <p:cNvPr id="18" name="Oval 17"/>
-          <p:cNvSpPr/>
-          <p:nvPr/>
-        </p:nvSpPr>
-        <p:spPr>
-          <a:xfrm>
-            <a:off x="4175472" y="5276310"/>
-            <a:ext cx="914400" cy="533400"/>
-          </a:xfrm>
-          <a:prstGeom prst="ellipse">
-            <a:avLst/>
-          </a:prstGeom>
-          <a:noFill/>
-        </p:spPr>
-        <p:style>
-          <a:lnRef idx="2">
-            <a:schemeClr val="accent1">
-              <a:shade val="50000"/>
-            </a:schemeClr>
-          </a:lnRef>
-          <a:fillRef idx="1">
-            <a:schemeClr val="accent1"/>
-          </a:fillRef>
-          <a:effectRef idx="0">
-            <a:schemeClr val="accent1"/>
-          </a:effectRef>
-          <a:fontRef idx="minor">
-            <a:schemeClr val="lt1"/>
-          </a:fontRef>
-        </p:style>
-        <p:txBody>
-          <a:bodyPr rtlCol="0" anchor="ctr"/>
-          <a:lstStyle/>
-          <a:p>
-            <a:pPr algn="ctr"/>
-            <a:endParaRPr lang="en-SG"/>
-          </a:p>
-        </p:txBody>
-      </p:sp>
-      <p:sp>
-        <p:nvSpPr>
-          <p:cNvPr id="19" name="TextBox 18"/>
-          <p:cNvSpPr txBox="1"/>
-          <p:nvPr/>
-        </p:nvSpPr>
-        <p:spPr>
-          <a:xfrm>
-            <a:off x="4184350" y="5352510"/>
-            <a:ext cx="929928" cy="369332"/>
-          </a:xfrm>
-          <a:prstGeom prst="rect">
-            <a:avLst/>
-          </a:prstGeom>
-          <a:noFill/>
-        </p:spPr>
-        <p:txBody>
-          <a:bodyPr wrap="square" rtlCol="0">
-            <a:spAutoFit/>
-          </a:bodyPr>
-          <a:lstStyle/>
-          <a:p>
-            <a:r>
-              <a:rPr lang="en-US" dirty="0" smtClean="0"/>
-              <a:t>Slave 10</a:t>
-            </a:r>
-            <a:endParaRPr lang="en-SG" dirty="0"/>
-          </a:p>
-        </p:txBody>
-      </p:sp>
-      <p:sp>
-        <p:nvSpPr>
-          <p:cNvPr id="22" name="Oval 21"/>
-          <p:cNvSpPr/>
-          <p:nvPr/>
-        </p:nvSpPr>
-        <p:spPr>
-          <a:xfrm>
-            <a:off x="4169183" y="1402690"/>
-            <a:ext cx="914400" cy="533400"/>
-          </a:xfrm>
-          <a:prstGeom prst="ellipse">
-            <a:avLst/>
-          </a:prstGeom>
-          <a:noFill/>
-        </p:spPr>
-        <p:style>
-          <a:lnRef idx="2">
-            <a:schemeClr val="accent1">
-              <a:shade val="50000"/>
-            </a:schemeClr>
-          </a:lnRef>
-          <a:fillRef idx="1">
-            <a:schemeClr val="accent1"/>
-          </a:fillRef>
-          <a:effectRef idx="0">
-            <a:schemeClr val="accent1"/>
-          </a:effectRef>
-          <a:fontRef idx="minor">
-            <a:schemeClr val="lt1"/>
-          </a:fontRef>
-        </p:style>
-        <p:txBody>
-          <a:bodyPr rtlCol="0" anchor="ctr"/>
-          <a:lstStyle/>
-          <a:p>
-            <a:pPr algn="ctr"/>
-            <a:endParaRPr lang="en-SG"/>
-          </a:p>
-        </p:txBody>
-      </p:sp>
-      <p:sp>
-        <p:nvSpPr>
-          <p:cNvPr id="23" name="TextBox 22"/>
-          <p:cNvSpPr txBox="1"/>
-          <p:nvPr/>
-        </p:nvSpPr>
-        <p:spPr>
-          <a:xfrm>
-            <a:off x="4260911" y="1478890"/>
-            <a:ext cx="838200" cy="369332"/>
-          </a:xfrm>
-          <a:prstGeom prst="rect">
-            <a:avLst/>
-          </a:prstGeom>
-          <a:noFill/>
-        </p:spPr>
-        <p:txBody>
-          <a:bodyPr wrap="square" rtlCol="0">
-            <a:spAutoFit/>
-          </a:bodyPr>
-          <a:lstStyle/>
-          <a:p>
-            <a:r>
-              <a:rPr lang="en-US" dirty="0" smtClean="0"/>
-              <a:t>Slave 1</a:t>
-            </a:r>
-            <a:endParaRPr lang="en-SG" dirty="0"/>
-          </a:p>
-        </p:txBody>
-      </p:sp>
-      <p:sp>
-        <p:nvSpPr>
-          <p:cNvPr id="24" name="TextBox 23"/>
-          <p:cNvSpPr txBox="1"/>
-          <p:nvPr/>
-        </p:nvSpPr>
-        <p:spPr>
-          <a:xfrm>
-            <a:off x="7126673" y="3424578"/>
-            <a:ext cx="553998" cy="704310"/>
-          </a:xfrm>
-          <a:prstGeom prst="rect">
-            <a:avLst/>
-          </a:prstGeom>
-          <a:noFill/>
-        </p:spPr>
-        <p:txBody>
-          <a:bodyPr vert="eaVert" wrap="square" rtlCol="0">
-            <a:spAutoFit/>
-          </a:bodyPr>
-          <a:lstStyle/>
-          <a:p>
-            <a:r>
-              <a:rPr lang="en-US" sz="2400" b="1" dirty="0" smtClean="0"/>
-              <a:t>…</a:t>
-            </a:r>
-            <a:endParaRPr lang="en-SG" sz="2400" b="1" dirty="0"/>
-          </a:p>
-        </p:txBody>
-      </p:sp>
-    </p:spTree>
-    <p:extLst>
-      <p:ext uri="{BB962C8B-B14F-4D97-AF65-F5344CB8AC3E}">
-        <p14:creationId xmlns:p14="http://schemas.microsoft.com/office/powerpoint/2010/main" val="1130630435"/>
-      </p:ext>
-    </p:extLst>
-  </p:cSld>
-  <p:clrMapOvr>
-    <a:masterClrMapping/>
-  </p:clrMapOvr>
-  <p:timing>
-    <p:tnLst>
-      <p:par>
-        <p:cTn id="1" dur="indefinite" restart="never" nodeType="tmRoot"/>
-      </p:par>
-    </p:tnLst>
-  </p:timing>
-</p:sld>
-</file>
-
 <file path=ppt/slides/slide9.xml><?xml version="1.0" encoding="utf-8"?>
 <p:sld xmlns:a="http://schemas.openxmlformats.org/drawingml/2006/main" xmlns:r="http://schemas.openxmlformats.org/officeDocument/2006/relationships" xmlns:p="http://schemas.openxmlformats.org/presentationml/2006/main">
   <p:cSld>
@@ -20428,74 +21721,6 @@
           </a:p>
         </p:txBody>
       </p:sp>
-      <p:cxnSp>
-        <p:nvCxnSpPr>
-          <p:cNvPr id="4" name="Straight Arrow Connector 3"/>
-          <p:cNvCxnSpPr>
-            <a:stCxn id="6" idx="3"/>
-            <a:endCxn id="8" idx="1"/>
-          </p:cNvCxnSpPr>
-          <p:nvPr/>
-        </p:nvCxnSpPr>
-        <p:spPr>
-          <a:xfrm>
-            <a:off x="2422872" y="3638010"/>
-            <a:ext cx="2514600" cy="0"/>
-          </a:xfrm>
-          <a:prstGeom prst="straightConnector1">
-            <a:avLst/>
-          </a:prstGeom>
-          <a:ln w="28575">
-            <a:prstDash val="sysDot"/>
-            <a:headEnd type="none" w="med" len="med"/>
-            <a:tailEnd type="triangle" w="med" len="med"/>
-          </a:ln>
-        </p:spPr>
-        <p:style>
-          <a:lnRef idx="1">
-            <a:schemeClr val="accent1"/>
-          </a:lnRef>
-          <a:fillRef idx="0">
-            <a:schemeClr val="accent1"/>
-          </a:fillRef>
-          <a:effectRef idx="0">
-            <a:schemeClr val="accent1"/>
-          </a:effectRef>
-          <a:fontRef idx="minor">
-            <a:schemeClr val="tx1"/>
-          </a:fontRef>
-        </p:style>
-      </p:cxnSp>
-      <p:sp>
-        <p:nvSpPr>
-          <p:cNvPr id="25" name="TextBox 24"/>
-          <p:cNvSpPr txBox="1"/>
-          <p:nvPr/>
-        </p:nvSpPr>
-        <p:spPr>
-          <a:xfrm>
-            <a:off x="2438400" y="3257218"/>
-            <a:ext cx="2613372" cy="369332"/>
-          </a:xfrm>
-          <a:prstGeom prst="rect">
-            <a:avLst/>
-          </a:prstGeom>
-          <a:noFill/>
-        </p:spPr>
-        <p:txBody>
-          <a:bodyPr wrap="square" rtlCol="0">
-            <a:spAutoFit/>
-          </a:bodyPr>
-          <a:lstStyle/>
-          <a:p>
-            <a:pPr algn="ctr"/>
-            <a:r>
-              <a:rPr lang="en-US" dirty="0" smtClean="0"/>
-              <a:t>Read file “b.jpg”</a:t>
-            </a:r>
-          </a:p>
-        </p:txBody>
-      </p:sp>
     </p:spTree>
     <p:extLst>
       <p:ext uri="{BB962C8B-B14F-4D97-AF65-F5344CB8AC3E}">
@@ -20506,6 +21731,14 @@
   <p:clrMapOvr>
     <a:masterClrMapping/>
   </p:clrMapOvr>
+  <mc:AlternateContent xmlns:mc="http://schemas.openxmlformats.org/markup-compatibility/2006">
+    <mc:Choice xmlns:p14="http://schemas.microsoft.com/office/powerpoint/2010/main" Requires="p14">
+      <p:transition spd="slow" p14:dur="2000"/>
+    </mc:Choice>
+    <mc:Fallback>
+      <p:transition spd="slow"/>
+    </mc:Fallback>
+  </mc:AlternateContent>
   <p:timing>
     <p:tnLst>
       <p:par>
@@ -20514,6 +21747,48 @@
     </p:tnLst>
   </p:timing>
 </p:sld>
+</file>
+
+<file path=ppt/tags/tag1.xml><?xml version="1.0" encoding="utf-8"?>
+<p:tagLst xmlns:a="http://schemas.openxmlformats.org/drawingml/2006/main" xmlns:r="http://schemas.openxmlformats.org/officeDocument/2006/relationships" xmlns:p="http://schemas.openxmlformats.org/presentationml/2006/main">
+  <p:tag name="TIMING" val="|0|0.1"/>
+</p:tagLst>
+</file>
+
+<file path=ppt/tags/tag2.xml><?xml version="1.0" encoding="utf-8"?>
+<p:tagLst xmlns:a="http://schemas.openxmlformats.org/drawingml/2006/main" xmlns:r="http://schemas.openxmlformats.org/officeDocument/2006/relationships" xmlns:p="http://schemas.openxmlformats.org/presentationml/2006/main">
+  <p:tag name="TIMING" val="|0|0.1|0.1|0.3"/>
+</p:tagLst>
+</file>
+
+<file path=ppt/tags/tag3.xml><?xml version="1.0" encoding="utf-8"?>
+<p:tagLst xmlns:a="http://schemas.openxmlformats.org/drawingml/2006/main" xmlns:r="http://schemas.openxmlformats.org/officeDocument/2006/relationships" xmlns:p="http://schemas.openxmlformats.org/presentationml/2006/main">
+  <p:tag name="TIMING" val="|0.3|0.5|0.2|0.3"/>
+</p:tagLst>
+</file>
+
+<file path=ppt/tags/tag4.xml><?xml version="1.0" encoding="utf-8"?>
+<p:tagLst xmlns:a="http://schemas.openxmlformats.org/drawingml/2006/main" xmlns:r="http://schemas.openxmlformats.org/officeDocument/2006/relationships" xmlns:p="http://schemas.openxmlformats.org/presentationml/2006/main">
+  <p:tag name="TIMING" val="|0.1|0.2|0.2|0.1|0.1|0.1"/>
+</p:tagLst>
+</file>
+
+<file path=ppt/tags/tag5.xml><?xml version="1.0" encoding="utf-8"?>
+<p:tagLst xmlns:a="http://schemas.openxmlformats.org/drawingml/2006/main" xmlns:r="http://schemas.openxmlformats.org/officeDocument/2006/relationships" xmlns:p="http://schemas.openxmlformats.org/presentationml/2006/main">
+  <p:tag name="TIMING" val="|0.1|0.4|0.4|0.1"/>
+</p:tagLst>
+</file>
+
+<file path=ppt/tags/tag6.xml><?xml version="1.0" encoding="utf-8"?>
+<p:tagLst xmlns:a="http://schemas.openxmlformats.org/drawingml/2006/main" xmlns:r="http://schemas.openxmlformats.org/officeDocument/2006/relationships" xmlns:p="http://schemas.openxmlformats.org/presentationml/2006/main">
+  <p:tag name="TIMING" val="|0.1|0.1"/>
+</p:tagLst>
+</file>
+
+<file path=ppt/tags/tag7.xml><?xml version="1.0" encoding="utf-8"?>
+<p:tagLst xmlns:a="http://schemas.openxmlformats.org/drawingml/2006/main" xmlns:r="http://schemas.openxmlformats.org/officeDocument/2006/relationships" xmlns:p="http://schemas.openxmlformats.org/presentationml/2006/main">
+  <p:tag name="TIMING" val="|4.4|16.7|2.2|2.6|0.7|3.2"/>
+</p:tagLst>
 </file>
 
 <file path=ppt/theme/theme1.xml><?xml version="1.0" encoding="utf-8"?>
@@ -20848,4 +22123,289 @@
   <a:objectDefaults/>
   <a:extraClrSchemeLst/>
 </a:theme>
+</file>
+
+<file path=ppt/theme/theme2.xml><?xml version="1.0" encoding="utf-8"?>
+<a:theme xmlns:a="http://schemas.openxmlformats.org/drawingml/2006/main" name="Office 主题​​">
+  <a:themeElements>
+    <a:clrScheme name="Office">
+      <a:dk1>
+        <a:sysClr val="windowText" lastClr="000000"/>
+      </a:dk1>
+      <a:lt1>
+        <a:sysClr val="window" lastClr="FFFFFF"/>
+      </a:lt1>
+      <a:dk2>
+        <a:srgbClr val="1F497D"/>
+      </a:dk2>
+      <a:lt2>
+        <a:srgbClr val="EEECE1"/>
+      </a:lt2>
+      <a:accent1>
+        <a:srgbClr val="4F81BD"/>
+      </a:accent1>
+      <a:accent2>
+        <a:srgbClr val="C0504D"/>
+      </a:accent2>
+      <a:accent3>
+        <a:srgbClr val="9BBB59"/>
+      </a:accent3>
+      <a:accent4>
+        <a:srgbClr val="8064A2"/>
+      </a:accent4>
+      <a:accent5>
+        <a:srgbClr val="4BACC6"/>
+      </a:accent5>
+      <a:accent6>
+        <a:srgbClr val="F79646"/>
+      </a:accent6>
+      <a:hlink>
+        <a:srgbClr val="0000FF"/>
+      </a:hlink>
+      <a:folHlink>
+        <a:srgbClr val="800080"/>
+      </a:folHlink>
+    </a:clrScheme>
+    <a:fontScheme name="Office">
+      <a:majorFont>
+        <a:latin typeface="Calibri"/>
+        <a:ea typeface=""/>
+        <a:cs typeface=""/>
+        <a:font script="Jpan" typeface="ＭＳ Ｐゴシック"/>
+        <a:font script="Hang" typeface="맑은 고딕"/>
+        <a:font script="Hans" typeface="宋体"/>
+        <a:font script="Hant" typeface="新細明體"/>
+        <a:font script="Arab" typeface="Times New Roman"/>
+        <a:font script="Hebr" typeface="Times New Roman"/>
+        <a:font script="Thai" typeface="Angsana New"/>
+        <a:font script="Ethi" typeface="Nyala"/>
+        <a:font script="Beng" typeface="Vrinda"/>
+        <a:font script="Gujr" typeface="Shruti"/>
+        <a:font script="Khmr" typeface="MoolBoran"/>
+        <a:font script="Knda" typeface="Tunga"/>
+        <a:font script="Guru" typeface="Raavi"/>
+        <a:font script="Cans" typeface="Euphemia"/>
+        <a:font script="Cher" typeface="Plantagenet Cherokee"/>
+        <a:font script="Yiii" typeface="Microsoft Yi Baiti"/>
+        <a:font script="Tibt" typeface="Microsoft Himalaya"/>
+        <a:font script="Thaa" typeface="MV Boli"/>
+        <a:font script="Deva" typeface="Mangal"/>
+        <a:font script="Telu" typeface="Gautami"/>
+        <a:font script="Taml" typeface="Latha"/>
+        <a:font script="Syrc" typeface="Estrangelo Edessa"/>
+        <a:font script="Orya" typeface="Kalinga"/>
+        <a:font script="Mlym" typeface="Kartika"/>
+        <a:font script="Laoo" typeface="DokChampa"/>
+        <a:font script="Sinh" typeface="Iskoola Pota"/>
+        <a:font script="Mong" typeface="Mongolian Baiti"/>
+        <a:font script="Viet" typeface="Times New Roman"/>
+        <a:font script="Uigh" typeface="Microsoft Uighur"/>
+        <a:font script="Geor" typeface="Sylfaen"/>
+      </a:majorFont>
+      <a:minorFont>
+        <a:latin typeface="Calibri"/>
+        <a:ea typeface=""/>
+        <a:cs typeface=""/>
+        <a:font script="Jpan" typeface="ＭＳ Ｐゴシック"/>
+        <a:font script="Hang" typeface="맑은 고딕"/>
+        <a:font script="Hans" typeface="宋体"/>
+        <a:font script="Hant" typeface="新細明體"/>
+        <a:font script="Arab" typeface="Arial"/>
+        <a:font script="Hebr" typeface="Arial"/>
+        <a:font script="Thai" typeface="Cordia New"/>
+        <a:font script="Ethi" typeface="Nyala"/>
+        <a:font script="Beng" typeface="Vrinda"/>
+        <a:font script="Gujr" typeface="Shruti"/>
+        <a:font script="Khmr" typeface="DaunPenh"/>
+        <a:font script="Knda" typeface="Tunga"/>
+        <a:font script="Guru" typeface="Raavi"/>
+        <a:font script="Cans" typeface="Euphemia"/>
+        <a:font script="Cher" typeface="Plantagenet Cherokee"/>
+        <a:font script="Yiii" typeface="Microsoft Yi Baiti"/>
+        <a:font script="Tibt" typeface="Microsoft Himalaya"/>
+        <a:font script="Thaa" typeface="MV Boli"/>
+        <a:font script="Deva" typeface="Mangal"/>
+        <a:font script="Telu" typeface="Gautami"/>
+        <a:font script="Taml" typeface="Latha"/>
+        <a:font script="Syrc" typeface="Estrangelo Edessa"/>
+        <a:font script="Orya" typeface="Kalinga"/>
+        <a:font script="Mlym" typeface="Kartika"/>
+        <a:font script="Laoo" typeface="DokChampa"/>
+        <a:font script="Sinh" typeface="Iskoola Pota"/>
+        <a:font script="Mong" typeface="Mongolian Baiti"/>
+        <a:font script="Viet" typeface="Arial"/>
+        <a:font script="Uigh" typeface="Microsoft Uighur"/>
+        <a:font script="Geor" typeface="Sylfaen"/>
+      </a:minorFont>
+    </a:fontScheme>
+    <a:fmtScheme name="Office">
+      <a:fillStyleLst>
+        <a:solidFill>
+          <a:schemeClr val="phClr"/>
+        </a:solidFill>
+        <a:gradFill rotWithShape="1">
+          <a:gsLst>
+            <a:gs pos="0">
+              <a:schemeClr val="phClr">
+                <a:tint val="50000"/>
+                <a:satMod val="300000"/>
+              </a:schemeClr>
+            </a:gs>
+            <a:gs pos="35000">
+              <a:schemeClr val="phClr">
+                <a:tint val="37000"/>
+                <a:satMod val="300000"/>
+              </a:schemeClr>
+            </a:gs>
+            <a:gs pos="100000">
+              <a:schemeClr val="phClr">
+                <a:tint val="15000"/>
+                <a:satMod val="350000"/>
+              </a:schemeClr>
+            </a:gs>
+          </a:gsLst>
+          <a:lin ang="16200000" scaled="1"/>
+        </a:gradFill>
+        <a:gradFill rotWithShape="1">
+          <a:gsLst>
+            <a:gs pos="0">
+              <a:schemeClr val="phClr">
+                <a:shade val="51000"/>
+                <a:satMod val="130000"/>
+              </a:schemeClr>
+            </a:gs>
+            <a:gs pos="80000">
+              <a:schemeClr val="phClr">
+                <a:shade val="93000"/>
+                <a:satMod val="130000"/>
+              </a:schemeClr>
+            </a:gs>
+            <a:gs pos="100000">
+              <a:schemeClr val="phClr">
+                <a:shade val="94000"/>
+                <a:satMod val="135000"/>
+              </a:schemeClr>
+            </a:gs>
+          </a:gsLst>
+          <a:lin ang="16200000" scaled="0"/>
+        </a:gradFill>
+      </a:fillStyleLst>
+      <a:lnStyleLst>
+        <a:ln w="9525" cap="flat" cmpd="sng" algn="ctr">
+          <a:solidFill>
+            <a:schemeClr val="phClr">
+              <a:shade val="95000"/>
+              <a:satMod val="105000"/>
+            </a:schemeClr>
+          </a:solidFill>
+          <a:prstDash val="solid"/>
+        </a:ln>
+        <a:ln w="25400" cap="flat" cmpd="sng" algn="ctr">
+          <a:solidFill>
+            <a:schemeClr val="phClr"/>
+          </a:solidFill>
+          <a:prstDash val="solid"/>
+        </a:ln>
+        <a:ln w="38100" cap="flat" cmpd="sng" algn="ctr">
+          <a:solidFill>
+            <a:schemeClr val="phClr"/>
+          </a:solidFill>
+          <a:prstDash val="solid"/>
+        </a:ln>
+      </a:lnStyleLst>
+      <a:effectStyleLst>
+        <a:effectStyle>
+          <a:effectLst>
+            <a:outerShdw blurRad="40000" dist="20000" dir="5400000" rotWithShape="0">
+              <a:srgbClr val="000000">
+                <a:alpha val="38000"/>
+              </a:srgbClr>
+            </a:outerShdw>
+          </a:effectLst>
+        </a:effectStyle>
+        <a:effectStyle>
+          <a:effectLst>
+            <a:outerShdw blurRad="40000" dist="23000" dir="5400000" rotWithShape="0">
+              <a:srgbClr val="000000">
+                <a:alpha val="35000"/>
+              </a:srgbClr>
+            </a:outerShdw>
+          </a:effectLst>
+        </a:effectStyle>
+        <a:effectStyle>
+          <a:effectLst>
+            <a:outerShdw blurRad="40000" dist="23000" dir="5400000" rotWithShape="0">
+              <a:srgbClr val="000000">
+                <a:alpha val="35000"/>
+              </a:srgbClr>
+            </a:outerShdw>
+          </a:effectLst>
+          <a:scene3d>
+            <a:camera prst="orthographicFront">
+              <a:rot lat="0" lon="0" rev="0"/>
+            </a:camera>
+            <a:lightRig rig="threePt" dir="t">
+              <a:rot lat="0" lon="0" rev="1200000"/>
+            </a:lightRig>
+          </a:scene3d>
+          <a:sp3d>
+            <a:bevelT w="63500" h="25400"/>
+          </a:sp3d>
+        </a:effectStyle>
+      </a:effectStyleLst>
+      <a:bgFillStyleLst>
+        <a:solidFill>
+          <a:schemeClr val="phClr"/>
+        </a:solidFill>
+        <a:gradFill rotWithShape="1">
+          <a:gsLst>
+            <a:gs pos="0">
+              <a:schemeClr val="phClr">
+                <a:tint val="40000"/>
+                <a:satMod val="350000"/>
+              </a:schemeClr>
+            </a:gs>
+            <a:gs pos="40000">
+              <a:schemeClr val="phClr">
+                <a:tint val="45000"/>
+                <a:shade val="99000"/>
+                <a:satMod val="350000"/>
+              </a:schemeClr>
+            </a:gs>
+            <a:gs pos="100000">
+              <a:schemeClr val="phClr">
+                <a:shade val="20000"/>
+                <a:satMod val="255000"/>
+              </a:schemeClr>
+            </a:gs>
+          </a:gsLst>
+          <a:path path="circle">
+            <a:fillToRect l="50000" t="-80000" r="50000" b="180000"/>
+          </a:path>
+        </a:gradFill>
+        <a:gradFill rotWithShape="1">
+          <a:gsLst>
+            <a:gs pos="0">
+              <a:schemeClr val="phClr">
+                <a:tint val="80000"/>
+                <a:satMod val="300000"/>
+              </a:schemeClr>
+            </a:gs>
+            <a:gs pos="100000">
+              <a:schemeClr val="phClr">
+                <a:shade val="30000"/>
+                <a:satMod val="200000"/>
+              </a:schemeClr>
+            </a:gs>
+          </a:gsLst>
+          <a:path path="circle">
+            <a:fillToRect l="50000" t="50000" r="50000" b="50000"/>
+          </a:path>
+        </a:gradFill>
+      </a:bgFillStyleLst>
+    </a:fmtScheme>
+  </a:themeElements>
+  <a:objectDefaults/>
+  <a:extraClrSchemeLst/>
+</a:theme>
 </file>